--- a/src/assets/images/Q_&_A/Q_&_A.pptx
+++ b/src/assets/images/Q_&_A/Q_&_A.pptx
@@ -8,6 +8,7 @@
     <p:sldId id="256" r:id="rId2"/>
     <p:sldId id="257" r:id="rId3"/>
     <p:sldId id="258" r:id="rId4"/>
+    <p:sldId id="259" r:id="rId5"/>
   </p:sldIdLst>
   <p:sldSz cx="12192000" cy="6858000"/>
   <p:notesSz cx="6858000" cy="9144000"/>
@@ -8569,12 +8570,1695 @@
           </a:fontRef>
         </p:style>
       </p:cxnSp>
-      <p:cxnSp>
-        <p:nvCxnSpPr>
-          <p:cNvPr id="88" name="Straight Connector 87">
-            <a:extLst>
-              <a:ext uri="{FF2B5EF4-FFF2-40B4-BE49-F238E27FC236}">
-                <a16:creationId xmlns:a16="http://schemas.microsoft.com/office/drawing/2014/main" id="{475222D2-35EF-49FD-B218-7FD6FB32BC19}"/>
+      <p:sp>
+        <p:nvSpPr>
+          <p:cNvPr id="99" name="TextBox 98">
+            <a:extLst>
+              <a:ext uri="{FF2B5EF4-FFF2-40B4-BE49-F238E27FC236}">
+                <a16:creationId xmlns:a16="http://schemas.microsoft.com/office/drawing/2014/main" id="{4EBAF052-BB9A-45E9-8304-0B52D356EAA0}"/>
+              </a:ext>
+            </a:extLst>
+          </p:cNvPr>
+          <p:cNvSpPr txBox="1"/>
+          <p:nvPr/>
+        </p:nvSpPr>
+        <p:spPr>
+          <a:xfrm>
+            <a:off x="5954077" y="2514164"/>
+            <a:ext cx="274320" cy="400110"/>
+          </a:xfrm>
+          <a:prstGeom prst="rect">
+            <a:avLst/>
+          </a:prstGeom>
+          <a:noFill/>
+        </p:spPr>
+        <p:txBody>
+          <a:bodyPr wrap="square" rtlCol="0">
+            <a:spAutoFit/>
+          </a:bodyPr>
+          <a:lstStyle/>
+          <a:p>
+            <a:pPr algn="ctr"/>
+            <a:r>
+              <a:rPr lang="en-US" sz="2000" b="1" dirty="0">
+                <a:latin typeface="Arial Rounded MT Bold" panose="020F0704030504030204" pitchFamily="34" charset="0"/>
+              </a:rPr>
+              <a:t>–</a:t>
+            </a:r>
+            <a:endParaRPr lang="en-US" dirty="0">
+              <a:latin typeface="Arial Rounded MT Bold" panose="020F0704030504030204" pitchFamily="34" charset="0"/>
+            </a:endParaRPr>
+          </a:p>
+        </p:txBody>
+      </p:sp>
+      <p:sp>
+        <p:nvSpPr>
+          <p:cNvPr id="100" name="TextBox 99">
+            <a:extLst>
+              <a:ext uri="{FF2B5EF4-FFF2-40B4-BE49-F238E27FC236}">
+                <a16:creationId xmlns:a16="http://schemas.microsoft.com/office/drawing/2014/main" id="{6790D200-B69C-4A88-8740-258AB7AC600B}"/>
+              </a:ext>
+            </a:extLst>
+          </p:cNvPr>
+          <p:cNvSpPr txBox="1"/>
+          <p:nvPr/>
+        </p:nvSpPr>
+        <p:spPr>
+          <a:xfrm>
+            <a:off x="5958840" y="2061197"/>
+            <a:ext cx="274320" cy="400110"/>
+          </a:xfrm>
+          <a:prstGeom prst="rect">
+            <a:avLst/>
+          </a:prstGeom>
+          <a:noFill/>
+        </p:spPr>
+        <p:txBody>
+          <a:bodyPr wrap="square" rtlCol="0">
+            <a:spAutoFit/>
+          </a:bodyPr>
+          <a:lstStyle/>
+          <a:p>
+            <a:pPr algn="ctr"/>
+            <a:r>
+              <a:rPr lang="en-US" sz="2000" b="1" dirty="0">
+                <a:latin typeface="Arial Rounded MT Bold" panose="020F0704030504030204" pitchFamily="34" charset="0"/>
+              </a:rPr>
+              <a:t>–</a:t>
+            </a:r>
+            <a:endParaRPr lang="en-US" dirty="0">
+              <a:latin typeface="Arial Rounded MT Bold" panose="020F0704030504030204" pitchFamily="34" charset="0"/>
+            </a:endParaRPr>
+          </a:p>
+        </p:txBody>
+      </p:sp>
+      <p:sp>
+        <p:nvSpPr>
+          <p:cNvPr id="101" name="TextBox 100">
+            <a:extLst>
+              <a:ext uri="{FF2B5EF4-FFF2-40B4-BE49-F238E27FC236}">
+                <a16:creationId xmlns:a16="http://schemas.microsoft.com/office/drawing/2014/main" id="{C2A3F1B3-6F7B-4C1B-AED2-F6C91FEC3B6B}"/>
+              </a:ext>
+            </a:extLst>
+          </p:cNvPr>
+          <p:cNvSpPr txBox="1"/>
+          <p:nvPr/>
+        </p:nvSpPr>
+        <p:spPr>
+          <a:xfrm>
+            <a:off x="5952016" y="1596439"/>
+            <a:ext cx="274320" cy="400110"/>
+          </a:xfrm>
+          <a:prstGeom prst="rect">
+            <a:avLst/>
+          </a:prstGeom>
+          <a:noFill/>
+        </p:spPr>
+        <p:txBody>
+          <a:bodyPr wrap="square" rtlCol="0">
+            <a:spAutoFit/>
+          </a:bodyPr>
+          <a:lstStyle/>
+          <a:p>
+            <a:pPr algn="ctr"/>
+            <a:r>
+              <a:rPr lang="en-US" sz="2000" b="1" dirty="0">
+                <a:latin typeface="Arial Rounded MT Bold" panose="020F0704030504030204" pitchFamily="34" charset="0"/>
+              </a:rPr>
+              <a:t>–</a:t>
+            </a:r>
+            <a:endParaRPr lang="en-US" dirty="0">
+              <a:latin typeface="Arial Rounded MT Bold" panose="020F0704030504030204" pitchFamily="34" charset="0"/>
+            </a:endParaRPr>
+          </a:p>
+        </p:txBody>
+      </p:sp>
+      <p:sp>
+        <p:nvSpPr>
+          <p:cNvPr id="102" name="TextBox 101">
+            <a:extLst>
+              <a:ext uri="{FF2B5EF4-FFF2-40B4-BE49-F238E27FC236}">
+                <a16:creationId xmlns:a16="http://schemas.microsoft.com/office/drawing/2014/main" id="{A3E0F629-118C-4144-A219-450C2FE48C28}"/>
+              </a:ext>
+            </a:extLst>
+          </p:cNvPr>
+          <p:cNvSpPr txBox="1"/>
+          <p:nvPr/>
+        </p:nvSpPr>
+        <p:spPr>
+          <a:xfrm>
+            <a:off x="5952016" y="1144305"/>
+            <a:ext cx="274320" cy="400110"/>
+          </a:xfrm>
+          <a:prstGeom prst="rect">
+            <a:avLst/>
+          </a:prstGeom>
+          <a:noFill/>
+        </p:spPr>
+        <p:txBody>
+          <a:bodyPr wrap="square" rtlCol="0">
+            <a:spAutoFit/>
+          </a:bodyPr>
+          <a:lstStyle/>
+          <a:p>
+            <a:pPr algn="ctr"/>
+            <a:r>
+              <a:rPr lang="en-US" sz="2000" b="1" dirty="0">
+                <a:latin typeface="Arial Rounded MT Bold" panose="020F0704030504030204" pitchFamily="34" charset="0"/>
+              </a:rPr>
+              <a:t>–</a:t>
+            </a:r>
+            <a:endParaRPr lang="en-US" dirty="0">
+              <a:latin typeface="Arial Rounded MT Bold" panose="020F0704030504030204" pitchFamily="34" charset="0"/>
+            </a:endParaRPr>
+          </a:p>
+        </p:txBody>
+      </p:sp>
+      <p:sp>
+        <p:nvSpPr>
+          <p:cNvPr id="103" name="TextBox 102">
+            <a:extLst>
+              <a:ext uri="{FF2B5EF4-FFF2-40B4-BE49-F238E27FC236}">
+                <a16:creationId xmlns:a16="http://schemas.microsoft.com/office/drawing/2014/main" id="{B56C331D-FABC-4AA6-BE4F-BE2E56CC2503}"/>
+              </a:ext>
+            </a:extLst>
+          </p:cNvPr>
+          <p:cNvSpPr txBox="1"/>
+          <p:nvPr/>
+        </p:nvSpPr>
+        <p:spPr>
+          <a:xfrm>
+            <a:off x="5954077" y="3430845"/>
+            <a:ext cx="274320" cy="400110"/>
+          </a:xfrm>
+          <a:prstGeom prst="rect">
+            <a:avLst/>
+          </a:prstGeom>
+          <a:noFill/>
+        </p:spPr>
+        <p:txBody>
+          <a:bodyPr wrap="square" rtlCol="0">
+            <a:spAutoFit/>
+          </a:bodyPr>
+          <a:lstStyle/>
+          <a:p>
+            <a:pPr algn="ctr"/>
+            <a:r>
+              <a:rPr lang="en-US" sz="2000" b="1" dirty="0">
+                <a:latin typeface="Arial Rounded MT Bold" panose="020F0704030504030204" pitchFamily="34" charset="0"/>
+              </a:rPr>
+              <a:t>–</a:t>
+            </a:r>
+            <a:endParaRPr lang="en-US" dirty="0">
+              <a:latin typeface="Arial Rounded MT Bold" panose="020F0704030504030204" pitchFamily="34" charset="0"/>
+            </a:endParaRPr>
+          </a:p>
+        </p:txBody>
+      </p:sp>
+      <p:sp>
+        <p:nvSpPr>
+          <p:cNvPr id="104" name="TextBox 103">
+            <a:extLst>
+              <a:ext uri="{FF2B5EF4-FFF2-40B4-BE49-F238E27FC236}">
+                <a16:creationId xmlns:a16="http://schemas.microsoft.com/office/drawing/2014/main" id="{141A30FB-EAFD-4884-B262-0EDD8C7C5F61}"/>
+              </a:ext>
+            </a:extLst>
+          </p:cNvPr>
+          <p:cNvSpPr txBox="1"/>
+          <p:nvPr/>
+        </p:nvSpPr>
+        <p:spPr>
+          <a:xfrm>
+            <a:off x="5954077" y="3886378"/>
+            <a:ext cx="274320" cy="400110"/>
+          </a:xfrm>
+          <a:prstGeom prst="rect">
+            <a:avLst/>
+          </a:prstGeom>
+          <a:noFill/>
+        </p:spPr>
+        <p:txBody>
+          <a:bodyPr wrap="square" rtlCol="0">
+            <a:spAutoFit/>
+          </a:bodyPr>
+          <a:lstStyle/>
+          <a:p>
+            <a:pPr algn="ctr"/>
+            <a:r>
+              <a:rPr lang="en-US" sz="2000" b="1" dirty="0">
+                <a:latin typeface="Arial Rounded MT Bold" panose="020F0704030504030204" pitchFamily="34" charset="0"/>
+              </a:rPr>
+              <a:t>–</a:t>
+            </a:r>
+            <a:endParaRPr lang="en-US" dirty="0">
+              <a:latin typeface="Arial Rounded MT Bold" panose="020F0704030504030204" pitchFamily="34" charset="0"/>
+            </a:endParaRPr>
+          </a:p>
+        </p:txBody>
+      </p:sp>
+      <p:sp>
+        <p:nvSpPr>
+          <p:cNvPr id="105" name="TextBox 104">
+            <a:extLst>
+              <a:ext uri="{FF2B5EF4-FFF2-40B4-BE49-F238E27FC236}">
+                <a16:creationId xmlns:a16="http://schemas.microsoft.com/office/drawing/2014/main" id="{60066115-7578-4C73-B22B-6CD554647B7C}"/>
+              </a:ext>
+            </a:extLst>
+          </p:cNvPr>
+          <p:cNvSpPr txBox="1"/>
+          <p:nvPr/>
+        </p:nvSpPr>
+        <p:spPr>
+          <a:xfrm>
+            <a:off x="5958840" y="4346121"/>
+            <a:ext cx="274320" cy="400110"/>
+          </a:xfrm>
+          <a:prstGeom prst="rect">
+            <a:avLst/>
+          </a:prstGeom>
+          <a:noFill/>
+        </p:spPr>
+        <p:txBody>
+          <a:bodyPr wrap="square" rtlCol="0">
+            <a:spAutoFit/>
+          </a:bodyPr>
+          <a:lstStyle/>
+          <a:p>
+            <a:pPr algn="ctr"/>
+            <a:r>
+              <a:rPr lang="en-US" sz="2000" b="1" dirty="0">
+                <a:latin typeface="Arial Rounded MT Bold" panose="020F0704030504030204" pitchFamily="34" charset="0"/>
+              </a:rPr>
+              <a:t>–</a:t>
+            </a:r>
+            <a:endParaRPr lang="en-US" dirty="0">
+              <a:latin typeface="Arial Rounded MT Bold" panose="020F0704030504030204" pitchFamily="34" charset="0"/>
+            </a:endParaRPr>
+          </a:p>
+        </p:txBody>
+      </p:sp>
+      <p:sp>
+        <p:nvSpPr>
+          <p:cNvPr id="106" name="TextBox 105">
+            <a:extLst>
+              <a:ext uri="{FF2B5EF4-FFF2-40B4-BE49-F238E27FC236}">
+                <a16:creationId xmlns:a16="http://schemas.microsoft.com/office/drawing/2014/main" id="{34701B56-E9D1-4D41-BEE9-9B99C86859FE}"/>
+              </a:ext>
+            </a:extLst>
+          </p:cNvPr>
+          <p:cNvSpPr txBox="1"/>
+          <p:nvPr/>
+        </p:nvSpPr>
+        <p:spPr>
+          <a:xfrm>
+            <a:off x="5954077" y="4804612"/>
+            <a:ext cx="274320" cy="400110"/>
+          </a:xfrm>
+          <a:prstGeom prst="rect">
+            <a:avLst/>
+          </a:prstGeom>
+          <a:noFill/>
+        </p:spPr>
+        <p:txBody>
+          <a:bodyPr wrap="square" rtlCol="0">
+            <a:spAutoFit/>
+          </a:bodyPr>
+          <a:lstStyle/>
+          <a:p>
+            <a:pPr algn="ctr"/>
+            <a:r>
+              <a:rPr lang="en-US" sz="2000" b="1" dirty="0">
+                <a:latin typeface="Arial Rounded MT Bold" panose="020F0704030504030204" pitchFamily="34" charset="0"/>
+              </a:rPr>
+              <a:t>–</a:t>
+            </a:r>
+            <a:endParaRPr lang="en-US" dirty="0">
+              <a:latin typeface="Arial Rounded MT Bold" panose="020F0704030504030204" pitchFamily="34" charset="0"/>
+            </a:endParaRPr>
+          </a:p>
+        </p:txBody>
+      </p:sp>
+      <p:sp>
+        <p:nvSpPr>
+          <p:cNvPr id="59" name="TextBox 58">
+            <a:extLst>
+              <a:ext uri="{FF2B5EF4-FFF2-40B4-BE49-F238E27FC236}">
+                <a16:creationId xmlns:a16="http://schemas.microsoft.com/office/drawing/2014/main" id="{971F6211-5FAD-4419-B6D1-B803C9C49155}"/>
+              </a:ext>
+            </a:extLst>
+          </p:cNvPr>
+          <p:cNvSpPr txBox="1"/>
+          <p:nvPr/>
+        </p:nvSpPr>
+        <p:spPr>
+          <a:xfrm>
+            <a:off x="5603949" y="915520"/>
+            <a:ext cx="640080" cy="402336"/>
+          </a:xfrm>
+          <a:prstGeom prst="rect">
+            <a:avLst/>
+          </a:prstGeom>
+          <a:noFill/>
+        </p:spPr>
+        <p:txBody>
+          <a:bodyPr wrap="square" rtlCol="0">
+            <a:spAutoFit/>
+          </a:bodyPr>
+          <a:lstStyle/>
+          <a:p>
+            <a:pPr algn="ctr"/>
+            <a:r>
+              <a:rPr lang="en-US" dirty="0">
+                <a:latin typeface="Arial Rounded MT Bold" panose="020F0704030504030204" pitchFamily="34" charset="0"/>
+              </a:rPr>
+              <a:t>10 </a:t>
+            </a:r>
+            <a:r>
+              <a:rPr lang="en-US" sz="2000" b="1" dirty="0">
+                <a:latin typeface="Arial Rounded MT Bold" panose="020F0704030504030204" pitchFamily="34" charset="0"/>
+              </a:rPr>
+              <a:t>–</a:t>
+            </a:r>
+            <a:endParaRPr lang="en-US" dirty="0">
+              <a:latin typeface="Arial Rounded MT Bold" panose="020F0704030504030204" pitchFamily="34" charset="0"/>
+            </a:endParaRPr>
+          </a:p>
+        </p:txBody>
+      </p:sp>
+      <p:sp>
+        <p:nvSpPr>
+          <p:cNvPr id="58" name="TextBox 57">
+            <a:extLst>
+              <a:ext uri="{FF2B5EF4-FFF2-40B4-BE49-F238E27FC236}">
+                <a16:creationId xmlns:a16="http://schemas.microsoft.com/office/drawing/2014/main" id="{033E556D-FFC1-4187-B945-5793D6958BD7}"/>
+              </a:ext>
+            </a:extLst>
+          </p:cNvPr>
+          <p:cNvSpPr txBox="1"/>
+          <p:nvPr/>
+        </p:nvSpPr>
+        <p:spPr>
+          <a:xfrm>
+            <a:off x="5718249" y="1369923"/>
+            <a:ext cx="548640" cy="400110"/>
+          </a:xfrm>
+          <a:prstGeom prst="rect">
+            <a:avLst/>
+          </a:prstGeom>
+          <a:noFill/>
+        </p:spPr>
+        <p:txBody>
+          <a:bodyPr wrap="square" rtlCol="0">
+            <a:spAutoFit/>
+          </a:bodyPr>
+          <a:lstStyle/>
+          <a:p>
+            <a:pPr algn="ctr"/>
+            <a:r>
+              <a:rPr lang="en-US" dirty="0">
+                <a:latin typeface="Arial Rounded MT Bold" panose="020F0704030504030204" pitchFamily="34" charset="0"/>
+              </a:rPr>
+              <a:t>8 </a:t>
+            </a:r>
+            <a:r>
+              <a:rPr lang="en-US" sz="2000" b="1" dirty="0">
+                <a:latin typeface="Arial Rounded MT Bold" panose="020F0704030504030204" pitchFamily="34" charset="0"/>
+              </a:rPr>
+              <a:t>–</a:t>
+            </a:r>
+            <a:endParaRPr lang="en-US" dirty="0">
+              <a:latin typeface="Arial Rounded MT Bold" panose="020F0704030504030204" pitchFamily="34" charset="0"/>
+            </a:endParaRPr>
+          </a:p>
+        </p:txBody>
+      </p:sp>
+      <p:sp>
+        <p:nvSpPr>
+          <p:cNvPr id="57" name="TextBox 56">
+            <a:extLst>
+              <a:ext uri="{FF2B5EF4-FFF2-40B4-BE49-F238E27FC236}">
+                <a16:creationId xmlns:a16="http://schemas.microsoft.com/office/drawing/2014/main" id="{FD6B7015-35CA-4C5F-9BE8-FCD341E1BD6F}"/>
+              </a:ext>
+            </a:extLst>
+          </p:cNvPr>
+          <p:cNvSpPr txBox="1"/>
+          <p:nvPr/>
+        </p:nvSpPr>
+        <p:spPr>
+          <a:xfrm>
+            <a:off x="5717821" y="1831791"/>
+            <a:ext cx="548640" cy="400110"/>
+          </a:xfrm>
+          <a:prstGeom prst="rect">
+            <a:avLst/>
+          </a:prstGeom>
+          <a:noFill/>
+        </p:spPr>
+        <p:txBody>
+          <a:bodyPr wrap="square" rtlCol="0">
+            <a:spAutoFit/>
+          </a:bodyPr>
+          <a:lstStyle/>
+          <a:p>
+            <a:pPr algn="ctr"/>
+            <a:r>
+              <a:rPr lang="en-US" dirty="0">
+                <a:latin typeface="Arial Rounded MT Bold" panose="020F0704030504030204" pitchFamily="34" charset="0"/>
+              </a:rPr>
+              <a:t>6 </a:t>
+            </a:r>
+            <a:r>
+              <a:rPr lang="en-US" sz="2000" b="1" dirty="0">
+                <a:latin typeface="Arial Rounded MT Bold" panose="020F0704030504030204" pitchFamily="34" charset="0"/>
+              </a:rPr>
+              <a:t>–</a:t>
+            </a:r>
+            <a:endParaRPr lang="en-US" dirty="0">
+              <a:latin typeface="Arial Rounded MT Bold" panose="020F0704030504030204" pitchFamily="34" charset="0"/>
+            </a:endParaRPr>
+          </a:p>
+        </p:txBody>
+      </p:sp>
+      <p:sp>
+        <p:nvSpPr>
+          <p:cNvPr id="56" name="TextBox 55">
+            <a:extLst>
+              <a:ext uri="{FF2B5EF4-FFF2-40B4-BE49-F238E27FC236}">
+                <a16:creationId xmlns:a16="http://schemas.microsoft.com/office/drawing/2014/main" id="{619FA407-BE1A-4F68-86E2-B8C472193E11}"/>
+              </a:ext>
+            </a:extLst>
+          </p:cNvPr>
+          <p:cNvSpPr txBox="1"/>
+          <p:nvPr/>
+        </p:nvSpPr>
+        <p:spPr>
+          <a:xfrm>
+            <a:off x="5720310" y="2284375"/>
+            <a:ext cx="548640" cy="400110"/>
+          </a:xfrm>
+          <a:prstGeom prst="rect">
+            <a:avLst/>
+          </a:prstGeom>
+          <a:noFill/>
+        </p:spPr>
+        <p:txBody>
+          <a:bodyPr wrap="square" rtlCol="0">
+            <a:spAutoFit/>
+          </a:bodyPr>
+          <a:lstStyle/>
+          <a:p>
+            <a:pPr algn="ctr"/>
+            <a:r>
+              <a:rPr lang="en-US" dirty="0">
+                <a:latin typeface="Arial Rounded MT Bold" panose="020F0704030504030204" pitchFamily="34" charset="0"/>
+              </a:rPr>
+              <a:t>4 </a:t>
+            </a:r>
+            <a:r>
+              <a:rPr lang="en-US" sz="2000" b="1" dirty="0">
+                <a:latin typeface="Arial Rounded MT Bold" panose="020F0704030504030204" pitchFamily="34" charset="0"/>
+              </a:rPr>
+              <a:t>–</a:t>
+            </a:r>
+            <a:endParaRPr lang="en-US" dirty="0">
+              <a:latin typeface="Arial Rounded MT Bold" panose="020F0704030504030204" pitchFamily="34" charset="0"/>
+            </a:endParaRPr>
+          </a:p>
+        </p:txBody>
+      </p:sp>
+      <p:sp>
+        <p:nvSpPr>
+          <p:cNvPr id="55" name="TextBox 54">
+            <a:extLst>
+              <a:ext uri="{FF2B5EF4-FFF2-40B4-BE49-F238E27FC236}">
+                <a16:creationId xmlns:a16="http://schemas.microsoft.com/office/drawing/2014/main" id="{C7206992-39D2-4E05-925B-446E33F298BD}"/>
+              </a:ext>
+            </a:extLst>
+          </p:cNvPr>
+          <p:cNvSpPr txBox="1"/>
+          <p:nvPr/>
+        </p:nvSpPr>
+        <p:spPr>
+          <a:xfrm>
+            <a:off x="5724645" y="2746242"/>
+            <a:ext cx="548640" cy="400110"/>
+          </a:xfrm>
+          <a:prstGeom prst="rect">
+            <a:avLst/>
+          </a:prstGeom>
+          <a:noFill/>
+        </p:spPr>
+        <p:txBody>
+          <a:bodyPr wrap="square" rtlCol="0">
+            <a:spAutoFit/>
+          </a:bodyPr>
+          <a:lstStyle/>
+          <a:p>
+            <a:pPr algn="ctr"/>
+            <a:r>
+              <a:rPr lang="en-US" dirty="0">
+                <a:latin typeface="Arial Rounded MT Bold" panose="020F0704030504030204" pitchFamily="34" charset="0"/>
+              </a:rPr>
+              <a:t>2 </a:t>
+            </a:r>
+            <a:r>
+              <a:rPr lang="en-US" sz="2000" b="1" dirty="0">
+                <a:latin typeface="Arial Rounded MT Bold" panose="020F0704030504030204" pitchFamily="34" charset="0"/>
+              </a:rPr>
+              <a:t>–</a:t>
+            </a:r>
+            <a:endParaRPr lang="en-US" dirty="0">
+              <a:latin typeface="Arial Rounded MT Bold" panose="020F0704030504030204" pitchFamily="34" charset="0"/>
+            </a:endParaRPr>
+          </a:p>
+        </p:txBody>
+      </p:sp>
+      <p:sp>
+        <p:nvSpPr>
+          <p:cNvPr id="61" name="TextBox 60">
+            <a:extLst>
+              <a:ext uri="{FF2B5EF4-FFF2-40B4-BE49-F238E27FC236}">
+                <a16:creationId xmlns:a16="http://schemas.microsoft.com/office/drawing/2014/main" id="{F042FCD8-3569-4CF1-B28B-69B258910CC8}"/>
+              </a:ext>
+            </a:extLst>
+          </p:cNvPr>
+          <p:cNvSpPr txBox="1"/>
+          <p:nvPr/>
+        </p:nvSpPr>
+        <p:spPr>
+          <a:xfrm>
+            <a:off x="5952684" y="2980463"/>
+            <a:ext cx="274320" cy="400110"/>
+          </a:xfrm>
+          <a:prstGeom prst="rect">
+            <a:avLst/>
+          </a:prstGeom>
+          <a:noFill/>
+        </p:spPr>
+        <p:txBody>
+          <a:bodyPr wrap="square" rtlCol="0">
+            <a:spAutoFit/>
+          </a:bodyPr>
+          <a:lstStyle/>
+          <a:p>
+            <a:pPr algn="ctr"/>
+            <a:r>
+              <a:rPr lang="en-US" sz="2000" b="1" dirty="0">
+                <a:latin typeface="Arial Rounded MT Bold" panose="020F0704030504030204" pitchFamily="34" charset="0"/>
+              </a:rPr>
+              <a:t>–</a:t>
+            </a:r>
+            <a:endParaRPr lang="en-US" dirty="0">
+              <a:latin typeface="Arial Rounded MT Bold" panose="020F0704030504030204" pitchFamily="34" charset="0"/>
+            </a:endParaRPr>
+          </a:p>
+        </p:txBody>
+      </p:sp>
+      <p:sp>
+        <p:nvSpPr>
+          <p:cNvPr id="35" name="TextBox 34">
+            <a:extLst>
+              <a:ext uri="{FF2B5EF4-FFF2-40B4-BE49-F238E27FC236}">
+                <a16:creationId xmlns:a16="http://schemas.microsoft.com/office/drawing/2014/main" id="{BC41920E-AFF4-4558-AE1B-4573319AA45B}"/>
+              </a:ext>
+            </a:extLst>
+          </p:cNvPr>
+          <p:cNvSpPr txBox="1"/>
+          <p:nvPr/>
+        </p:nvSpPr>
+        <p:spPr>
+          <a:xfrm>
+            <a:off x="5636880" y="3661001"/>
+            <a:ext cx="640080" cy="400110"/>
+          </a:xfrm>
+          <a:prstGeom prst="rect">
+            <a:avLst/>
+          </a:prstGeom>
+          <a:noFill/>
+        </p:spPr>
+        <p:txBody>
+          <a:bodyPr wrap="square" rtlCol="0">
+            <a:spAutoFit/>
+          </a:bodyPr>
+          <a:lstStyle/>
+          <a:p>
+            <a:pPr algn="ctr"/>
+            <a:r>
+              <a:rPr lang="en-US" dirty="0">
+                <a:latin typeface="Arial Rounded MT Bold" panose="020F0704030504030204" pitchFamily="34" charset="0"/>
+              </a:rPr>
+              <a:t>-2 </a:t>
+            </a:r>
+            <a:r>
+              <a:rPr lang="en-US" sz="2000" b="1" dirty="0">
+                <a:latin typeface="Arial Rounded MT Bold" panose="020F0704030504030204" pitchFamily="34" charset="0"/>
+              </a:rPr>
+              <a:t>–</a:t>
+            </a:r>
+            <a:endParaRPr lang="en-US" dirty="0">
+              <a:latin typeface="Arial Rounded MT Bold" panose="020F0704030504030204" pitchFamily="34" charset="0"/>
+            </a:endParaRPr>
+          </a:p>
+        </p:txBody>
+      </p:sp>
+      <p:sp>
+        <p:nvSpPr>
+          <p:cNvPr id="51" name="TextBox 50">
+            <a:extLst>
+              <a:ext uri="{FF2B5EF4-FFF2-40B4-BE49-F238E27FC236}">
+                <a16:creationId xmlns:a16="http://schemas.microsoft.com/office/drawing/2014/main" id="{90562555-2D53-4F98-8B21-E80442AB99BC}"/>
+              </a:ext>
+            </a:extLst>
+          </p:cNvPr>
+          <p:cNvSpPr txBox="1"/>
+          <p:nvPr/>
+        </p:nvSpPr>
+        <p:spPr>
+          <a:xfrm>
+            <a:off x="5639411" y="4116534"/>
+            <a:ext cx="640080" cy="400110"/>
+          </a:xfrm>
+          <a:prstGeom prst="rect">
+            <a:avLst/>
+          </a:prstGeom>
+          <a:noFill/>
+        </p:spPr>
+        <p:txBody>
+          <a:bodyPr wrap="square" rtlCol="0">
+            <a:spAutoFit/>
+          </a:bodyPr>
+          <a:lstStyle/>
+          <a:p>
+            <a:pPr algn="ctr"/>
+            <a:r>
+              <a:rPr lang="en-US" dirty="0">
+                <a:latin typeface="Arial Rounded MT Bold" panose="020F0704030504030204" pitchFamily="34" charset="0"/>
+              </a:rPr>
+              <a:t>-4 </a:t>
+            </a:r>
+            <a:r>
+              <a:rPr lang="en-US" sz="2000" b="1" dirty="0">
+                <a:latin typeface="Arial Rounded MT Bold" panose="020F0704030504030204" pitchFamily="34" charset="0"/>
+              </a:rPr>
+              <a:t>–</a:t>
+            </a:r>
+            <a:endParaRPr lang="en-US" dirty="0">
+              <a:latin typeface="Arial Rounded MT Bold" panose="020F0704030504030204" pitchFamily="34" charset="0"/>
+            </a:endParaRPr>
+          </a:p>
+        </p:txBody>
+      </p:sp>
+      <p:sp>
+        <p:nvSpPr>
+          <p:cNvPr id="52" name="TextBox 51">
+            <a:extLst>
+              <a:ext uri="{FF2B5EF4-FFF2-40B4-BE49-F238E27FC236}">
+                <a16:creationId xmlns:a16="http://schemas.microsoft.com/office/drawing/2014/main" id="{87D00E47-D589-450F-93BC-092A4A1161B6}"/>
+              </a:ext>
+            </a:extLst>
+          </p:cNvPr>
+          <p:cNvSpPr txBox="1"/>
+          <p:nvPr/>
+        </p:nvSpPr>
+        <p:spPr>
+          <a:xfrm>
+            <a:off x="5639396" y="4580722"/>
+            <a:ext cx="640080" cy="400110"/>
+          </a:xfrm>
+          <a:prstGeom prst="rect">
+            <a:avLst/>
+          </a:prstGeom>
+          <a:noFill/>
+        </p:spPr>
+        <p:txBody>
+          <a:bodyPr wrap="square" rtlCol="0">
+            <a:spAutoFit/>
+          </a:bodyPr>
+          <a:lstStyle/>
+          <a:p>
+            <a:pPr algn="ctr"/>
+            <a:r>
+              <a:rPr lang="en-US" dirty="0">
+                <a:latin typeface="Arial Rounded MT Bold" panose="020F0704030504030204" pitchFamily="34" charset="0"/>
+              </a:rPr>
+              <a:t>-6 </a:t>
+            </a:r>
+            <a:r>
+              <a:rPr lang="en-US" sz="2000" b="1" dirty="0">
+                <a:latin typeface="Arial Rounded MT Bold" panose="020F0704030504030204" pitchFamily="34" charset="0"/>
+              </a:rPr>
+              <a:t>–</a:t>
+            </a:r>
+            <a:endParaRPr lang="en-US" dirty="0">
+              <a:latin typeface="Arial Rounded MT Bold" panose="020F0704030504030204" pitchFamily="34" charset="0"/>
+            </a:endParaRPr>
+          </a:p>
+        </p:txBody>
+      </p:sp>
+      <p:sp>
+        <p:nvSpPr>
+          <p:cNvPr id="53" name="TextBox 52">
+            <a:extLst>
+              <a:ext uri="{FF2B5EF4-FFF2-40B4-BE49-F238E27FC236}">
+                <a16:creationId xmlns:a16="http://schemas.microsoft.com/office/drawing/2014/main" id="{56AFC334-BA37-490C-B407-C18C0BA6E7FF}"/>
+              </a:ext>
+            </a:extLst>
+          </p:cNvPr>
+          <p:cNvSpPr txBox="1"/>
+          <p:nvPr/>
+        </p:nvSpPr>
+        <p:spPr>
+          <a:xfrm>
+            <a:off x="5637720" y="5028301"/>
+            <a:ext cx="640080" cy="400110"/>
+          </a:xfrm>
+          <a:prstGeom prst="rect">
+            <a:avLst/>
+          </a:prstGeom>
+          <a:noFill/>
+        </p:spPr>
+        <p:txBody>
+          <a:bodyPr wrap="square" rtlCol="0">
+            <a:spAutoFit/>
+          </a:bodyPr>
+          <a:lstStyle/>
+          <a:p>
+            <a:pPr algn="ctr"/>
+            <a:r>
+              <a:rPr lang="en-US" dirty="0">
+                <a:latin typeface="Arial Rounded MT Bold" panose="020F0704030504030204" pitchFamily="34" charset="0"/>
+              </a:rPr>
+              <a:t>-8 </a:t>
+            </a:r>
+            <a:r>
+              <a:rPr lang="en-US" sz="2000" b="1" dirty="0">
+                <a:latin typeface="Arial Rounded MT Bold" panose="020F0704030504030204" pitchFamily="34" charset="0"/>
+              </a:rPr>
+              <a:t>–</a:t>
+            </a:r>
+            <a:endParaRPr lang="en-US" dirty="0">
+              <a:latin typeface="Arial Rounded MT Bold" panose="020F0704030504030204" pitchFamily="34" charset="0"/>
+            </a:endParaRPr>
+          </a:p>
+        </p:txBody>
+      </p:sp>
+      <p:sp>
+        <p:nvSpPr>
+          <p:cNvPr id="108" name="TextBox 107">
+            <a:extLst>
+              <a:ext uri="{FF2B5EF4-FFF2-40B4-BE49-F238E27FC236}">
+                <a16:creationId xmlns:a16="http://schemas.microsoft.com/office/drawing/2014/main" id="{62E4ED03-372B-4D0E-9B21-4A300CFAD2ED}"/>
+              </a:ext>
+            </a:extLst>
+          </p:cNvPr>
+          <p:cNvSpPr txBox="1"/>
+          <p:nvPr/>
+        </p:nvSpPr>
+        <p:spPr>
+          <a:xfrm>
+            <a:off x="5954077" y="5261820"/>
+            <a:ext cx="274320" cy="400110"/>
+          </a:xfrm>
+          <a:prstGeom prst="rect">
+            <a:avLst/>
+          </a:prstGeom>
+          <a:noFill/>
+        </p:spPr>
+        <p:txBody>
+          <a:bodyPr wrap="square" rtlCol="0">
+            <a:spAutoFit/>
+          </a:bodyPr>
+          <a:lstStyle/>
+          <a:p>
+            <a:pPr algn="ctr"/>
+            <a:r>
+              <a:rPr lang="en-US" sz="2000" b="1" dirty="0">
+                <a:latin typeface="Arial Rounded MT Bold" panose="020F0704030504030204" pitchFamily="34" charset="0"/>
+              </a:rPr>
+              <a:t>–</a:t>
+            </a:r>
+            <a:endParaRPr lang="en-US" dirty="0">
+              <a:latin typeface="Arial Rounded MT Bold" panose="020F0704030504030204" pitchFamily="34" charset="0"/>
+            </a:endParaRPr>
+          </a:p>
+        </p:txBody>
+      </p:sp>
+      <p:sp>
+        <p:nvSpPr>
+          <p:cNvPr id="41" name="TextBox 40">
+            <a:extLst>
+              <a:ext uri="{FF2B5EF4-FFF2-40B4-BE49-F238E27FC236}">
+                <a16:creationId xmlns:a16="http://schemas.microsoft.com/office/drawing/2014/main" id="{1DDFA7C7-F3F0-4392-A645-6E9DFC5BD030}"/>
+              </a:ext>
+            </a:extLst>
+          </p:cNvPr>
+          <p:cNvSpPr txBox="1"/>
+          <p:nvPr/>
+        </p:nvSpPr>
+        <p:spPr>
+          <a:xfrm>
+            <a:off x="6326549" y="3270403"/>
+            <a:ext cx="457200" cy="553998"/>
+          </a:xfrm>
+          <a:prstGeom prst="rect">
+            <a:avLst/>
+          </a:prstGeom>
+          <a:noFill/>
+        </p:spPr>
+        <p:txBody>
+          <a:bodyPr wrap="square" rtlCol="0">
+            <a:spAutoFit/>
+          </a:bodyPr>
+          <a:lstStyle/>
+          <a:p>
+            <a:pPr algn="ctr"/>
+            <a:r>
+              <a:rPr lang="en-US" sz="1200" b="1" dirty="0">
+                <a:latin typeface="Arial Rounded MT Bold" panose="020F0704030504030204" pitchFamily="34" charset="0"/>
+              </a:rPr>
+              <a:t>|</a:t>
+            </a:r>
+          </a:p>
+          <a:p>
+            <a:pPr algn="ctr"/>
+            <a:r>
+              <a:rPr lang="en-US" dirty="0">
+                <a:latin typeface="Arial Rounded MT Bold" panose="020F0704030504030204" pitchFamily="34" charset="0"/>
+              </a:rPr>
+              <a:t>2</a:t>
+            </a:r>
+          </a:p>
+        </p:txBody>
+      </p:sp>
+      <p:sp>
+        <p:nvSpPr>
+          <p:cNvPr id="42" name="TextBox 41">
+            <a:extLst>
+              <a:ext uri="{FF2B5EF4-FFF2-40B4-BE49-F238E27FC236}">
+                <a16:creationId xmlns:a16="http://schemas.microsoft.com/office/drawing/2014/main" id="{CF78E1A7-766F-433F-888D-E4639AF438C3}"/>
+              </a:ext>
+            </a:extLst>
+          </p:cNvPr>
+          <p:cNvSpPr txBox="1"/>
+          <p:nvPr/>
+        </p:nvSpPr>
+        <p:spPr>
+          <a:xfrm>
+            <a:off x="6786991" y="3270403"/>
+            <a:ext cx="457200" cy="553998"/>
+          </a:xfrm>
+          <a:prstGeom prst="rect">
+            <a:avLst/>
+          </a:prstGeom>
+          <a:noFill/>
+        </p:spPr>
+        <p:txBody>
+          <a:bodyPr wrap="square" rtlCol="0">
+            <a:spAutoFit/>
+          </a:bodyPr>
+          <a:lstStyle/>
+          <a:p>
+            <a:pPr algn="ctr"/>
+            <a:r>
+              <a:rPr lang="en-US" sz="1200" b="1" dirty="0">
+                <a:latin typeface="Arial Rounded MT Bold" panose="020F0704030504030204" pitchFamily="34" charset="0"/>
+              </a:rPr>
+              <a:t>|</a:t>
+            </a:r>
+          </a:p>
+          <a:p>
+            <a:pPr algn="ctr"/>
+            <a:r>
+              <a:rPr lang="en-US" dirty="0">
+                <a:latin typeface="Arial Rounded MT Bold" panose="020F0704030504030204" pitchFamily="34" charset="0"/>
+              </a:rPr>
+              <a:t>4</a:t>
+            </a:r>
+          </a:p>
+        </p:txBody>
+      </p:sp>
+      <p:sp>
+        <p:nvSpPr>
+          <p:cNvPr id="109" name="TextBox 108">
+            <a:extLst>
+              <a:ext uri="{FF2B5EF4-FFF2-40B4-BE49-F238E27FC236}">
+                <a16:creationId xmlns:a16="http://schemas.microsoft.com/office/drawing/2014/main" id="{21781288-2119-4A29-816D-A78CF3C9708B}"/>
+              </a:ext>
+            </a:extLst>
+          </p:cNvPr>
+          <p:cNvSpPr txBox="1"/>
+          <p:nvPr/>
+        </p:nvSpPr>
+        <p:spPr>
+          <a:xfrm>
+            <a:off x="6235453" y="3270403"/>
+            <a:ext cx="182880" cy="276999"/>
+          </a:xfrm>
+          <a:prstGeom prst="rect">
+            <a:avLst/>
+          </a:prstGeom>
+          <a:noFill/>
+        </p:spPr>
+        <p:txBody>
+          <a:bodyPr wrap="square" rtlCol="0">
+            <a:spAutoFit/>
+          </a:bodyPr>
+          <a:lstStyle/>
+          <a:p>
+            <a:pPr algn="ctr"/>
+            <a:r>
+              <a:rPr lang="en-US" sz="1200" b="1" dirty="0">
+                <a:latin typeface="Arial Rounded MT Bold" panose="020F0704030504030204" pitchFamily="34" charset="0"/>
+              </a:rPr>
+              <a:t>|</a:t>
+            </a:r>
+          </a:p>
+        </p:txBody>
+      </p:sp>
+      <p:sp>
+        <p:nvSpPr>
+          <p:cNvPr id="43" name="TextBox 42">
+            <a:extLst>
+              <a:ext uri="{FF2B5EF4-FFF2-40B4-BE49-F238E27FC236}">
+                <a16:creationId xmlns:a16="http://schemas.microsoft.com/office/drawing/2014/main" id="{4482C8D6-282F-4D9E-8D6C-156BA5C6DED9}"/>
+              </a:ext>
+            </a:extLst>
+          </p:cNvPr>
+          <p:cNvSpPr txBox="1"/>
+          <p:nvPr/>
+        </p:nvSpPr>
+        <p:spPr>
+          <a:xfrm>
+            <a:off x="7249459" y="3270403"/>
+            <a:ext cx="457200" cy="553998"/>
+          </a:xfrm>
+          <a:prstGeom prst="rect">
+            <a:avLst/>
+          </a:prstGeom>
+          <a:noFill/>
+        </p:spPr>
+        <p:txBody>
+          <a:bodyPr wrap="square" rtlCol="0">
+            <a:spAutoFit/>
+          </a:bodyPr>
+          <a:lstStyle/>
+          <a:p>
+            <a:pPr algn="ctr"/>
+            <a:r>
+              <a:rPr lang="en-US" sz="1200" b="1" dirty="0">
+                <a:latin typeface="Arial Rounded MT Bold" panose="020F0704030504030204" pitchFamily="34" charset="0"/>
+              </a:rPr>
+              <a:t>|</a:t>
+            </a:r>
+          </a:p>
+          <a:p>
+            <a:pPr algn="ctr"/>
+            <a:r>
+              <a:rPr lang="en-US" dirty="0">
+                <a:latin typeface="Arial Rounded MT Bold" panose="020F0704030504030204" pitchFamily="34" charset="0"/>
+              </a:rPr>
+              <a:t>6</a:t>
+            </a:r>
+          </a:p>
+        </p:txBody>
+      </p:sp>
+      <p:sp>
+        <p:nvSpPr>
+          <p:cNvPr id="44" name="TextBox 43">
+            <a:extLst>
+              <a:ext uri="{FF2B5EF4-FFF2-40B4-BE49-F238E27FC236}">
+                <a16:creationId xmlns:a16="http://schemas.microsoft.com/office/drawing/2014/main" id="{DDB16C56-ABDC-4966-8204-34B84351C19C}"/>
+              </a:ext>
+            </a:extLst>
+          </p:cNvPr>
+          <p:cNvSpPr txBox="1"/>
+          <p:nvPr/>
+        </p:nvSpPr>
+        <p:spPr>
+          <a:xfrm>
+            <a:off x="7711966" y="3270403"/>
+            <a:ext cx="457200" cy="553998"/>
+          </a:xfrm>
+          <a:prstGeom prst="rect">
+            <a:avLst/>
+          </a:prstGeom>
+          <a:noFill/>
+        </p:spPr>
+        <p:txBody>
+          <a:bodyPr wrap="square" rtlCol="0">
+            <a:spAutoFit/>
+          </a:bodyPr>
+          <a:lstStyle/>
+          <a:p>
+            <a:pPr algn="ctr"/>
+            <a:r>
+              <a:rPr lang="en-US" sz="1200" b="1" dirty="0">
+                <a:latin typeface="Arial Rounded MT Bold" panose="020F0704030504030204" pitchFamily="34" charset="0"/>
+              </a:rPr>
+              <a:t>|</a:t>
+            </a:r>
+          </a:p>
+          <a:p>
+            <a:pPr algn="ctr"/>
+            <a:r>
+              <a:rPr lang="en-US" dirty="0">
+                <a:latin typeface="Arial Rounded MT Bold" panose="020F0704030504030204" pitchFamily="34" charset="0"/>
+              </a:rPr>
+              <a:t>8</a:t>
+            </a:r>
+          </a:p>
+        </p:txBody>
+      </p:sp>
+      <p:sp>
+        <p:nvSpPr>
+          <p:cNvPr id="45" name="TextBox 44">
+            <a:extLst>
+              <a:ext uri="{FF2B5EF4-FFF2-40B4-BE49-F238E27FC236}">
+                <a16:creationId xmlns:a16="http://schemas.microsoft.com/office/drawing/2014/main" id="{E2BD9875-6133-4D79-95B1-255843E596C2}"/>
+              </a:ext>
+            </a:extLst>
+          </p:cNvPr>
+          <p:cNvSpPr txBox="1"/>
+          <p:nvPr/>
+        </p:nvSpPr>
+        <p:spPr>
+          <a:xfrm>
+            <a:off x="8183662" y="3270403"/>
+            <a:ext cx="457200" cy="553998"/>
+          </a:xfrm>
+          <a:prstGeom prst="rect">
+            <a:avLst/>
+          </a:prstGeom>
+          <a:noFill/>
+        </p:spPr>
+        <p:txBody>
+          <a:bodyPr wrap="square" rtlCol="0">
+            <a:spAutoFit/>
+          </a:bodyPr>
+          <a:lstStyle/>
+          <a:p>
+            <a:pPr algn="ctr"/>
+            <a:r>
+              <a:rPr lang="en-US" sz="1200" b="1" dirty="0">
+                <a:latin typeface="Arial Rounded MT Bold" panose="020F0704030504030204" pitchFamily="34" charset="0"/>
+              </a:rPr>
+              <a:t>|</a:t>
+            </a:r>
+          </a:p>
+          <a:p>
+            <a:pPr algn="ctr"/>
+            <a:r>
+              <a:rPr lang="en-US" dirty="0">
+                <a:latin typeface="Arial Rounded MT Bold" panose="020F0704030504030204" pitchFamily="34" charset="0"/>
+              </a:rPr>
+              <a:t>10</a:t>
+            </a:r>
+          </a:p>
+        </p:txBody>
+      </p:sp>
+      <p:sp>
+        <p:nvSpPr>
+          <p:cNvPr id="110" name="TextBox 109">
+            <a:extLst>
+              <a:ext uri="{FF2B5EF4-FFF2-40B4-BE49-F238E27FC236}">
+                <a16:creationId xmlns:a16="http://schemas.microsoft.com/office/drawing/2014/main" id="{A68D9F29-3E03-491C-BB9A-291C626A786E}"/>
+              </a:ext>
+            </a:extLst>
+          </p:cNvPr>
+          <p:cNvSpPr txBox="1"/>
+          <p:nvPr/>
+        </p:nvSpPr>
+        <p:spPr>
+          <a:xfrm>
+            <a:off x="6697430" y="3270403"/>
+            <a:ext cx="182880" cy="276999"/>
+          </a:xfrm>
+          <a:prstGeom prst="rect">
+            <a:avLst/>
+          </a:prstGeom>
+          <a:noFill/>
+        </p:spPr>
+        <p:txBody>
+          <a:bodyPr wrap="square" rtlCol="0">
+            <a:spAutoFit/>
+          </a:bodyPr>
+          <a:lstStyle/>
+          <a:p>
+            <a:pPr algn="ctr"/>
+            <a:r>
+              <a:rPr lang="en-US" sz="1200" b="1" dirty="0">
+                <a:latin typeface="Arial Rounded MT Bold" panose="020F0704030504030204" pitchFamily="34" charset="0"/>
+              </a:rPr>
+              <a:t>|</a:t>
+            </a:r>
+          </a:p>
+        </p:txBody>
+      </p:sp>
+      <p:sp>
+        <p:nvSpPr>
+          <p:cNvPr id="111" name="TextBox 110">
+            <a:extLst>
+              <a:ext uri="{FF2B5EF4-FFF2-40B4-BE49-F238E27FC236}">
+                <a16:creationId xmlns:a16="http://schemas.microsoft.com/office/drawing/2014/main" id="{2DC80D86-3BA3-4DB7-8276-AA74CB1CDF6E}"/>
+              </a:ext>
+            </a:extLst>
+          </p:cNvPr>
+          <p:cNvSpPr txBox="1"/>
+          <p:nvPr/>
+        </p:nvSpPr>
+        <p:spPr>
+          <a:xfrm>
+            <a:off x="7155716" y="3270403"/>
+            <a:ext cx="182880" cy="276999"/>
+          </a:xfrm>
+          <a:prstGeom prst="rect">
+            <a:avLst/>
+          </a:prstGeom>
+          <a:noFill/>
+        </p:spPr>
+        <p:txBody>
+          <a:bodyPr wrap="square" rtlCol="0">
+            <a:spAutoFit/>
+          </a:bodyPr>
+          <a:lstStyle/>
+          <a:p>
+            <a:pPr algn="ctr"/>
+            <a:r>
+              <a:rPr lang="en-US" sz="1200" b="1" dirty="0">
+                <a:latin typeface="Arial Rounded MT Bold" panose="020F0704030504030204" pitchFamily="34" charset="0"/>
+              </a:rPr>
+              <a:t>|</a:t>
+            </a:r>
+          </a:p>
+        </p:txBody>
+      </p:sp>
+      <p:sp>
+        <p:nvSpPr>
+          <p:cNvPr id="112" name="TextBox 111">
+            <a:extLst>
+              <a:ext uri="{FF2B5EF4-FFF2-40B4-BE49-F238E27FC236}">
+                <a16:creationId xmlns:a16="http://schemas.microsoft.com/office/drawing/2014/main" id="{BB7EC315-CD2E-4F48-BEF6-E5FF5AB1C641}"/>
+              </a:ext>
+            </a:extLst>
+          </p:cNvPr>
+          <p:cNvSpPr txBox="1"/>
+          <p:nvPr/>
+        </p:nvSpPr>
+        <p:spPr>
+          <a:xfrm>
+            <a:off x="7607829" y="3270403"/>
+            <a:ext cx="182880" cy="276999"/>
+          </a:xfrm>
+          <a:prstGeom prst="rect">
+            <a:avLst/>
+          </a:prstGeom>
+          <a:noFill/>
+        </p:spPr>
+        <p:txBody>
+          <a:bodyPr wrap="square" rtlCol="0">
+            <a:spAutoFit/>
+          </a:bodyPr>
+          <a:lstStyle/>
+          <a:p>
+            <a:pPr algn="ctr"/>
+            <a:r>
+              <a:rPr lang="en-US" sz="1200" b="1" dirty="0">
+                <a:latin typeface="Arial Rounded MT Bold" panose="020F0704030504030204" pitchFamily="34" charset="0"/>
+              </a:rPr>
+              <a:t>|</a:t>
+            </a:r>
+          </a:p>
+        </p:txBody>
+      </p:sp>
+      <p:sp>
+        <p:nvSpPr>
+          <p:cNvPr id="113" name="TextBox 112">
+            <a:extLst>
+              <a:ext uri="{FF2B5EF4-FFF2-40B4-BE49-F238E27FC236}">
+                <a16:creationId xmlns:a16="http://schemas.microsoft.com/office/drawing/2014/main" id="{74621BB5-D088-4023-97CD-DAC42E9F18FD}"/>
+              </a:ext>
+            </a:extLst>
+          </p:cNvPr>
+          <p:cNvSpPr txBox="1"/>
+          <p:nvPr/>
+        </p:nvSpPr>
+        <p:spPr>
+          <a:xfrm>
+            <a:off x="8081527" y="3270403"/>
+            <a:ext cx="182880" cy="276999"/>
+          </a:xfrm>
+          <a:prstGeom prst="rect">
+            <a:avLst/>
+          </a:prstGeom>
+          <a:noFill/>
+        </p:spPr>
+        <p:txBody>
+          <a:bodyPr wrap="square" rtlCol="0">
+            <a:spAutoFit/>
+          </a:bodyPr>
+          <a:lstStyle/>
+          <a:p>
+            <a:pPr algn="ctr"/>
+            <a:r>
+              <a:rPr lang="en-US" sz="1200" b="1" dirty="0">
+                <a:latin typeface="Arial Rounded MT Bold" panose="020F0704030504030204" pitchFamily="34" charset="0"/>
+              </a:rPr>
+              <a:t>|</a:t>
+            </a:r>
+          </a:p>
+        </p:txBody>
+      </p:sp>
+      <p:sp>
+        <p:nvSpPr>
+          <p:cNvPr id="114" name="TextBox 113">
+            <a:extLst>
+              <a:ext uri="{FF2B5EF4-FFF2-40B4-BE49-F238E27FC236}">
+                <a16:creationId xmlns:a16="http://schemas.microsoft.com/office/drawing/2014/main" id="{791D89F4-AA09-4E94-8865-29426401AA78}"/>
+              </a:ext>
+            </a:extLst>
+          </p:cNvPr>
+          <p:cNvSpPr txBox="1"/>
+          <p:nvPr/>
+        </p:nvSpPr>
+        <p:spPr>
+          <a:xfrm>
+            <a:off x="5782285" y="3270403"/>
+            <a:ext cx="182880" cy="276999"/>
+          </a:xfrm>
+          <a:prstGeom prst="rect">
+            <a:avLst/>
+          </a:prstGeom>
+          <a:noFill/>
+        </p:spPr>
+        <p:txBody>
+          <a:bodyPr wrap="square" rtlCol="0">
+            <a:spAutoFit/>
+          </a:bodyPr>
+          <a:lstStyle/>
+          <a:p>
+            <a:pPr algn="ctr"/>
+            <a:r>
+              <a:rPr lang="en-US" sz="1200" b="1" dirty="0">
+                <a:latin typeface="Arial Rounded MT Bold" panose="020F0704030504030204" pitchFamily="34" charset="0"/>
+              </a:rPr>
+              <a:t>|</a:t>
+            </a:r>
+          </a:p>
+        </p:txBody>
+      </p:sp>
+      <p:sp>
+        <p:nvSpPr>
+          <p:cNvPr id="46" name="TextBox 45">
+            <a:extLst>
+              <a:ext uri="{FF2B5EF4-FFF2-40B4-BE49-F238E27FC236}">
+                <a16:creationId xmlns:a16="http://schemas.microsoft.com/office/drawing/2014/main" id="{41E1473A-3443-4218-8980-A4A032A46E27}"/>
+              </a:ext>
+            </a:extLst>
+          </p:cNvPr>
+          <p:cNvSpPr txBox="1"/>
+          <p:nvPr/>
+        </p:nvSpPr>
+        <p:spPr>
+          <a:xfrm>
+            <a:off x="5414933" y="3270403"/>
+            <a:ext cx="457200" cy="553998"/>
+          </a:xfrm>
+          <a:prstGeom prst="rect">
+            <a:avLst/>
+          </a:prstGeom>
+          <a:noFill/>
+        </p:spPr>
+        <p:txBody>
+          <a:bodyPr wrap="square" rtlCol="0">
+            <a:spAutoFit/>
+          </a:bodyPr>
+          <a:lstStyle/>
+          <a:p>
+            <a:pPr algn="ctr"/>
+            <a:r>
+              <a:rPr lang="en-US" sz="1200" b="1" dirty="0">
+                <a:latin typeface="Arial Rounded MT Bold" panose="020F0704030504030204" pitchFamily="34" charset="0"/>
+              </a:rPr>
+              <a:t>|</a:t>
+            </a:r>
+          </a:p>
+          <a:p>
+            <a:pPr algn="ctr"/>
+            <a:r>
+              <a:rPr lang="en-US" dirty="0">
+                <a:latin typeface="Arial Rounded MT Bold" panose="020F0704030504030204" pitchFamily="34" charset="0"/>
+              </a:rPr>
+              <a:t>-2</a:t>
+            </a:r>
+          </a:p>
+        </p:txBody>
+      </p:sp>
+      <p:sp>
+        <p:nvSpPr>
+          <p:cNvPr id="47" name="TextBox 46">
+            <a:extLst>
+              <a:ext uri="{FF2B5EF4-FFF2-40B4-BE49-F238E27FC236}">
+                <a16:creationId xmlns:a16="http://schemas.microsoft.com/office/drawing/2014/main" id="{26809BB3-AA0F-4AAF-9AD9-3A5E7BBB9A8E}"/>
+              </a:ext>
+            </a:extLst>
+          </p:cNvPr>
+          <p:cNvSpPr txBox="1"/>
+          <p:nvPr/>
+        </p:nvSpPr>
+        <p:spPr>
+          <a:xfrm>
+            <a:off x="4950805" y="3270403"/>
+            <a:ext cx="457200" cy="553998"/>
+          </a:xfrm>
+          <a:prstGeom prst="rect">
+            <a:avLst/>
+          </a:prstGeom>
+          <a:noFill/>
+        </p:spPr>
+        <p:txBody>
+          <a:bodyPr wrap="square" rtlCol="0">
+            <a:spAutoFit/>
+          </a:bodyPr>
+          <a:lstStyle/>
+          <a:p>
+            <a:pPr algn="ctr"/>
+            <a:r>
+              <a:rPr lang="en-US" sz="1200" b="1" dirty="0">
+                <a:latin typeface="Arial Rounded MT Bold" panose="020F0704030504030204" pitchFamily="34" charset="0"/>
+              </a:rPr>
+              <a:t>|</a:t>
+            </a:r>
+          </a:p>
+          <a:p>
+            <a:pPr algn="ctr"/>
+            <a:r>
+              <a:rPr lang="en-US" dirty="0">
+                <a:latin typeface="Arial Rounded MT Bold" panose="020F0704030504030204" pitchFamily="34" charset="0"/>
+              </a:rPr>
+              <a:t>-4</a:t>
+            </a:r>
+          </a:p>
+        </p:txBody>
+      </p:sp>
+      <p:sp>
+        <p:nvSpPr>
+          <p:cNvPr id="48" name="TextBox 47">
+            <a:extLst>
+              <a:ext uri="{FF2B5EF4-FFF2-40B4-BE49-F238E27FC236}">
+                <a16:creationId xmlns:a16="http://schemas.microsoft.com/office/drawing/2014/main" id="{B9AB481C-C67A-4B55-B89E-B7CF9B03C0E5}"/>
+              </a:ext>
+            </a:extLst>
+          </p:cNvPr>
+          <p:cNvSpPr txBox="1"/>
+          <p:nvPr/>
+        </p:nvSpPr>
+        <p:spPr>
+          <a:xfrm>
+            <a:off x="4497828" y="3270403"/>
+            <a:ext cx="457200" cy="553998"/>
+          </a:xfrm>
+          <a:prstGeom prst="rect">
+            <a:avLst/>
+          </a:prstGeom>
+          <a:noFill/>
+        </p:spPr>
+        <p:txBody>
+          <a:bodyPr wrap="square" rtlCol="0">
+            <a:spAutoFit/>
+          </a:bodyPr>
+          <a:lstStyle/>
+          <a:p>
+            <a:pPr algn="ctr"/>
+            <a:r>
+              <a:rPr lang="en-US" sz="1200" b="1" dirty="0">
+                <a:latin typeface="Arial Rounded MT Bold" panose="020F0704030504030204" pitchFamily="34" charset="0"/>
+              </a:rPr>
+              <a:t>|</a:t>
+            </a:r>
+          </a:p>
+          <a:p>
+            <a:pPr algn="ctr"/>
+            <a:r>
+              <a:rPr lang="en-US" dirty="0">
+                <a:latin typeface="Arial Rounded MT Bold" panose="020F0704030504030204" pitchFamily="34" charset="0"/>
+              </a:rPr>
+              <a:t>-6</a:t>
+            </a:r>
+          </a:p>
+        </p:txBody>
+      </p:sp>
+      <p:sp>
+        <p:nvSpPr>
+          <p:cNvPr id="49" name="TextBox 48">
+            <a:extLst>
+              <a:ext uri="{FF2B5EF4-FFF2-40B4-BE49-F238E27FC236}">
+                <a16:creationId xmlns:a16="http://schemas.microsoft.com/office/drawing/2014/main" id="{4021C30E-3A8C-4DC0-A700-AF21FCA65BA2}"/>
+              </a:ext>
+            </a:extLst>
+          </p:cNvPr>
+          <p:cNvSpPr txBox="1"/>
+          <p:nvPr/>
+        </p:nvSpPr>
+        <p:spPr>
+          <a:xfrm>
+            <a:off x="4035854" y="3270403"/>
+            <a:ext cx="457200" cy="553998"/>
+          </a:xfrm>
+          <a:prstGeom prst="rect">
+            <a:avLst/>
+          </a:prstGeom>
+          <a:noFill/>
+        </p:spPr>
+        <p:txBody>
+          <a:bodyPr wrap="square" rtlCol="0">
+            <a:spAutoFit/>
+          </a:bodyPr>
+          <a:lstStyle/>
+          <a:p>
+            <a:pPr algn="ctr"/>
+            <a:r>
+              <a:rPr lang="en-US" sz="1200" b="1" dirty="0">
+                <a:latin typeface="Arial Rounded MT Bold" panose="020F0704030504030204" pitchFamily="34" charset="0"/>
+              </a:rPr>
+              <a:t>|</a:t>
+            </a:r>
+          </a:p>
+          <a:p>
+            <a:pPr algn="ctr"/>
+            <a:r>
+              <a:rPr lang="en-US" dirty="0">
+                <a:latin typeface="Arial Rounded MT Bold" panose="020F0704030504030204" pitchFamily="34" charset="0"/>
+              </a:rPr>
+              <a:t>-8</a:t>
+            </a:r>
+          </a:p>
+        </p:txBody>
+      </p:sp>
+      <p:sp>
+        <p:nvSpPr>
+          <p:cNvPr id="50" name="TextBox 49">
+            <a:extLst>
+              <a:ext uri="{FF2B5EF4-FFF2-40B4-BE49-F238E27FC236}">
+                <a16:creationId xmlns:a16="http://schemas.microsoft.com/office/drawing/2014/main" id="{AF380627-FC4F-42B7-AB5F-4D14EB400404}"/>
+              </a:ext>
+            </a:extLst>
+          </p:cNvPr>
+          <p:cNvSpPr txBox="1"/>
+          <p:nvPr/>
+        </p:nvSpPr>
+        <p:spPr>
+          <a:xfrm>
+            <a:off x="3531453" y="3270403"/>
+            <a:ext cx="548640" cy="557784"/>
+          </a:xfrm>
+          <a:prstGeom prst="rect">
+            <a:avLst/>
+          </a:prstGeom>
+          <a:noFill/>
+        </p:spPr>
+        <p:txBody>
+          <a:bodyPr wrap="square" rtlCol="0">
+            <a:spAutoFit/>
+          </a:bodyPr>
+          <a:lstStyle/>
+          <a:p>
+            <a:pPr algn="ctr"/>
+            <a:r>
+              <a:rPr lang="en-US" sz="1200" b="1" dirty="0">
+                <a:latin typeface="Arial Rounded MT Bold" panose="020F0704030504030204" pitchFamily="34" charset="0"/>
+              </a:rPr>
+              <a:t>|</a:t>
+            </a:r>
+          </a:p>
+          <a:p>
+            <a:pPr algn="ctr"/>
+            <a:r>
+              <a:rPr lang="en-US" dirty="0">
+                <a:latin typeface="Arial Rounded MT Bold" panose="020F0704030504030204" pitchFamily="34" charset="0"/>
+              </a:rPr>
+              <a:t>-10</a:t>
+            </a:r>
+          </a:p>
+        </p:txBody>
+      </p:sp>
+      <p:sp>
+        <p:nvSpPr>
+          <p:cNvPr id="115" name="TextBox 114">
+            <a:extLst>
+              <a:ext uri="{FF2B5EF4-FFF2-40B4-BE49-F238E27FC236}">
+                <a16:creationId xmlns:a16="http://schemas.microsoft.com/office/drawing/2014/main" id="{9CC977CA-36C2-4C89-9617-BEEA5B5C7A48}"/>
+              </a:ext>
+            </a:extLst>
+          </p:cNvPr>
+          <p:cNvSpPr txBox="1"/>
+          <p:nvPr/>
+        </p:nvSpPr>
+        <p:spPr>
+          <a:xfrm>
+            <a:off x="5324916" y="3270403"/>
+            <a:ext cx="182880" cy="276999"/>
+          </a:xfrm>
+          <a:prstGeom prst="rect">
+            <a:avLst/>
+          </a:prstGeom>
+          <a:noFill/>
+        </p:spPr>
+        <p:txBody>
+          <a:bodyPr wrap="square" rtlCol="0">
+            <a:spAutoFit/>
+          </a:bodyPr>
+          <a:lstStyle/>
+          <a:p>
+            <a:pPr algn="ctr"/>
+            <a:r>
+              <a:rPr lang="en-US" sz="1200" b="1" dirty="0">
+                <a:latin typeface="Arial Rounded MT Bold" panose="020F0704030504030204" pitchFamily="34" charset="0"/>
+              </a:rPr>
+              <a:t>|</a:t>
+            </a:r>
+          </a:p>
+        </p:txBody>
+      </p:sp>
+      <p:sp>
+        <p:nvSpPr>
+          <p:cNvPr id="116" name="TextBox 115">
+            <a:extLst>
+              <a:ext uri="{FF2B5EF4-FFF2-40B4-BE49-F238E27FC236}">
+                <a16:creationId xmlns:a16="http://schemas.microsoft.com/office/drawing/2014/main" id="{C4EC6E9A-2208-43A4-A4DD-D18A653A3739}"/>
+              </a:ext>
+            </a:extLst>
+          </p:cNvPr>
+          <p:cNvSpPr txBox="1"/>
+          <p:nvPr/>
+        </p:nvSpPr>
+        <p:spPr>
+          <a:xfrm>
+            <a:off x="4867081" y="3270403"/>
+            <a:ext cx="182880" cy="276999"/>
+          </a:xfrm>
+          <a:prstGeom prst="rect">
+            <a:avLst/>
+          </a:prstGeom>
+          <a:noFill/>
+        </p:spPr>
+        <p:txBody>
+          <a:bodyPr wrap="square" rtlCol="0">
+            <a:spAutoFit/>
+          </a:bodyPr>
+          <a:lstStyle/>
+          <a:p>
+            <a:pPr algn="ctr"/>
+            <a:r>
+              <a:rPr lang="en-US" sz="1200" b="1" dirty="0">
+                <a:latin typeface="Arial Rounded MT Bold" panose="020F0704030504030204" pitchFamily="34" charset="0"/>
+              </a:rPr>
+              <a:t>|</a:t>
+            </a:r>
+          </a:p>
+        </p:txBody>
+      </p:sp>
+      <p:sp>
+        <p:nvSpPr>
+          <p:cNvPr id="117" name="TextBox 116">
+            <a:extLst>
+              <a:ext uri="{FF2B5EF4-FFF2-40B4-BE49-F238E27FC236}">
+                <a16:creationId xmlns:a16="http://schemas.microsoft.com/office/drawing/2014/main" id="{484CDBBF-5AB9-4443-AE3F-380DA7B78202}"/>
+              </a:ext>
+            </a:extLst>
+          </p:cNvPr>
+          <p:cNvSpPr txBox="1"/>
+          <p:nvPr/>
+        </p:nvSpPr>
+        <p:spPr>
+          <a:xfrm>
+            <a:off x="4410561" y="3270403"/>
+            <a:ext cx="182880" cy="276999"/>
+          </a:xfrm>
+          <a:prstGeom prst="rect">
+            <a:avLst/>
+          </a:prstGeom>
+          <a:noFill/>
+        </p:spPr>
+        <p:txBody>
+          <a:bodyPr wrap="square" rtlCol="0">
+            <a:spAutoFit/>
+          </a:bodyPr>
+          <a:lstStyle/>
+          <a:p>
+            <a:pPr algn="ctr"/>
+            <a:r>
+              <a:rPr lang="en-US" sz="1200" b="1" dirty="0">
+                <a:latin typeface="Arial Rounded MT Bold" panose="020F0704030504030204" pitchFamily="34" charset="0"/>
+              </a:rPr>
+              <a:t>|</a:t>
+            </a:r>
+          </a:p>
+        </p:txBody>
+      </p:sp>
+      <p:sp>
+        <p:nvSpPr>
+          <p:cNvPr id="119" name="TextBox 118">
+            <a:extLst>
+              <a:ext uri="{FF2B5EF4-FFF2-40B4-BE49-F238E27FC236}">
+                <a16:creationId xmlns:a16="http://schemas.microsoft.com/office/drawing/2014/main" id="{8CBD66F1-0DFF-4E86-805E-8F7FD589958D}"/>
+              </a:ext>
+            </a:extLst>
+          </p:cNvPr>
+          <p:cNvSpPr txBox="1"/>
+          <p:nvPr/>
+        </p:nvSpPr>
+        <p:spPr>
+          <a:xfrm>
+            <a:off x="3947061" y="3270403"/>
+            <a:ext cx="182880" cy="276999"/>
+          </a:xfrm>
+          <a:prstGeom prst="rect">
+            <a:avLst/>
+          </a:prstGeom>
+          <a:noFill/>
+        </p:spPr>
+        <p:txBody>
+          <a:bodyPr wrap="square" rtlCol="0">
+            <a:spAutoFit/>
+          </a:bodyPr>
+          <a:lstStyle/>
+          <a:p>
+            <a:pPr algn="ctr"/>
+            <a:r>
+              <a:rPr lang="en-US" sz="1200" b="1" dirty="0">
+                <a:latin typeface="Arial Rounded MT Bold" panose="020F0704030504030204" pitchFamily="34" charset="0"/>
+              </a:rPr>
+              <a:t>|</a:t>
+            </a:r>
+          </a:p>
+        </p:txBody>
+      </p:sp>
+      <p:cxnSp>
+        <p:nvCxnSpPr>
+          <p:cNvPr id="85" name="Straight Connector 84">
+            <a:extLst>
+              <a:ext uri="{FF2B5EF4-FFF2-40B4-BE49-F238E27FC236}">
+                <a16:creationId xmlns:a16="http://schemas.microsoft.com/office/drawing/2014/main" id="{0EB34C83-7BAD-4BFE-BCD6-B5FD28525650}"/>
               </a:ext>
             </a:extLst>
           </p:cNvPr>
@@ -8584,9 +10268,9 @@
           <p:nvPr/>
         </p:nvCxnSpPr>
         <p:spPr>
-          <a:xfrm flipH="1" flipV="1">
-            <a:off x="6332591" y="2515935"/>
-            <a:ext cx="2074238" cy="2054702"/>
+          <a:xfrm flipH="1">
+            <a:off x="3802146" y="2513090"/>
+            <a:ext cx="2528329" cy="2509825"/>
           </a:xfrm>
           <a:prstGeom prst="line">
             <a:avLst/>
@@ -8612,528 +10296,12 @@
           </a:fontRef>
         </p:style>
       </p:cxnSp>
-      <p:sp>
-        <p:nvSpPr>
-          <p:cNvPr id="99" name="TextBox 98">
-            <a:extLst>
-              <a:ext uri="{FF2B5EF4-FFF2-40B4-BE49-F238E27FC236}">
-                <a16:creationId xmlns:a16="http://schemas.microsoft.com/office/drawing/2014/main" id="{4EBAF052-BB9A-45E9-8304-0B52D356EAA0}"/>
-              </a:ext>
-            </a:extLst>
-          </p:cNvPr>
-          <p:cNvSpPr txBox="1"/>
-          <p:nvPr/>
-        </p:nvSpPr>
-        <p:spPr>
-          <a:xfrm>
-            <a:off x="5954077" y="2514164"/>
-            <a:ext cx="274320" cy="400110"/>
-          </a:xfrm>
-          <a:prstGeom prst="rect">
-            <a:avLst/>
-          </a:prstGeom>
-          <a:noFill/>
-        </p:spPr>
-        <p:txBody>
-          <a:bodyPr wrap="square" rtlCol="0">
-            <a:spAutoFit/>
-          </a:bodyPr>
-          <a:lstStyle/>
-          <a:p>
-            <a:pPr algn="ctr"/>
-            <a:r>
-              <a:rPr lang="en-US" sz="2000" b="1" dirty="0">
-                <a:latin typeface="Arial Rounded MT Bold" panose="020F0704030504030204" pitchFamily="34" charset="0"/>
-              </a:rPr>
-              <a:t>–</a:t>
-            </a:r>
-            <a:endParaRPr lang="en-US" dirty="0">
-              <a:latin typeface="Arial Rounded MT Bold" panose="020F0704030504030204" pitchFamily="34" charset="0"/>
-            </a:endParaRPr>
-          </a:p>
-        </p:txBody>
-      </p:sp>
-      <p:sp>
-        <p:nvSpPr>
-          <p:cNvPr id="100" name="TextBox 99">
-            <a:extLst>
-              <a:ext uri="{FF2B5EF4-FFF2-40B4-BE49-F238E27FC236}">
-                <a16:creationId xmlns:a16="http://schemas.microsoft.com/office/drawing/2014/main" id="{6790D200-B69C-4A88-8740-258AB7AC600B}"/>
-              </a:ext>
-            </a:extLst>
-          </p:cNvPr>
-          <p:cNvSpPr txBox="1"/>
-          <p:nvPr/>
-        </p:nvSpPr>
-        <p:spPr>
-          <a:xfrm>
-            <a:off x="5958840" y="2061197"/>
-            <a:ext cx="274320" cy="400110"/>
-          </a:xfrm>
-          <a:prstGeom prst="rect">
-            <a:avLst/>
-          </a:prstGeom>
-          <a:noFill/>
-        </p:spPr>
-        <p:txBody>
-          <a:bodyPr wrap="square" rtlCol="0">
-            <a:spAutoFit/>
-          </a:bodyPr>
-          <a:lstStyle/>
-          <a:p>
-            <a:pPr algn="ctr"/>
-            <a:r>
-              <a:rPr lang="en-US" sz="2000" b="1" dirty="0">
-                <a:latin typeface="Arial Rounded MT Bold" panose="020F0704030504030204" pitchFamily="34" charset="0"/>
-              </a:rPr>
-              <a:t>–</a:t>
-            </a:r>
-            <a:endParaRPr lang="en-US" dirty="0">
-              <a:latin typeface="Arial Rounded MT Bold" panose="020F0704030504030204" pitchFamily="34" charset="0"/>
-            </a:endParaRPr>
-          </a:p>
-        </p:txBody>
-      </p:sp>
-      <p:sp>
-        <p:nvSpPr>
-          <p:cNvPr id="101" name="TextBox 100">
-            <a:extLst>
-              <a:ext uri="{FF2B5EF4-FFF2-40B4-BE49-F238E27FC236}">
-                <a16:creationId xmlns:a16="http://schemas.microsoft.com/office/drawing/2014/main" id="{C2A3F1B3-6F7B-4C1B-AED2-F6C91FEC3B6B}"/>
-              </a:ext>
-            </a:extLst>
-          </p:cNvPr>
-          <p:cNvSpPr txBox="1"/>
-          <p:nvPr/>
-        </p:nvSpPr>
-        <p:spPr>
-          <a:xfrm>
-            <a:off x="5952016" y="1596439"/>
-            <a:ext cx="274320" cy="400110"/>
-          </a:xfrm>
-          <a:prstGeom prst="rect">
-            <a:avLst/>
-          </a:prstGeom>
-          <a:noFill/>
-        </p:spPr>
-        <p:txBody>
-          <a:bodyPr wrap="square" rtlCol="0">
-            <a:spAutoFit/>
-          </a:bodyPr>
-          <a:lstStyle/>
-          <a:p>
-            <a:pPr algn="ctr"/>
-            <a:r>
-              <a:rPr lang="en-US" sz="2000" b="1" dirty="0">
-                <a:latin typeface="Arial Rounded MT Bold" panose="020F0704030504030204" pitchFamily="34" charset="0"/>
-              </a:rPr>
-              <a:t>–</a:t>
-            </a:r>
-            <a:endParaRPr lang="en-US" dirty="0">
-              <a:latin typeface="Arial Rounded MT Bold" panose="020F0704030504030204" pitchFamily="34" charset="0"/>
-            </a:endParaRPr>
-          </a:p>
-        </p:txBody>
-      </p:sp>
-      <p:sp>
-        <p:nvSpPr>
-          <p:cNvPr id="102" name="TextBox 101">
-            <a:extLst>
-              <a:ext uri="{FF2B5EF4-FFF2-40B4-BE49-F238E27FC236}">
-                <a16:creationId xmlns:a16="http://schemas.microsoft.com/office/drawing/2014/main" id="{A3E0F629-118C-4144-A219-450C2FE48C28}"/>
-              </a:ext>
-            </a:extLst>
-          </p:cNvPr>
-          <p:cNvSpPr txBox="1"/>
-          <p:nvPr/>
-        </p:nvSpPr>
-        <p:spPr>
-          <a:xfrm>
-            <a:off x="5952016" y="1144305"/>
-            <a:ext cx="274320" cy="400110"/>
-          </a:xfrm>
-          <a:prstGeom prst="rect">
-            <a:avLst/>
-          </a:prstGeom>
-          <a:noFill/>
-        </p:spPr>
-        <p:txBody>
-          <a:bodyPr wrap="square" rtlCol="0">
-            <a:spAutoFit/>
-          </a:bodyPr>
-          <a:lstStyle/>
-          <a:p>
-            <a:pPr algn="ctr"/>
-            <a:r>
-              <a:rPr lang="en-US" sz="2000" b="1" dirty="0">
-                <a:latin typeface="Arial Rounded MT Bold" panose="020F0704030504030204" pitchFamily="34" charset="0"/>
-              </a:rPr>
-              <a:t>–</a:t>
-            </a:r>
-            <a:endParaRPr lang="en-US" dirty="0">
-              <a:latin typeface="Arial Rounded MT Bold" panose="020F0704030504030204" pitchFamily="34" charset="0"/>
-            </a:endParaRPr>
-          </a:p>
-        </p:txBody>
-      </p:sp>
-      <p:sp>
-        <p:nvSpPr>
-          <p:cNvPr id="103" name="TextBox 102">
-            <a:extLst>
-              <a:ext uri="{FF2B5EF4-FFF2-40B4-BE49-F238E27FC236}">
-                <a16:creationId xmlns:a16="http://schemas.microsoft.com/office/drawing/2014/main" id="{B56C331D-FABC-4AA6-BE4F-BE2E56CC2503}"/>
-              </a:ext>
-            </a:extLst>
-          </p:cNvPr>
-          <p:cNvSpPr txBox="1"/>
-          <p:nvPr/>
-        </p:nvSpPr>
-        <p:spPr>
-          <a:xfrm>
-            <a:off x="5954077" y="3430845"/>
-            <a:ext cx="274320" cy="400110"/>
-          </a:xfrm>
-          <a:prstGeom prst="rect">
-            <a:avLst/>
-          </a:prstGeom>
-          <a:noFill/>
-        </p:spPr>
-        <p:txBody>
-          <a:bodyPr wrap="square" rtlCol="0">
-            <a:spAutoFit/>
-          </a:bodyPr>
-          <a:lstStyle/>
-          <a:p>
-            <a:pPr algn="ctr"/>
-            <a:r>
-              <a:rPr lang="en-US" sz="2000" b="1" dirty="0">
-                <a:latin typeface="Arial Rounded MT Bold" panose="020F0704030504030204" pitchFamily="34" charset="0"/>
-              </a:rPr>
-              <a:t>–</a:t>
-            </a:r>
-            <a:endParaRPr lang="en-US" dirty="0">
-              <a:latin typeface="Arial Rounded MT Bold" panose="020F0704030504030204" pitchFamily="34" charset="0"/>
-            </a:endParaRPr>
-          </a:p>
-        </p:txBody>
-      </p:sp>
-      <p:sp>
-        <p:nvSpPr>
-          <p:cNvPr id="104" name="TextBox 103">
-            <a:extLst>
-              <a:ext uri="{FF2B5EF4-FFF2-40B4-BE49-F238E27FC236}">
-                <a16:creationId xmlns:a16="http://schemas.microsoft.com/office/drawing/2014/main" id="{141A30FB-EAFD-4884-B262-0EDD8C7C5F61}"/>
-              </a:ext>
-            </a:extLst>
-          </p:cNvPr>
-          <p:cNvSpPr txBox="1"/>
-          <p:nvPr/>
-        </p:nvSpPr>
-        <p:spPr>
-          <a:xfrm>
-            <a:off x="5954077" y="3886378"/>
-            <a:ext cx="274320" cy="400110"/>
-          </a:xfrm>
-          <a:prstGeom prst="rect">
-            <a:avLst/>
-          </a:prstGeom>
-          <a:noFill/>
-        </p:spPr>
-        <p:txBody>
-          <a:bodyPr wrap="square" rtlCol="0">
-            <a:spAutoFit/>
-          </a:bodyPr>
-          <a:lstStyle/>
-          <a:p>
-            <a:pPr algn="ctr"/>
-            <a:r>
-              <a:rPr lang="en-US" sz="2000" b="1" dirty="0">
-                <a:latin typeface="Arial Rounded MT Bold" panose="020F0704030504030204" pitchFamily="34" charset="0"/>
-              </a:rPr>
-              <a:t>–</a:t>
-            </a:r>
-            <a:endParaRPr lang="en-US" dirty="0">
-              <a:latin typeface="Arial Rounded MT Bold" panose="020F0704030504030204" pitchFamily="34" charset="0"/>
-            </a:endParaRPr>
-          </a:p>
-        </p:txBody>
-      </p:sp>
-      <p:sp>
-        <p:nvSpPr>
-          <p:cNvPr id="105" name="TextBox 104">
-            <a:extLst>
-              <a:ext uri="{FF2B5EF4-FFF2-40B4-BE49-F238E27FC236}">
-                <a16:creationId xmlns:a16="http://schemas.microsoft.com/office/drawing/2014/main" id="{60066115-7578-4C73-B22B-6CD554647B7C}"/>
-              </a:ext>
-            </a:extLst>
-          </p:cNvPr>
-          <p:cNvSpPr txBox="1"/>
-          <p:nvPr/>
-        </p:nvSpPr>
-        <p:spPr>
-          <a:xfrm>
-            <a:off x="5958840" y="4346121"/>
-            <a:ext cx="274320" cy="400110"/>
-          </a:xfrm>
-          <a:prstGeom prst="rect">
-            <a:avLst/>
-          </a:prstGeom>
-          <a:noFill/>
-        </p:spPr>
-        <p:txBody>
-          <a:bodyPr wrap="square" rtlCol="0">
-            <a:spAutoFit/>
-          </a:bodyPr>
-          <a:lstStyle/>
-          <a:p>
-            <a:pPr algn="ctr"/>
-            <a:r>
-              <a:rPr lang="en-US" sz="2000" b="1" dirty="0">
-                <a:latin typeface="Arial Rounded MT Bold" panose="020F0704030504030204" pitchFamily="34" charset="0"/>
-              </a:rPr>
-              <a:t>–</a:t>
-            </a:r>
-            <a:endParaRPr lang="en-US" dirty="0">
-              <a:latin typeface="Arial Rounded MT Bold" panose="020F0704030504030204" pitchFamily="34" charset="0"/>
-            </a:endParaRPr>
-          </a:p>
-        </p:txBody>
-      </p:sp>
-      <p:sp>
-        <p:nvSpPr>
-          <p:cNvPr id="106" name="TextBox 105">
-            <a:extLst>
-              <a:ext uri="{FF2B5EF4-FFF2-40B4-BE49-F238E27FC236}">
-                <a16:creationId xmlns:a16="http://schemas.microsoft.com/office/drawing/2014/main" id="{34701B56-E9D1-4D41-BEE9-9B99C86859FE}"/>
-              </a:ext>
-            </a:extLst>
-          </p:cNvPr>
-          <p:cNvSpPr txBox="1"/>
-          <p:nvPr/>
-        </p:nvSpPr>
-        <p:spPr>
-          <a:xfrm>
-            <a:off x="5954077" y="4804612"/>
-            <a:ext cx="274320" cy="400110"/>
-          </a:xfrm>
-          <a:prstGeom prst="rect">
-            <a:avLst/>
-          </a:prstGeom>
-          <a:noFill/>
-        </p:spPr>
-        <p:txBody>
-          <a:bodyPr wrap="square" rtlCol="0">
-            <a:spAutoFit/>
-          </a:bodyPr>
-          <a:lstStyle/>
-          <a:p>
-            <a:pPr algn="ctr"/>
-            <a:r>
-              <a:rPr lang="en-US" sz="2000" b="1" dirty="0">
-                <a:latin typeface="Arial Rounded MT Bold" panose="020F0704030504030204" pitchFamily="34" charset="0"/>
-              </a:rPr>
-              <a:t>–</a:t>
-            </a:r>
-            <a:endParaRPr lang="en-US" dirty="0">
-              <a:latin typeface="Arial Rounded MT Bold" panose="020F0704030504030204" pitchFamily="34" charset="0"/>
-            </a:endParaRPr>
-          </a:p>
-        </p:txBody>
-      </p:sp>
-      <p:sp>
-        <p:nvSpPr>
-          <p:cNvPr id="59" name="TextBox 58">
-            <a:extLst>
-              <a:ext uri="{FF2B5EF4-FFF2-40B4-BE49-F238E27FC236}">
-                <a16:creationId xmlns:a16="http://schemas.microsoft.com/office/drawing/2014/main" id="{971F6211-5FAD-4419-B6D1-B803C9C49155}"/>
-              </a:ext>
-            </a:extLst>
-          </p:cNvPr>
-          <p:cNvSpPr txBox="1"/>
-          <p:nvPr/>
-        </p:nvSpPr>
-        <p:spPr>
-          <a:xfrm>
-            <a:off x="5603949" y="915520"/>
-            <a:ext cx="640080" cy="402336"/>
-          </a:xfrm>
-          <a:prstGeom prst="rect">
-            <a:avLst/>
-          </a:prstGeom>
-          <a:noFill/>
-        </p:spPr>
-        <p:txBody>
-          <a:bodyPr wrap="square" rtlCol="0">
-            <a:spAutoFit/>
-          </a:bodyPr>
-          <a:lstStyle/>
-          <a:p>
-            <a:pPr algn="ctr"/>
-            <a:r>
-              <a:rPr lang="en-US" dirty="0">
-                <a:latin typeface="Arial Rounded MT Bold" panose="020F0704030504030204" pitchFamily="34" charset="0"/>
-              </a:rPr>
-              <a:t>10 </a:t>
-            </a:r>
-            <a:r>
-              <a:rPr lang="en-US" sz="2000" b="1" dirty="0">
-                <a:latin typeface="Arial Rounded MT Bold" panose="020F0704030504030204" pitchFamily="34" charset="0"/>
-              </a:rPr>
-              <a:t>–</a:t>
-            </a:r>
-            <a:endParaRPr lang="en-US" dirty="0">
-              <a:latin typeface="Arial Rounded MT Bold" panose="020F0704030504030204" pitchFamily="34" charset="0"/>
-            </a:endParaRPr>
-          </a:p>
-        </p:txBody>
-      </p:sp>
-      <p:sp>
-        <p:nvSpPr>
-          <p:cNvPr id="58" name="TextBox 57">
-            <a:extLst>
-              <a:ext uri="{FF2B5EF4-FFF2-40B4-BE49-F238E27FC236}">
-                <a16:creationId xmlns:a16="http://schemas.microsoft.com/office/drawing/2014/main" id="{033E556D-FFC1-4187-B945-5793D6958BD7}"/>
-              </a:ext>
-            </a:extLst>
-          </p:cNvPr>
-          <p:cNvSpPr txBox="1"/>
-          <p:nvPr/>
-        </p:nvSpPr>
-        <p:spPr>
-          <a:xfrm>
-            <a:off x="5718249" y="1369923"/>
-            <a:ext cx="548640" cy="400110"/>
-          </a:xfrm>
-          <a:prstGeom prst="rect">
-            <a:avLst/>
-          </a:prstGeom>
-          <a:noFill/>
-        </p:spPr>
-        <p:txBody>
-          <a:bodyPr wrap="square" rtlCol="0">
-            <a:spAutoFit/>
-          </a:bodyPr>
-          <a:lstStyle/>
-          <a:p>
-            <a:pPr algn="ctr"/>
-            <a:r>
-              <a:rPr lang="en-US" dirty="0">
-                <a:latin typeface="Arial Rounded MT Bold" panose="020F0704030504030204" pitchFamily="34" charset="0"/>
-              </a:rPr>
-              <a:t>8 </a:t>
-            </a:r>
-            <a:r>
-              <a:rPr lang="en-US" sz="2000" b="1" dirty="0">
-                <a:latin typeface="Arial Rounded MT Bold" panose="020F0704030504030204" pitchFamily="34" charset="0"/>
-              </a:rPr>
-              <a:t>–</a:t>
-            </a:r>
-            <a:endParaRPr lang="en-US" dirty="0">
-              <a:latin typeface="Arial Rounded MT Bold" panose="020F0704030504030204" pitchFamily="34" charset="0"/>
-            </a:endParaRPr>
-          </a:p>
-        </p:txBody>
-      </p:sp>
-      <p:sp>
-        <p:nvSpPr>
-          <p:cNvPr id="57" name="TextBox 56">
-            <a:extLst>
-              <a:ext uri="{FF2B5EF4-FFF2-40B4-BE49-F238E27FC236}">
-                <a16:creationId xmlns:a16="http://schemas.microsoft.com/office/drawing/2014/main" id="{FD6B7015-35CA-4C5F-9BE8-FCD341E1BD6F}"/>
-              </a:ext>
-            </a:extLst>
-          </p:cNvPr>
-          <p:cNvSpPr txBox="1"/>
-          <p:nvPr/>
-        </p:nvSpPr>
-        <p:spPr>
-          <a:xfrm>
-            <a:off x="5717821" y="1831791"/>
-            <a:ext cx="548640" cy="400110"/>
-          </a:xfrm>
-          <a:prstGeom prst="rect">
-            <a:avLst/>
-          </a:prstGeom>
-          <a:noFill/>
-        </p:spPr>
-        <p:txBody>
-          <a:bodyPr wrap="square" rtlCol="0">
-            <a:spAutoFit/>
-          </a:bodyPr>
-          <a:lstStyle/>
-          <a:p>
-            <a:pPr algn="ctr"/>
-            <a:r>
-              <a:rPr lang="en-US" dirty="0">
-                <a:latin typeface="Arial Rounded MT Bold" panose="020F0704030504030204" pitchFamily="34" charset="0"/>
-              </a:rPr>
-              <a:t>6 </a:t>
-            </a:r>
-            <a:r>
-              <a:rPr lang="en-US" sz="2000" b="1" dirty="0">
-                <a:latin typeface="Arial Rounded MT Bold" panose="020F0704030504030204" pitchFamily="34" charset="0"/>
-              </a:rPr>
-              <a:t>–</a:t>
-            </a:r>
-            <a:endParaRPr lang="en-US" dirty="0">
-              <a:latin typeface="Arial Rounded MT Bold" panose="020F0704030504030204" pitchFamily="34" charset="0"/>
-            </a:endParaRPr>
-          </a:p>
-        </p:txBody>
-      </p:sp>
-      <p:sp>
-        <p:nvSpPr>
-          <p:cNvPr id="56" name="TextBox 55">
-            <a:extLst>
-              <a:ext uri="{FF2B5EF4-FFF2-40B4-BE49-F238E27FC236}">
-                <a16:creationId xmlns:a16="http://schemas.microsoft.com/office/drawing/2014/main" id="{619FA407-BE1A-4F68-86E2-B8C472193E11}"/>
-              </a:ext>
-            </a:extLst>
-          </p:cNvPr>
-          <p:cNvSpPr txBox="1"/>
-          <p:nvPr/>
-        </p:nvSpPr>
-        <p:spPr>
-          <a:xfrm>
-            <a:off x="5720310" y="2284375"/>
-            <a:ext cx="548640" cy="400110"/>
-          </a:xfrm>
-          <a:prstGeom prst="rect">
-            <a:avLst/>
-          </a:prstGeom>
-          <a:noFill/>
-        </p:spPr>
-        <p:txBody>
-          <a:bodyPr wrap="square" rtlCol="0">
-            <a:spAutoFit/>
-          </a:bodyPr>
-          <a:lstStyle/>
-          <a:p>
-            <a:pPr algn="ctr"/>
-            <a:r>
-              <a:rPr lang="en-US" dirty="0">
-                <a:latin typeface="Arial Rounded MT Bold" panose="020F0704030504030204" pitchFamily="34" charset="0"/>
-              </a:rPr>
-              <a:t>4 </a:t>
-            </a:r>
-            <a:r>
-              <a:rPr lang="en-US" sz="2000" b="1" dirty="0">
-                <a:latin typeface="Arial Rounded MT Bold" panose="020F0704030504030204" pitchFamily="34" charset="0"/>
-              </a:rPr>
-              <a:t>–</a:t>
-            </a:r>
-            <a:endParaRPr lang="en-US" dirty="0">
-              <a:latin typeface="Arial Rounded MT Bold" panose="020F0704030504030204" pitchFamily="34" charset="0"/>
-            </a:endParaRPr>
-          </a:p>
-        </p:txBody>
-      </p:sp>
-      <p:cxnSp>
-        <p:nvCxnSpPr>
-          <p:cNvPr id="85" name="Straight Connector 84">
-            <a:extLst>
-              <a:ext uri="{FF2B5EF4-FFF2-40B4-BE49-F238E27FC236}">
-                <a16:creationId xmlns:a16="http://schemas.microsoft.com/office/drawing/2014/main" id="{0EB34C83-7BAD-4BFE-BCD6-B5FD28525650}"/>
+      <p:cxnSp>
+        <p:nvCxnSpPr>
+          <p:cNvPr id="88" name="Straight Connector 87">
+            <a:extLst>
+              <a:ext uri="{FF2B5EF4-FFF2-40B4-BE49-F238E27FC236}">
+                <a16:creationId xmlns:a16="http://schemas.microsoft.com/office/drawing/2014/main" id="{475222D2-35EF-49FD-B218-7FD6FB32BC19}"/>
               </a:ext>
             </a:extLst>
           </p:cNvPr>
@@ -9143,9 +10311,9 @@
           <p:nvPr/>
         </p:nvCxnSpPr>
         <p:spPr>
-          <a:xfrm flipH="1">
-            <a:off x="3802146" y="2513090"/>
-            <a:ext cx="2528329" cy="2509825"/>
+          <a:xfrm flipH="1" flipV="1">
+            <a:off x="6332591" y="2515935"/>
+            <a:ext cx="2074238" cy="2054702"/>
           </a:xfrm>
           <a:prstGeom prst="line">
             <a:avLst/>
@@ -9171,1173 +10339,6 @@
           </a:fontRef>
         </p:style>
       </p:cxnSp>
-      <p:sp>
-        <p:nvSpPr>
-          <p:cNvPr id="55" name="TextBox 54">
-            <a:extLst>
-              <a:ext uri="{FF2B5EF4-FFF2-40B4-BE49-F238E27FC236}">
-                <a16:creationId xmlns:a16="http://schemas.microsoft.com/office/drawing/2014/main" id="{C7206992-39D2-4E05-925B-446E33F298BD}"/>
-              </a:ext>
-            </a:extLst>
-          </p:cNvPr>
-          <p:cNvSpPr txBox="1"/>
-          <p:nvPr/>
-        </p:nvSpPr>
-        <p:spPr>
-          <a:xfrm>
-            <a:off x="5724645" y="2746242"/>
-            <a:ext cx="548640" cy="400110"/>
-          </a:xfrm>
-          <a:prstGeom prst="rect">
-            <a:avLst/>
-          </a:prstGeom>
-          <a:noFill/>
-        </p:spPr>
-        <p:txBody>
-          <a:bodyPr wrap="square" rtlCol="0">
-            <a:spAutoFit/>
-          </a:bodyPr>
-          <a:lstStyle/>
-          <a:p>
-            <a:pPr algn="ctr"/>
-            <a:r>
-              <a:rPr lang="en-US" dirty="0">
-                <a:latin typeface="Arial Rounded MT Bold" panose="020F0704030504030204" pitchFamily="34" charset="0"/>
-              </a:rPr>
-              <a:t>2 </a:t>
-            </a:r>
-            <a:r>
-              <a:rPr lang="en-US" sz="2000" b="1" dirty="0">
-                <a:latin typeface="Arial Rounded MT Bold" panose="020F0704030504030204" pitchFamily="34" charset="0"/>
-              </a:rPr>
-              <a:t>–</a:t>
-            </a:r>
-            <a:endParaRPr lang="en-US" dirty="0">
-              <a:latin typeface="Arial Rounded MT Bold" panose="020F0704030504030204" pitchFamily="34" charset="0"/>
-            </a:endParaRPr>
-          </a:p>
-        </p:txBody>
-      </p:sp>
-      <p:sp>
-        <p:nvSpPr>
-          <p:cNvPr id="61" name="TextBox 60">
-            <a:extLst>
-              <a:ext uri="{FF2B5EF4-FFF2-40B4-BE49-F238E27FC236}">
-                <a16:creationId xmlns:a16="http://schemas.microsoft.com/office/drawing/2014/main" id="{F042FCD8-3569-4CF1-B28B-69B258910CC8}"/>
-              </a:ext>
-            </a:extLst>
-          </p:cNvPr>
-          <p:cNvSpPr txBox="1"/>
-          <p:nvPr/>
-        </p:nvSpPr>
-        <p:spPr>
-          <a:xfrm>
-            <a:off x="5952684" y="2980463"/>
-            <a:ext cx="274320" cy="400110"/>
-          </a:xfrm>
-          <a:prstGeom prst="rect">
-            <a:avLst/>
-          </a:prstGeom>
-          <a:noFill/>
-        </p:spPr>
-        <p:txBody>
-          <a:bodyPr wrap="square" rtlCol="0">
-            <a:spAutoFit/>
-          </a:bodyPr>
-          <a:lstStyle/>
-          <a:p>
-            <a:pPr algn="ctr"/>
-            <a:r>
-              <a:rPr lang="en-US" sz="2000" b="1" dirty="0">
-                <a:latin typeface="Arial Rounded MT Bold" panose="020F0704030504030204" pitchFamily="34" charset="0"/>
-              </a:rPr>
-              <a:t>–</a:t>
-            </a:r>
-            <a:endParaRPr lang="en-US" dirty="0">
-              <a:latin typeface="Arial Rounded MT Bold" panose="020F0704030504030204" pitchFamily="34" charset="0"/>
-            </a:endParaRPr>
-          </a:p>
-        </p:txBody>
-      </p:sp>
-      <p:sp>
-        <p:nvSpPr>
-          <p:cNvPr id="35" name="TextBox 34">
-            <a:extLst>
-              <a:ext uri="{FF2B5EF4-FFF2-40B4-BE49-F238E27FC236}">
-                <a16:creationId xmlns:a16="http://schemas.microsoft.com/office/drawing/2014/main" id="{BC41920E-AFF4-4558-AE1B-4573319AA45B}"/>
-              </a:ext>
-            </a:extLst>
-          </p:cNvPr>
-          <p:cNvSpPr txBox="1"/>
-          <p:nvPr/>
-        </p:nvSpPr>
-        <p:spPr>
-          <a:xfrm>
-            <a:off x="5636880" y="3661001"/>
-            <a:ext cx="640080" cy="400110"/>
-          </a:xfrm>
-          <a:prstGeom prst="rect">
-            <a:avLst/>
-          </a:prstGeom>
-          <a:noFill/>
-        </p:spPr>
-        <p:txBody>
-          <a:bodyPr wrap="square" rtlCol="0">
-            <a:spAutoFit/>
-          </a:bodyPr>
-          <a:lstStyle/>
-          <a:p>
-            <a:pPr algn="ctr"/>
-            <a:r>
-              <a:rPr lang="en-US" dirty="0">
-                <a:latin typeface="Arial Rounded MT Bold" panose="020F0704030504030204" pitchFamily="34" charset="0"/>
-              </a:rPr>
-              <a:t>-2 </a:t>
-            </a:r>
-            <a:r>
-              <a:rPr lang="en-US" sz="2000" b="1" dirty="0">
-                <a:latin typeface="Arial Rounded MT Bold" panose="020F0704030504030204" pitchFamily="34" charset="0"/>
-              </a:rPr>
-              <a:t>–</a:t>
-            </a:r>
-            <a:endParaRPr lang="en-US" dirty="0">
-              <a:latin typeface="Arial Rounded MT Bold" panose="020F0704030504030204" pitchFamily="34" charset="0"/>
-            </a:endParaRPr>
-          </a:p>
-        </p:txBody>
-      </p:sp>
-      <p:sp>
-        <p:nvSpPr>
-          <p:cNvPr id="51" name="TextBox 50">
-            <a:extLst>
-              <a:ext uri="{FF2B5EF4-FFF2-40B4-BE49-F238E27FC236}">
-                <a16:creationId xmlns:a16="http://schemas.microsoft.com/office/drawing/2014/main" id="{90562555-2D53-4F98-8B21-E80442AB99BC}"/>
-              </a:ext>
-            </a:extLst>
-          </p:cNvPr>
-          <p:cNvSpPr txBox="1"/>
-          <p:nvPr/>
-        </p:nvSpPr>
-        <p:spPr>
-          <a:xfrm>
-            <a:off x="5639411" y="4116534"/>
-            <a:ext cx="640080" cy="400110"/>
-          </a:xfrm>
-          <a:prstGeom prst="rect">
-            <a:avLst/>
-          </a:prstGeom>
-          <a:noFill/>
-        </p:spPr>
-        <p:txBody>
-          <a:bodyPr wrap="square" rtlCol="0">
-            <a:spAutoFit/>
-          </a:bodyPr>
-          <a:lstStyle/>
-          <a:p>
-            <a:pPr algn="ctr"/>
-            <a:r>
-              <a:rPr lang="en-US" dirty="0">
-                <a:latin typeface="Arial Rounded MT Bold" panose="020F0704030504030204" pitchFamily="34" charset="0"/>
-              </a:rPr>
-              <a:t>-4 </a:t>
-            </a:r>
-            <a:r>
-              <a:rPr lang="en-US" sz="2000" b="1" dirty="0">
-                <a:latin typeface="Arial Rounded MT Bold" panose="020F0704030504030204" pitchFamily="34" charset="0"/>
-              </a:rPr>
-              <a:t>–</a:t>
-            </a:r>
-            <a:endParaRPr lang="en-US" dirty="0">
-              <a:latin typeface="Arial Rounded MT Bold" panose="020F0704030504030204" pitchFamily="34" charset="0"/>
-            </a:endParaRPr>
-          </a:p>
-        </p:txBody>
-      </p:sp>
-      <p:sp>
-        <p:nvSpPr>
-          <p:cNvPr id="52" name="TextBox 51">
-            <a:extLst>
-              <a:ext uri="{FF2B5EF4-FFF2-40B4-BE49-F238E27FC236}">
-                <a16:creationId xmlns:a16="http://schemas.microsoft.com/office/drawing/2014/main" id="{87D00E47-D589-450F-93BC-092A4A1161B6}"/>
-              </a:ext>
-            </a:extLst>
-          </p:cNvPr>
-          <p:cNvSpPr txBox="1"/>
-          <p:nvPr/>
-        </p:nvSpPr>
-        <p:spPr>
-          <a:xfrm>
-            <a:off x="5639396" y="4580722"/>
-            <a:ext cx="640080" cy="400110"/>
-          </a:xfrm>
-          <a:prstGeom prst="rect">
-            <a:avLst/>
-          </a:prstGeom>
-          <a:noFill/>
-        </p:spPr>
-        <p:txBody>
-          <a:bodyPr wrap="square" rtlCol="0">
-            <a:spAutoFit/>
-          </a:bodyPr>
-          <a:lstStyle/>
-          <a:p>
-            <a:pPr algn="ctr"/>
-            <a:r>
-              <a:rPr lang="en-US" dirty="0">
-                <a:latin typeface="Arial Rounded MT Bold" panose="020F0704030504030204" pitchFamily="34" charset="0"/>
-              </a:rPr>
-              <a:t>-6 </a:t>
-            </a:r>
-            <a:r>
-              <a:rPr lang="en-US" sz="2000" b="1" dirty="0">
-                <a:latin typeface="Arial Rounded MT Bold" panose="020F0704030504030204" pitchFamily="34" charset="0"/>
-              </a:rPr>
-              <a:t>–</a:t>
-            </a:r>
-            <a:endParaRPr lang="en-US" dirty="0">
-              <a:latin typeface="Arial Rounded MT Bold" panose="020F0704030504030204" pitchFamily="34" charset="0"/>
-            </a:endParaRPr>
-          </a:p>
-        </p:txBody>
-      </p:sp>
-      <p:sp>
-        <p:nvSpPr>
-          <p:cNvPr id="53" name="TextBox 52">
-            <a:extLst>
-              <a:ext uri="{FF2B5EF4-FFF2-40B4-BE49-F238E27FC236}">
-                <a16:creationId xmlns:a16="http://schemas.microsoft.com/office/drawing/2014/main" id="{56AFC334-BA37-490C-B407-C18C0BA6E7FF}"/>
-              </a:ext>
-            </a:extLst>
-          </p:cNvPr>
-          <p:cNvSpPr txBox="1"/>
-          <p:nvPr/>
-        </p:nvSpPr>
-        <p:spPr>
-          <a:xfrm>
-            <a:off x="5637720" y="5028301"/>
-            <a:ext cx="640080" cy="400110"/>
-          </a:xfrm>
-          <a:prstGeom prst="rect">
-            <a:avLst/>
-          </a:prstGeom>
-          <a:noFill/>
-        </p:spPr>
-        <p:txBody>
-          <a:bodyPr wrap="square" rtlCol="0">
-            <a:spAutoFit/>
-          </a:bodyPr>
-          <a:lstStyle/>
-          <a:p>
-            <a:pPr algn="ctr"/>
-            <a:r>
-              <a:rPr lang="en-US" dirty="0">
-                <a:latin typeface="Arial Rounded MT Bold" panose="020F0704030504030204" pitchFamily="34" charset="0"/>
-              </a:rPr>
-              <a:t>-8 </a:t>
-            </a:r>
-            <a:r>
-              <a:rPr lang="en-US" sz="2000" b="1" dirty="0">
-                <a:latin typeface="Arial Rounded MT Bold" panose="020F0704030504030204" pitchFamily="34" charset="0"/>
-              </a:rPr>
-              <a:t>–</a:t>
-            </a:r>
-            <a:endParaRPr lang="en-US" dirty="0">
-              <a:latin typeface="Arial Rounded MT Bold" panose="020F0704030504030204" pitchFamily="34" charset="0"/>
-            </a:endParaRPr>
-          </a:p>
-        </p:txBody>
-      </p:sp>
-      <p:sp>
-        <p:nvSpPr>
-          <p:cNvPr id="108" name="TextBox 107">
-            <a:extLst>
-              <a:ext uri="{FF2B5EF4-FFF2-40B4-BE49-F238E27FC236}">
-                <a16:creationId xmlns:a16="http://schemas.microsoft.com/office/drawing/2014/main" id="{62E4ED03-372B-4D0E-9B21-4A300CFAD2ED}"/>
-              </a:ext>
-            </a:extLst>
-          </p:cNvPr>
-          <p:cNvSpPr txBox="1"/>
-          <p:nvPr/>
-        </p:nvSpPr>
-        <p:spPr>
-          <a:xfrm>
-            <a:off x="5954077" y="5261820"/>
-            <a:ext cx="274320" cy="400110"/>
-          </a:xfrm>
-          <a:prstGeom prst="rect">
-            <a:avLst/>
-          </a:prstGeom>
-          <a:noFill/>
-        </p:spPr>
-        <p:txBody>
-          <a:bodyPr wrap="square" rtlCol="0">
-            <a:spAutoFit/>
-          </a:bodyPr>
-          <a:lstStyle/>
-          <a:p>
-            <a:pPr algn="ctr"/>
-            <a:r>
-              <a:rPr lang="en-US" sz="2000" b="1" dirty="0">
-                <a:latin typeface="Arial Rounded MT Bold" panose="020F0704030504030204" pitchFamily="34" charset="0"/>
-              </a:rPr>
-              <a:t>–</a:t>
-            </a:r>
-            <a:endParaRPr lang="en-US" dirty="0">
-              <a:latin typeface="Arial Rounded MT Bold" panose="020F0704030504030204" pitchFamily="34" charset="0"/>
-            </a:endParaRPr>
-          </a:p>
-        </p:txBody>
-      </p:sp>
-      <p:sp>
-        <p:nvSpPr>
-          <p:cNvPr id="41" name="TextBox 40">
-            <a:extLst>
-              <a:ext uri="{FF2B5EF4-FFF2-40B4-BE49-F238E27FC236}">
-                <a16:creationId xmlns:a16="http://schemas.microsoft.com/office/drawing/2014/main" id="{1DDFA7C7-F3F0-4392-A645-6E9DFC5BD030}"/>
-              </a:ext>
-            </a:extLst>
-          </p:cNvPr>
-          <p:cNvSpPr txBox="1"/>
-          <p:nvPr/>
-        </p:nvSpPr>
-        <p:spPr>
-          <a:xfrm>
-            <a:off x="6326549" y="3270403"/>
-            <a:ext cx="457200" cy="553998"/>
-          </a:xfrm>
-          <a:prstGeom prst="rect">
-            <a:avLst/>
-          </a:prstGeom>
-          <a:noFill/>
-        </p:spPr>
-        <p:txBody>
-          <a:bodyPr wrap="square" rtlCol="0">
-            <a:spAutoFit/>
-          </a:bodyPr>
-          <a:lstStyle/>
-          <a:p>
-            <a:pPr algn="ctr"/>
-            <a:r>
-              <a:rPr lang="en-US" sz="1200" b="1" dirty="0">
-                <a:latin typeface="Arial Rounded MT Bold" panose="020F0704030504030204" pitchFamily="34" charset="0"/>
-              </a:rPr>
-              <a:t>|</a:t>
-            </a:r>
-          </a:p>
-          <a:p>
-            <a:pPr algn="ctr"/>
-            <a:r>
-              <a:rPr lang="en-US" dirty="0">
-                <a:latin typeface="Arial Rounded MT Bold" panose="020F0704030504030204" pitchFamily="34" charset="0"/>
-              </a:rPr>
-              <a:t>2</a:t>
-            </a:r>
-          </a:p>
-        </p:txBody>
-      </p:sp>
-      <p:sp>
-        <p:nvSpPr>
-          <p:cNvPr id="42" name="TextBox 41">
-            <a:extLst>
-              <a:ext uri="{FF2B5EF4-FFF2-40B4-BE49-F238E27FC236}">
-                <a16:creationId xmlns:a16="http://schemas.microsoft.com/office/drawing/2014/main" id="{CF78E1A7-766F-433F-888D-E4639AF438C3}"/>
-              </a:ext>
-            </a:extLst>
-          </p:cNvPr>
-          <p:cNvSpPr txBox="1"/>
-          <p:nvPr/>
-        </p:nvSpPr>
-        <p:spPr>
-          <a:xfrm>
-            <a:off x="6786991" y="3270403"/>
-            <a:ext cx="457200" cy="553998"/>
-          </a:xfrm>
-          <a:prstGeom prst="rect">
-            <a:avLst/>
-          </a:prstGeom>
-          <a:noFill/>
-        </p:spPr>
-        <p:txBody>
-          <a:bodyPr wrap="square" rtlCol="0">
-            <a:spAutoFit/>
-          </a:bodyPr>
-          <a:lstStyle/>
-          <a:p>
-            <a:pPr algn="ctr"/>
-            <a:r>
-              <a:rPr lang="en-US" sz="1200" b="1" dirty="0">
-                <a:latin typeface="Arial Rounded MT Bold" panose="020F0704030504030204" pitchFamily="34" charset="0"/>
-              </a:rPr>
-              <a:t>|</a:t>
-            </a:r>
-          </a:p>
-          <a:p>
-            <a:pPr algn="ctr"/>
-            <a:r>
-              <a:rPr lang="en-US" dirty="0">
-                <a:latin typeface="Arial Rounded MT Bold" panose="020F0704030504030204" pitchFamily="34" charset="0"/>
-              </a:rPr>
-              <a:t>4</a:t>
-            </a:r>
-          </a:p>
-        </p:txBody>
-      </p:sp>
-      <p:sp>
-        <p:nvSpPr>
-          <p:cNvPr id="109" name="TextBox 108">
-            <a:extLst>
-              <a:ext uri="{FF2B5EF4-FFF2-40B4-BE49-F238E27FC236}">
-                <a16:creationId xmlns:a16="http://schemas.microsoft.com/office/drawing/2014/main" id="{21781288-2119-4A29-816D-A78CF3C9708B}"/>
-              </a:ext>
-            </a:extLst>
-          </p:cNvPr>
-          <p:cNvSpPr txBox="1"/>
-          <p:nvPr/>
-        </p:nvSpPr>
-        <p:spPr>
-          <a:xfrm>
-            <a:off x="6235453" y="3270403"/>
-            <a:ext cx="182880" cy="276999"/>
-          </a:xfrm>
-          <a:prstGeom prst="rect">
-            <a:avLst/>
-          </a:prstGeom>
-          <a:noFill/>
-        </p:spPr>
-        <p:txBody>
-          <a:bodyPr wrap="square" rtlCol="0">
-            <a:spAutoFit/>
-          </a:bodyPr>
-          <a:lstStyle/>
-          <a:p>
-            <a:pPr algn="ctr"/>
-            <a:r>
-              <a:rPr lang="en-US" sz="1200" b="1" dirty="0">
-                <a:latin typeface="Arial Rounded MT Bold" panose="020F0704030504030204" pitchFamily="34" charset="0"/>
-              </a:rPr>
-              <a:t>|</a:t>
-            </a:r>
-          </a:p>
-        </p:txBody>
-      </p:sp>
-      <p:sp>
-        <p:nvSpPr>
-          <p:cNvPr id="43" name="TextBox 42">
-            <a:extLst>
-              <a:ext uri="{FF2B5EF4-FFF2-40B4-BE49-F238E27FC236}">
-                <a16:creationId xmlns:a16="http://schemas.microsoft.com/office/drawing/2014/main" id="{4482C8D6-282F-4D9E-8D6C-156BA5C6DED9}"/>
-              </a:ext>
-            </a:extLst>
-          </p:cNvPr>
-          <p:cNvSpPr txBox="1"/>
-          <p:nvPr/>
-        </p:nvSpPr>
-        <p:spPr>
-          <a:xfrm>
-            <a:off x="7249459" y="3270403"/>
-            <a:ext cx="457200" cy="553998"/>
-          </a:xfrm>
-          <a:prstGeom prst="rect">
-            <a:avLst/>
-          </a:prstGeom>
-          <a:noFill/>
-        </p:spPr>
-        <p:txBody>
-          <a:bodyPr wrap="square" rtlCol="0">
-            <a:spAutoFit/>
-          </a:bodyPr>
-          <a:lstStyle/>
-          <a:p>
-            <a:pPr algn="ctr"/>
-            <a:r>
-              <a:rPr lang="en-US" sz="1200" b="1" dirty="0">
-                <a:latin typeface="Arial Rounded MT Bold" panose="020F0704030504030204" pitchFamily="34" charset="0"/>
-              </a:rPr>
-              <a:t>|</a:t>
-            </a:r>
-          </a:p>
-          <a:p>
-            <a:pPr algn="ctr"/>
-            <a:r>
-              <a:rPr lang="en-US" dirty="0">
-                <a:latin typeface="Arial Rounded MT Bold" panose="020F0704030504030204" pitchFamily="34" charset="0"/>
-              </a:rPr>
-              <a:t>6</a:t>
-            </a:r>
-          </a:p>
-        </p:txBody>
-      </p:sp>
-      <p:sp>
-        <p:nvSpPr>
-          <p:cNvPr id="44" name="TextBox 43">
-            <a:extLst>
-              <a:ext uri="{FF2B5EF4-FFF2-40B4-BE49-F238E27FC236}">
-                <a16:creationId xmlns:a16="http://schemas.microsoft.com/office/drawing/2014/main" id="{DDB16C56-ABDC-4966-8204-34B84351C19C}"/>
-              </a:ext>
-            </a:extLst>
-          </p:cNvPr>
-          <p:cNvSpPr txBox="1"/>
-          <p:nvPr/>
-        </p:nvSpPr>
-        <p:spPr>
-          <a:xfrm>
-            <a:off x="7711966" y="3270403"/>
-            <a:ext cx="457200" cy="553998"/>
-          </a:xfrm>
-          <a:prstGeom prst="rect">
-            <a:avLst/>
-          </a:prstGeom>
-          <a:noFill/>
-        </p:spPr>
-        <p:txBody>
-          <a:bodyPr wrap="square" rtlCol="0">
-            <a:spAutoFit/>
-          </a:bodyPr>
-          <a:lstStyle/>
-          <a:p>
-            <a:pPr algn="ctr"/>
-            <a:r>
-              <a:rPr lang="en-US" sz="1200" b="1" dirty="0">
-                <a:latin typeface="Arial Rounded MT Bold" panose="020F0704030504030204" pitchFamily="34" charset="0"/>
-              </a:rPr>
-              <a:t>|</a:t>
-            </a:r>
-          </a:p>
-          <a:p>
-            <a:pPr algn="ctr"/>
-            <a:r>
-              <a:rPr lang="en-US" dirty="0">
-                <a:latin typeface="Arial Rounded MT Bold" panose="020F0704030504030204" pitchFamily="34" charset="0"/>
-              </a:rPr>
-              <a:t>8</a:t>
-            </a:r>
-          </a:p>
-        </p:txBody>
-      </p:sp>
-      <p:sp>
-        <p:nvSpPr>
-          <p:cNvPr id="45" name="TextBox 44">
-            <a:extLst>
-              <a:ext uri="{FF2B5EF4-FFF2-40B4-BE49-F238E27FC236}">
-                <a16:creationId xmlns:a16="http://schemas.microsoft.com/office/drawing/2014/main" id="{E2BD9875-6133-4D79-95B1-255843E596C2}"/>
-              </a:ext>
-            </a:extLst>
-          </p:cNvPr>
-          <p:cNvSpPr txBox="1"/>
-          <p:nvPr/>
-        </p:nvSpPr>
-        <p:spPr>
-          <a:xfrm>
-            <a:off x="8183662" y="3270403"/>
-            <a:ext cx="457200" cy="553998"/>
-          </a:xfrm>
-          <a:prstGeom prst="rect">
-            <a:avLst/>
-          </a:prstGeom>
-          <a:noFill/>
-        </p:spPr>
-        <p:txBody>
-          <a:bodyPr wrap="square" rtlCol="0">
-            <a:spAutoFit/>
-          </a:bodyPr>
-          <a:lstStyle/>
-          <a:p>
-            <a:pPr algn="ctr"/>
-            <a:r>
-              <a:rPr lang="en-US" sz="1200" b="1" dirty="0">
-                <a:latin typeface="Arial Rounded MT Bold" panose="020F0704030504030204" pitchFamily="34" charset="0"/>
-              </a:rPr>
-              <a:t>|</a:t>
-            </a:r>
-          </a:p>
-          <a:p>
-            <a:pPr algn="ctr"/>
-            <a:r>
-              <a:rPr lang="en-US" dirty="0">
-                <a:latin typeface="Arial Rounded MT Bold" panose="020F0704030504030204" pitchFamily="34" charset="0"/>
-              </a:rPr>
-              <a:t>10</a:t>
-            </a:r>
-          </a:p>
-        </p:txBody>
-      </p:sp>
-      <p:sp>
-        <p:nvSpPr>
-          <p:cNvPr id="110" name="TextBox 109">
-            <a:extLst>
-              <a:ext uri="{FF2B5EF4-FFF2-40B4-BE49-F238E27FC236}">
-                <a16:creationId xmlns:a16="http://schemas.microsoft.com/office/drawing/2014/main" id="{A68D9F29-3E03-491C-BB9A-291C626A786E}"/>
-              </a:ext>
-            </a:extLst>
-          </p:cNvPr>
-          <p:cNvSpPr txBox="1"/>
-          <p:nvPr/>
-        </p:nvSpPr>
-        <p:spPr>
-          <a:xfrm>
-            <a:off x="6697430" y="3270403"/>
-            <a:ext cx="182880" cy="276999"/>
-          </a:xfrm>
-          <a:prstGeom prst="rect">
-            <a:avLst/>
-          </a:prstGeom>
-          <a:noFill/>
-        </p:spPr>
-        <p:txBody>
-          <a:bodyPr wrap="square" rtlCol="0">
-            <a:spAutoFit/>
-          </a:bodyPr>
-          <a:lstStyle/>
-          <a:p>
-            <a:pPr algn="ctr"/>
-            <a:r>
-              <a:rPr lang="en-US" sz="1200" b="1" dirty="0">
-                <a:latin typeface="Arial Rounded MT Bold" panose="020F0704030504030204" pitchFamily="34" charset="0"/>
-              </a:rPr>
-              <a:t>|</a:t>
-            </a:r>
-          </a:p>
-        </p:txBody>
-      </p:sp>
-      <p:sp>
-        <p:nvSpPr>
-          <p:cNvPr id="111" name="TextBox 110">
-            <a:extLst>
-              <a:ext uri="{FF2B5EF4-FFF2-40B4-BE49-F238E27FC236}">
-                <a16:creationId xmlns:a16="http://schemas.microsoft.com/office/drawing/2014/main" id="{2DC80D86-3BA3-4DB7-8276-AA74CB1CDF6E}"/>
-              </a:ext>
-            </a:extLst>
-          </p:cNvPr>
-          <p:cNvSpPr txBox="1"/>
-          <p:nvPr/>
-        </p:nvSpPr>
-        <p:spPr>
-          <a:xfrm>
-            <a:off x="7155716" y="3270403"/>
-            <a:ext cx="182880" cy="276999"/>
-          </a:xfrm>
-          <a:prstGeom prst="rect">
-            <a:avLst/>
-          </a:prstGeom>
-          <a:noFill/>
-        </p:spPr>
-        <p:txBody>
-          <a:bodyPr wrap="square" rtlCol="0">
-            <a:spAutoFit/>
-          </a:bodyPr>
-          <a:lstStyle/>
-          <a:p>
-            <a:pPr algn="ctr"/>
-            <a:r>
-              <a:rPr lang="en-US" sz="1200" b="1" dirty="0">
-                <a:latin typeface="Arial Rounded MT Bold" panose="020F0704030504030204" pitchFamily="34" charset="0"/>
-              </a:rPr>
-              <a:t>|</a:t>
-            </a:r>
-          </a:p>
-        </p:txBody>
-      </p:sp>
-      <p:sp>
-        <p:nvSpPr>
-          <p:cNvPr id="112" name="TextBox 111">
-            <a:extLst>
-              <a:ext uri="{FF2B5EF4-FFF2-40B4-BE49-F238E27FC236}">
-                <a16:creationId xmlns:a16="http://schemas.microsoft.com/office/drawing/2014/main" id="{BB7EC315-CD2E-4F48-BEF6-E5FF5AB1C641}"/>
-              </a:ext>
-            </a:extLst>
-          </p:cNvPr>
-          <p:cNvSpPr txBox="1"/>
-          <p:nvPr/>
-        </p:nvSpPr>
-        <p:spPr>
-          <a:xfrm>
-            <a:off x="7607829" y="3270403"/>
-            <a:ext cx="182880" cy="276999"/>
-          </a:xfrm>
-          <a:prstGeom prst="rect">
-            <a:avLst/>
-          </a:prstGeom>
-          <a:noFill/>
-        </p:spPr>
-        <p:txBody>
-          <a:bodyPr wrap="square" rtlCol="0">
-            <a:spAutoFit/>
-          </a:bodyPr>
-          <a:lstStyle/>
-          <a:p>
-            <a:pPr algn="ctr"/>
-            <a:r>
-              <a:rPr lang="en-US" sz="1200" b="1" dirty="0">
-                <a:latin typeface="Arial Rounded MT Bold" panose="020F0704030504030204" pitchFamily="34" charset="0"/>
-              </a:rPr>
-              <a:t>|</a:t>
-            </a:r>
-          </a:p>
-        </p:txBody>
-      </p:sp>
-      <p:sp>
-        <p:nvSpPr>
-          <p:cNvPr id="113" name="TextBox 112">
-            <a:extLst>
-              <a:ext uri="{FF2B5EF4-FFF2-40B4-BE49-F238E27FC236}">
-                <a16:creationId xmlns:a16="http://schemas.microsoft.com/office/drawing/2014/main" id="{74621BB5-D088-4023-97CD-DAC42E9F18FD}"/>
-              </a:ext>
-            </a:extLst>
-          </p:cNvPr>
-          <p:cNvSpPr txBox="1"/>
-          <p:nvPr/>
-        </p:nvSpPr>
-        <p:spPr>
-          <a:xfrm>
-            <a:off x="8081527" y="3270403"/>
-            <a:ext cx="182880" cy="276999"/>
-          </a:xfrm>
-          <a:prstGeom prst="rect">
-            <a:avLst/>
-          </a:prstGeom>
-          <a:noFill/>
-        </p:spPr>
-        <p:txBody>
-          <a:bodyPr wrap="square" rtlCol="0">
-            <a:spAutoFit/>
-          </a:bodyPr>
-          <a:lstStyle/>
-          <a:p>
-            <a:pPr algn="ctr"/>
-            <a:r>
-              <a:rPr lang="en-US" sz="1200" b="1" dirty="0">
-                <a:latin typeface="Arial Rounded MT Bold" panose="020F0704030504030204" pitchFamily="34" charset="0"/>
-              </a:rPr>
-              <a:t>|</a:t>
-            </a:r>
-          </a:p>
-        </p:txBody>
-      </p:sp>
-      <p:sp>
-        <p:nvSpPr>
-          <p:cNvPr id="114" name="TextBox 113">
-            <a:extLst>
-              <a:ext uri="{FF2B5EF4-FFF2-40B4-BE49-F238E27FC236}">
-                <a16:creationId xmlns:a16="http://schemas.microsoft.com/office/drawing/2014/main" id="{791D89F4-AA09-4E94-8865-29426401AA78}"/>
-              </a:ext>
-            </a:extLst>
-          </p:cNvPr>
-          <p:cNvSpPr txBox="1"/>
-          <p:nvPr/>
-        </p:nvSpPr>
-        <p:spPr>
-          <a:xfrm>
-            <a:off x="5782285" y="3270403"/>
-            <a:ext cx="182880" cy="276999"/>
-          </a:xfrm>
-          <a:prstGeom prst="rect">
-            <a:avLst/>
-          </a:prstGeom>
-          <a:noFill/>
-        </p:spPr>
-        <p:txBody>
-          <a:bodyPr wrap="square" rtlCol="0">
-            <a:spAutoFit/>
-          </a:bodyPr>
-          <a:lstStyle/>
-          <a:p>
-            <a:pPr algn="ctr"/>
-            <a:r>
-              <a:rPr lang="en-US" sz="1200" b="1" dirty="0">
-                <a:latin typeface="Arial Rounded MT Bold" panose="020F0704030504030204" pitchFamily="34" charset="0"/>
-              </a:rPr>
-              <a:t>|</a:t>
-            </a:r>
-          </a:p>
-        </p:txBody>
-      </p:sp>
-      <p:sp>
-        <p:nvSpPr>
-          <p:cNvPr id="46" name="TextBox 45">
-            <a:extLst>
-              <a:ext uri="{FF2B5EF4-FFF2-40B4-BE49-F238E27FC236}">
-                <a16:creationId xmlns:a16="http://schemas.microsoft.com/office/drawing/2014/main" id="{41E1473A-3443-4218-8980-A4A032A46E27}"/>
-              </a:ext>
-            </a:extLst>
-          </p:cNvPr>
-          <p:cNvSpPr txBox="1"/>
-          <p:nvPr/>
-        </p:nvSpPr>
-        <p:spPr>
-          <a:xfrm>
-            <a:off x="5414933" y="3270403"/>
-            <a:ext cx="457200" cy="553998"/>
-          </a:xfrm>
-          <a:prstGeom prst="rect">
-            <a:avLst/>
-          </a:prstGeom>
-          <a:noFill/>
-        </p:spPr>
-        <p:txBody>
-          <a:bodyPr wrap="square" rtlCol="0">
-            <a:spAutoFit/>
-          </a:bodyPr>
-          <a:lstStyle/>
-          <a:p>
-            <a:pPr algn="ctr"/>
-            <a:r>
-              <a:rPr lang="en-US" sz="1200" b="1" dirty="0">
-                <a:latin typeface="Arial Rounded MT Bold" panose="020F0704030504030204" pitchFamily="34" charset="0"/>
-              </a:rPr>
-              <a:t>|</a:t>
-            </a:r>
-          </a:p>
-          <a:p>
-            <a:pPr algn="ctr"/>
-            <a:r>
-              <a:rPr lang="en-US" dirty="0">
-                <a:latin typeface="Arial Rounded MT Bold" panose="020F0704030504030204" pitchFamily="34" charset="0"/>
-              </a:rPr>
-              <a:t>-2</a:t>
-            </a:r>
-          </a:p>
-        </p:txBody>
-      </p:sp>
-      <p:sp>
-        <p:nvSpPr>
-          <p:cNvPr id="47" name="TextBox 46">
-            <a:extLst>
-              <a:ext uri="{FF2B5EF4-FFF2-40B4-BE49-F238E27FC236}">
-                <a16:creationId xmlns:a16="http://schemas.microsoft.com/office/drawing/2014/main" id="{26809BB3-AA0F-4AAF-9AD9-3A5E7BBB9A8E}"/>
-              </a:ext>
-            </a:extLst>
-          </p:cNvPr>
-          <p:cNvSpPr txBox="1"/>
-          <p:nvPr/>
-        </p:nvSpPr>
-        <p:spPr>
-          <a:xfrm>
-            <a:off x="4950805" y="3270403"/>
-            <a:ext cx="457200" cy="553998"/>
-          </a:xfrm>
-          <a:prstGeom prst="rect">
-            <a:avLst/>
-          </a:prstGeom>
-          <a:noFill/>
-        </p:spPr>
-        <p:txBody>
-          <a:bodyPr wrap="square" rtlCol="0">
-            <a:spAutoFit/>
-          </a:bodyPr>
-          <a:lstStyle/>
-          <a:p>
-            <a:pPr algn="ctr"/>
-            <a:r>
-              <a:rPr lang="en-US" sz="1200" b="1" dirty="0">
-                <a:latin typeface="Arial Rounded MT Bold" panose="020F0704030504030204" pitchFamily="34" charset="0"/>
-              </a:rPr>
-              <a:t>|</a:t>
-            </a:r>
-          </a:p>
-          <a:p>
-            <a:pPr algn="ctr"/>
-            <a:r>
-              <a:rPr lang="en-US" dirty="0">
-                <a:latin typeface="Arial Rounded MT Bold" panose="020F0704030504030204" pitchFamily="34" charset="0"/>
-              </a:rPr>
-              <a:t>-4</a:t>
-            </a:r>
-          </a:p>
-        </p:txBody>
-      </p:sp>
-      <p:sp>
-        <p:nvSpPr>
-          <p:cNvPr id="48" name="TextBox 47">
-            <a:extLst>
-              <a:ext uri="{FF2B5EF4-FFF2-40B4-BE49-F238E27FC236}">
-                <a16:creationId xmlns:a16="http://schemas.microsoft.com/office/drawing/2014/main" id="{B9AB481C-C67A-4B55-B89E-B7CF9B03C0E5}"/>
-              </a:ext>
-            </a:extLst>
-          </p:cNvPr>
-          <p:cNvSpPr txBox="1"/>
-          <p:nvPr/>
-        </p:nvSpPr>
-        <p:spPr>
-          <a:xfrm>
-            <a:off x="4497828" y="3270403"/>
-            <a:ext cx="457200" cy="553998"/>
-          </a:xfrm>
-          <a:prstGeom prst="rect">
-            <a:avLst/>
-          </a:prstGeom>
-          <a:noFill/>
-        </p:spPr>
-        <p:txBody>
-          <a:bodyPr wrap="square" rtlCol="0">
-            <a:spAutoFit/>
-          </a:bodyPr>
-          <a:lstStyle/>
-          <a:p>
-            <a:pPr algn="ctr"/>
-            <a:r>
-              <a:rPr lang="en-US" sz="1200" b="1" dirty="0">
-                <a:latin typeface="Arial Rounded MT Bold" panose="020F0704030504030204" pitchFamily="34" charset="0"/>
-              </a:rPr>
-              <a:t>|</a:t>
-            </a:r>
-          </a:p>
-          <a:p>
-            <a:pPr algn="ctr"/>
-            <a:r>
-              <a:rPr lang="en-US" dirty="0">
-                <a:latin typeface="Arial Rounded MT Bold" panose="020F0704030504030204" pitchFamily="34" charset="0"/>
-              </a:rPr>
-              <a:t>-6</a:t>
-            </a:r>
-          </a:p>
-        </p:txBody>
-      </p:sp>
-      <p:sp>
-        <p:nvSpPr>
-          <p:cNvPr id="49" name="TextBox 48">
-            <a:extLst>
-              <a:ext uri="{FF2B5EF4-FFF2-40B4-BE49-F238E27FC236}">
-                <a16:creationId xmlns:a16="http://schemas.microsoft.com/office/drawing/2014/main" id="{4021C30E-3A8C-4DC0-A700-AF21FCA65BA2}"/>
-              </a:ext>
-            </a:extLst>
-          </p:cNvPr>
-          <p:cNvSpPr txBox="1"/>
-          <p:nvPr/>
-        </p:nvSpPr>
-        <p:spPr>
-          <a:xfrm>
-            <a:off x="4035854" y="3270403"/>
-            <a:ext cx="457200" cy="553998"/>
-          </a:xfrm>
-          <a:prstGeom prst="rect">
-            <a:avLst/>
-          </a:prstGeom>
-          <a:noFill/>
-        </p:spPr>
-        <p:txBody>
-          <a:bodyPr wrap="square" rtlCol="0">
-            <a:spAutoFit/>
-          </a:bodyPr>
-          <a:lstStyle/>
-          <a:p>
-            <a:pPr algn="ctr"/>
-            <a:r>
-              <a:rPr lang="en-US" sz="1200" b="1" dirty="0">
-                <a:latin typeface="Arial Rounded MT Bold" panose="020F0704030504030204" pitchFamily="34" charset="0"/>
-              </a:rPr>
-              <a:t>|</a:t>
-            </a:r>
-          </a:p>
-          <a:p>
-            <a:pPr algn="ctr"/>
-            <a:r>
-              <a:rPr lang="en-US" dirty="0">
-                <a:latin typeface="Arial Rounded MT Bold" panose="020F0704030504030204" pitchFamily="34" charset="0"/>
-              </a:rPr>
-              <a:t>-8</a:t>
-            </a:r>
-          </a:p>
-        </p:txBody>
-      </p:sp>
-      <p:sp>
-        <p:nvSpPr>
-          <p:cNvPr id="50" name="TextBox 49">
-            <a:extLst>
-              <a:ext uri="{FF2B5EF4-FFF2-40B4-BE49-F238E27FC236}">
-                <a16:creationId xmlns:a16="http://schemas.microsoft.com/office/drawing/2014/main" id="{AF380627-FC4F-42B7-AB5F-4D14EB400404}"/>
-              </a:ext>
-            </a:extLst>
-          </p:cNvPr>
-          <p:cNvSpPr txBox="1"/>
-          <p:nvPr/>
-        </p:nvSpPr>
-        <p:spPr>
-          <a:xfrm>
-            <a:off x="3531453" y="3270403"/>
-            <a:ext cx="548640" cy="557784"/>
-          </a:xfrm>
-          <a:prstGeom prst="rect">
-            <a:avLst/>
-          </a:prstGeom>
-          <a:noFill/>
-        </p:spPr>
-        <p:txBody>
-          <a:bodyPr wrap="square" rtlCol="0">
-            <a:spAutoFit/>
-          </a:bodyPr>
-          <a:lstStyle/>
-          <a:p>
-            <a:pPr algn="ctr"/>
-            <a:r>
-              <a:rPr lang="en-US" sz="1200" b="1" dirty="0">
-                <a:latin typeface="Arial Rounded MT Bold" panose="020F0704030504030204" pitchFamily="34" charset="0"/>
-              </a:rPr>
-              <a:t>|</a:t>
-            </a:r>
-          </a:p>
-          <a:p>
-            <a:pPr algn="ctr"/>
-            <a:r>
-              <a:rPr lang="en-US" dirty="0">
-                <a:latin typeface="Arial Rounded MT Bold" panose="020F0704030504030204" pitchFamily="34" charset="0"/>
-              </a:rPr>
-              <a:t>-10</a:t>
-            </a:r>
-          </a:p>
-        </p:txBody>
-      </p:sp>
-      <p:sp>
-        <p:nvSpPr>
-          <p:cNvPr id="115" name="TextBox 114">
-            <a:extLst>
-              <a:ext uri="{FF2B5EF4-FFF2-40B4-BE49-F238E27FC236}">
-                <a16:creationId xmlns:a16="http://schemas.microsoft.com/office/drawing/2014/main" id="{9CC977CA-36C2-4C89-9617-BEEA5B5C7A48}"/>
-              </a:ext>
-            </a:extLst>
-          </p:cNvPr>
-          <p:cNvSpPr txBox="1"/>
-          <p:nvPr/>
-        </p:nvSpPr>
-        <p:spPr>
-          <a:xfrm>
-            <a:off x="5324916" y="3270403"/>
-            <a:ext cx="182880" cy="276999"/>
-          </a:xfrm>
-          <a:prstGeom prst="rect">
-            <a:avLst/>
-          </a:prstGeom>
-          <a:noFill/>
-        </p:spPr>
-        <p:txBody>
-          <a:bodyPr wrap="square" rtlCol="0">
-            <a:spAutoFit/>
-          </a:bodyPr>
-          <a:lstStyle/>
-          <a:p>
-            <a:pPr algn="ctr"/>
-            <a:r>
-              <a:rPr lang="en-US" sz="1200" b="1" dirty="0">
-                <a:latin typeface="Arial Rounded MT Bold" panose="020F0704030504030204" pitchFamily="34" charset="0"/>
-              </a:rPr>
-              <a:t>|</a:t>
-            </a:r>
-          </a:p>
-        </p:txBody>
-      </p:sp>
-      <p:sp>
-        <p:nvSpPr>
-          <p:cNvPr id="116" name="TextBox 115">
-            <a:extLst>
-              <a:ext uri="{FF2B5EF4-FFF2-40B4-BE49-F238E27FC236}">
-                <a16:creationId xmlns:a16="http://schemas.microsoft.com/office/drawing/2014/main" id="{C4EC6E9A-2208-43A4-A4DD-D18A653A3739}"/>
-              </a:ext>
-            </a:extLst>
-          </p:cNvPr>
-          <p:cNvSpPr txBox="1"/>
-          <p:nvPr/>
-        </p:nvSpPr>
-        <p:spPr>
-          <a:xfrm>
-            <a:off x="4867081" y="3270403"/>
-            <a:ext cx="182880" cy="276999"/>
-          </a:xfrm>
-          <a:prstGeom prst="rect">
-            <a:avLst/>
-          </a:prstGeom>
-          <a:noFill/>
-        </p:spPr>
-        <p:txBody>
-          <a:bodyPr wrap="square" rtlCol="0">
-            <a:spAutoFit/>
-          </a:bodyPr>
-          <a:lstStyle/>
-          <a:p>
-            <a:pPr algn="ctr"/>
-            <a:r>
-              <a:rPr lang="en-US" sz="1200" b="1" dirty="0">
-                <a:latin typeface="Arial Rounded MT Bold" panose="020F0704030504030204" pitchFamily="34" charset="0"/>
-              </a:rPr>
-              <a:t>|</a:t>
-            </a:r>
-          </a:p>
-        </p:txBody>
-      </p:sp>
-      <p:sp>
-        <p:nvSpPr>
-          <p:cNvPr id="117" name="TextBox 116">
-            <a:extLst>
-              <a:ext uri="{FF2B5EF4-FFF2-40B4-BE49-F238E27FC236}">
-                <a16:creationId xmlns:a16="http://schemas.microsoft.com/office/drawing/2014/main" id="{484CDBBF-5AB9-4443-AE3F-380DA7B78202}"/>
-              </a:ext>
-            </a:extLst>
-          </p:cNvPr>
-          <p:cNvSpPr txBox="1"/>
-          <p:nvPr/>
-        </p:nvSpPr>
-        <p:spPr>
-          <a:xfrm>
-            <a:off x="4410561" y="3270403"/>
-            <a:ext cx="182880" cy="276999"/>
-          </a:xfrm>
-          <a:prstGeom prst="rect">
-            <a:avLst/>
-          </a:prstGeom>
-          <a:noFill/>
-        </p:spPr>
-        <p:txBody>
-          <a:bodyPr wrap="square" rtlCol="0">
-            <a:spAutoFit/>
-          </a:bodyPr>
-          <a:lstStyle/>
-          <a:p>
-            <a:pPr algn="ctr"/>
-            <a:r>
-              <a:rPr lang="en-US" sz="1200" b="1" dirty="0">
-                <a:latin typeface="Arial Rounded MT Bold" panose="020F0704030504030204" pitchFamily="34" charset="0"/>
-              </a:rPr>
-              <a:t>|</a:t>
-            </a:r>
-          </a:p>
-        </p:txBody>
-      </p:sp>
-      <p:sp>
-        <p:nvSpPr>
-          <p:cNvPr id="119" name="TextBox 118">
-            <a:extLst>
-              <a:ext uri="{FF2B5EF4-FFF2-40B4-BE49-F238E27FC236}">
-                <a16:creationId xmlns:a16="http://schemas.microsoft.com/office/drawing/2014/main" id="{8CBD66F1-0DFF-4E86-805E-8F7FD589958D}"/>
-              </a:ext>
-            </a:extLst>
-          </p:cNvPr>
-          <p:cNvSpPr txBox="1"/>
-          <p:nvPr/>
-        </p:nvSpPr>
-        <p:spPr>
-          <a:xfrm>
-            <a:off x="3947061" y="3270403"/>
-            <a:ext cx="182880" cy="276999"/>
-          </a:xfrm>
-          <a:prstGeom prst="rect">
-            <a:avLst/>
-          </a:prstGeom>
-          <a:noFill/>
-        </p:spPr>
-        <p:txBody>
-          <a:bodyPr wrap="square" rtlCol="0">
-            <a:spAutoFit/>
-          </a:bodyPr>
-          <a:lstStyle/>
-          <a:p>
-            <a:pPr algn="ctr"/>
-            <a:r>
-              <a:rPr lang="en-US" sz="1200" b="1" dirty="0">
-                <a:latin typeface="Arial Rounded MT Bold" panose="020F0704030504030204" pitchFamily="34" charset="0"/>
-              </a:rPr>
-              <a:t>|</a:t>
-            </a:r>
-          </a:p>
-        </p:txBody>
-      </p:sp>
     </p:spTree>
     <p:extLst>
       <p:ext uri="{BB962C8B-B14F-4D97-AF65-F5344CB8AC3E}">
@@ -12095,8 +12096,8 @@
         </p:nvCxnSpPr>
         <p:spPr>
           <a:xfrm flipH="1" flipV="1">
-            <a:off x="6332591" y="2515935"/>
-            <a:ext cx="2074238" cy="2054702"/>
+            <a:off x="6326230" y="4344802"/>
+            <a:ext cx="1380430" cy="1364506"/>
           </a:xfrm>
           <a:prstGeom prst="line">
             <a:avLst/>
@@ -12638,6 +12639,1173 @@
           </a:p>
         </p:txBody>
       </p:sp>
+      <p:sp>
+        <p:nvSpPr>
+          <p:cNvPr id="55" name="TextBox 54">
+            <a:extLst>
+              <a:ext uri="{FF2B5EF4-FFF2-40B4-BE49-F238E27FC236}">
+                <a16:creationId xmlns:a16="http://schemas.microsoft.com/office/drawing/2014/main" id="{C7206992-39D2-4E05-925B-446E33F298BD}"/>
+              </a:ext>
+            </a:extLst>
+          </p:cNvPr>
+          <p:cNvSpPr txBox="1"/>
+          <p:nvPr/>
+        </p:nvSpPr>
+        <p:spPr>
+          <a:xfrm>
+            <a:off x="5724645" y="2746242"/>
+            <a:ext cx="548640" cy="400110"/>
+          </a:xfrm>
+          <a:prstGeom prst="rect">
+            <a:avLst/>
+          </a:prstGeom>
+          <a:noFill/>
+        </p:spPr>
+        <p:txBody>
+          <a:bodyPr wrap="square" rtlCol="0">
+            <a:spAutoFit/>
+          </a:bodyPr>
+          <a:lstStyle/>
+          <a:p>
+            <a:pPr algn="ctr"/>
+            <a:r>
+              <a:rPr lang="en-US" dirty="0">
+                <a:latin typeface="Arial Rounded MT Bold" panose="020F0704030504030204" pitchFamily="34" charset="0"/>
+              </a:rPr>
+              <a:t>2 </a:t>
+            </a:r>
+            <a:r>
+              <a:rPr lang="en-US" sz="2000" b="1" dirty="0">
+                <a:latin typeface="Arial Rounded MT Bold" panose="020F0704030504030204" pitchFamily="34" charset="0"/>
+              </a:rPr>
+              <a:t>–</a:t>
+            </a:r>
+            <a:endParaRPr lang="en-US" dirty="0">
+              <a:latin typeface="Arial Rounded MT Bold" panose="020F0704030504030204" pitchFamily="34" charset="0"/>
+            </a:endParaRPr>
+          </a:p>
+        </p:txBody>
+      </p:sp>
+      <p:sp>
+        <p:nvSpPr>
+          <p:cNvPr id="61" name="TextBox 60">
+            <a:extLst>
+              <a:ext uri="{FF2B5EF4-FFF2-40B4-BE49-F238E27FC236}">
+                <a16:creationId xmlns:a16="http://schemas.microsoft.com/office/drawing/2014/main" id="{F042FCD8-3569-4CF1-B28B-69B258910CC8}"/>
+              </a:ext>
+            </a:extLst>
+          </p:cNvPr>
+          <p:cNvSpPr txBox="1"/>
+          <p:nvPr/>
+        </p:nvSpPr>
+        <p:spPr>
+          <a:xfrm>
+            <a:off x="5952684" y="2980463"/>
+            <a:ext cx="274320" cy="400110"/>
+          </a:xfrm>
+          <a:prstGeom prst="rect">
+            <a:avLst/>
+          </a:prstGeom>
+          <a:noFill/>
+        </p:spPr>
+        <p:txBody>
+          <a:bodyPr wrap="square" rtlCol="0">
+            <a:spAutoFit/>
+          </a:bodyPr>
+          <a:lstStyle/>
+          <a:p>
+            <a:pPr algn="ctr"/>
+            <a:r>
+              <a:rPr lang="en-US" sz="2000" b="1" dirty="0">
+                <a:latin typeface="Arial Rounded MT Bold" panose="020F0704030504030204" pitchFamily="34" charset="0"/>
+              </a:rPr>
+              <a:t>–</a:t>
+            </a:r>
+            <a:endParaRPr lang="en-US" dirty="0">
+              <a:latin typeface="Arial Rounded MT Bold" panose="020F0704030504030204" pitchFamily="34" charset="0"/>
+            </a:endParaRPr>
+          </a:p>
+        </p:txBody>
+      </p:sp>
+      <p:sp>
+        <p:nvSpPr>
+          <p:cNvPr id="35" name="TextBox 34">
+            <a:extLst>
+              <a:ext uri="{FF2B5EF4-FFF2-40B4-BE49-F238E27FC236}">
+                <a16:creationId xmlns:a16="http://schemas.microsoft.com/office/drawing/2014/main" id="{BC41920E-AFF4-4558-AE1B-4573319AA45B}"/>
+              </a:ext>
+            </a:extLst>
+          </p:cNvPr>
+          <p:cNvSpPr txBox="1"/>
+          <p:nvPr/>
+        </p:nvSpPr>
+        <p:spPr>
+          <a:xfrm>
+            <a:off x="5636880" y="3661001"/>
+            <a:ext cx="640080" cy="400110"/>
+          </a:xfrm>
+          <a:prstGeom prst="rect">
+            <a:avLst/>
+          </a:prstGeom>
+          <a:noFill/>
+        </p:spPr>
+        <p:txBody>
+          <a:bodyPr wrap="square" rtlCol="0">
+            <a:spAutoFit/>
+          </a:bodyPr>
+          <a:lstStyle/>
+          <a:p>
+            <a:pPr algn="ctr"/>
+            <a:r>
+              <a:rPr lang="en-US" dirty="0">
+                <a:latin typeface="Arial Rounded MT Bold" panose="020F0704030504030204" pitchFamily="34" charset="0"/>
+              </a:rPr>
+              <a:t>-2 </a:t>
+            </a:r>
+            <a:r>
+              <a:rPr lang="en-US" sz="2000" b="1" dirty="0">
+                <a:latin typeface="Arial Rounded MT Bold" panose="020F0704030504030204" pitchFamily="34" charset="0"/>
+              </a:rPr>
+              <a:t>–</a:t>
+            </a:r>
+            <a:endParaRPr lang="en-US" dirty="0">
+              <a:latin typeface="Arial Rounded MT Bold" panose="020F0704030504030204" pitchFamily="34" charset="0"/>
+            </a:endParaRPr>
+          </a:p>
+        </p:txBody>
+      </p:sp>
+      <p:sp>
+        <p:nvSpPr>
+          <p:cNvPr id="51" name="TextBox 50">
+            <a:extLst>
+              <a:ext uri="{FF2B5EF4-FFF2-40B4-BE49-F238E27FC236}">
+                <a16:creationId xmlns:a16="http://schemas.microsoft.com/office/drawing/2014/main" id="{90562555-2D53-4F98-8B21-E80442AB99BC}"/>
+              </a:ext>
+            </a:extLst>
+          </p:cNvPr>
+          <p:cNvSpPr txBox="1"/>
+          <p:nvPr/>
+        </p:nvSpPr>
+        <p:spPr>
+          <a:xfrm>
+            <a:off x="5639411" y="4116534"/>
+            <a:ext cx="640080" cy="400110"/>
+          </a:xfrm>
+          <a:prstGeom prst="rect">
+            <a:avLst/>
+          </a:prstGeom>
+          <a:noFill/>
+        </p:spPr>
+        <p:txBody>
+          <a:bodyPr wrap="square" rtlCol="0">
+            <a:spAutoFit/>
+          </a:bodyPr>
+          <a:lstStyle/>
+          <a:p>
+            <a:pPr algn="ctr"/>
+            <a:r>
+              <a:rPr lang="en-US" dirty="0">
+                <a:latin typeface="Arial Rounded MT Bold" panose="020F0704030504030204" pitchFamily="34" charset="0"/>
+              </a:rPr>
+              <a:t>-4 </a:t>
+            </a:r>
+            <a:r>
+              <a:rPr lang="en-US" sz="2000" b="1" dirty="0">
+                <a:latin typeface="Arial Rounded MT Bold" panose="020F0704030504030204" pitchFamily="34" charset="0"/>
+              </a:rPr>
+              <a:t>–</a:t>
+            </a:r>
+            <a:endParaRPr lang="en-US" dirty="0">
+              <a:latin typeface="Arial Rounded MT Bold" panose="020F0704030504030204" pitchFamily="34" charset="0"/>
+            </a:endParaRPr>
+          </a:p>
+        </p:txBody>
+      </p:sp>
+      <p:sp>
+        <p:nvSpPr>
+          <p:cNvPr id="52" name="TextBox 51">
+            <a:extLst>
+              <a:ext uri="{FF2B5EF4-FFF2-40B4-BE49-F238E27FC236}">
+                <a16:creationId xmlns:a16="http://schemas.microsoft.com/office/drawing/2014/main" id="{87D00E47-D589-450F-93BC-092A4A1161B6}"/>
+              </a:ext>
+            </a:extLst>
+          </p:cNvPr>
+          <p:cNvSpPr txBox="1"/>
+          <p:nvPr/>
+        </p:nvSpPr>
+        <p:spPr>
+          <a:xfrm>
+            <a:off x="5639396" y="4580722"/>
+            <a:ext cx="640080" cy="400110"/>
+          </a:xfrm>
+          <a:prstGeom prst="rect">
+            <a:avLst/>
+          </a:prstGeom>
+          <a:noFill/>
+        </p:spPr>
+        <p:txBody>
+          <a:bodyPr wrap="square" rtlCol="0">
+            <a:spAutoFit/>
+          </a:bodyPr>
+          <a:lstStyle/>
+          <a:p>
+            <a:pPr algn="ctr"/>
+            <a:r>
+              <a:rPr lang="en-US" dirty="0">
+                <a:latin typeface="Arial Rounded MT Bold" panose="020F0704030504030204" pitchFamily="34" charset="0"/>
+              </a:rPr>
+              <a:t>-6 </a:t>
+            </a:r>
+            <a:r>
+              <a:rPr lang="en-US" sz="2000" b="1" dirty="0">
+                <a:latin typeface="Arial Rounded MT Bold" panose="020F0704030504030204" pitchFamily="34" charset="0"/>
+              </a:rPr>
+              <a:t>–</a:t>
+            </a:r>
+            <a:endParaRPr lang="en-US" dirty="0">
+              <a:latin typeface="Arial Rounded MT Bold" panose="020F0704030504030204" pitchFamily="34" charset="0"/>
+            </a:endParaRPr>
+          </a:p>
+        </p:txBody>
+      </p:sp>
+      <p:sp>
+        <p:nvSpPr>
+          <p:cNvPr id="53" name="TextBox 52">
+            <a:extLst>
+              <a:ext uri="{FF2B5EF4-FFF2-40B4-BE49-F238E27FC236}">
+                <a16:creationId xmlns:a16="http://schemas.microsoft.com/office/drawing/2014/main" id="{56AFC334-BA37-490C-B407-C18C0BA6E7FF}"/>
+              </a:ext>
+            </a:extLst>
+          </p:cNvPr>
+          <p:cNvSpPr txBox="1"/>
+          <p:nvPr/>
+        </p:nvSpPr>
+        <p:spPr>
+          <a:xfrm>
+            <a:off x="5637720" y="5028301"/>
+            <a:ext cx="640080" cy="400110"/>
+          </a:xfrm>
+          <a:prstGeom prst="rect">
+            <a:avLst/>
+          </a:prstGeom>
+          <a:noFill/>
+        </p:spPr>
+        <p:txBody>
+          <a:bodyPr wrap="square" rtlCol="0">
+            <a:spAutoFit/>
+          </a:bodyPr>
+          <a:lstStyle/>
+          <a:p>
+            <a:pPr algn="ctr"/>
+            <a:r>
+              <a:rPr lang="en-US" dirty="0">
+                <a:latin typeface="Arial Rounded MT Bold" panose="020F0704030504030204" pitchFamily="34" charset="0"/>
+              </a:rPr>
+              <a:t>-8 </a:t>
+            </a:r>
+            <a:r>
+              <a:rPr lang="en-US" sz="2000" b="1" dirty="0">
+                <a:latin typeface="Arial Rounded MT Bold" panose="020F0704030504030204" pitchFamily="34" charset="0"/>
+              </a:rPr>
+              <a:t>–</a:t>
+            </a:r>
+            <a:endParaRPr lang="en-US" dirty="0">
+              <a:latin typeface="Arial Rounded MT Bold" panose="020F0704030504030204" pitchFamily="34" charset="0"/>
+            </a:endParaRPr>
+          </a:p>
+        </p:txBody>
+      </p:sp>
+      <p:sp>
+        <p:nvSpPr>
+          <p:cNvPr id="108" name="TextBox 107">
+            <a:extLst>
+              <a:ext uri="{FF2B5EF4-FFF2-40B4-BE49-F238E27FC236}">
+                <a16:creationId xmlns:a16="http://schemas.microsoft.com/office/drawing/2014/main" id="{62E4ED03-372B-4D0E-9B21-4A300CFAD2ED}"/>
+              </a:ext>
+            </a:extLst>
+          </p:cNvPr>
+          <p:cNvSpPr txBox="1"/>
+          <p:nvPr/>
+        </p:nvSpPr>
+        <p:spPr>
+          <a:xfrm>
+            <a:off x="5954077" y="5261820"/>
+            <a:ext cx="274320" cy="400110"/>
+          </a:xfrm>
+          <a:prstGeom prst="rect">
+            <a:avLst/>
+          </a:prstGeom>
+          <a:noFill/>
+        </p:spPr>
+        <p:txBody>
+          <a:bodyPr wrap="square" rtlCol="0">
+            <a:spAutoFit/>
+          </a:bodyPr>
+          <a:lstStyle/>
+          <a:p>
+            <a:pPr algn="ctr"/>
+            <a:r>
+              <a:rPr lang="en-US" sz="2000" b="1" dirty="0">
+                <a:latin typeface="Arial Rounded MT Bold" panose="020F0704030504030204" pitchFamily="34" charset="0"/>
+              </a:rPr>
+              <a:t>–</a:t>
+            </a:r>
+            <a:endParaRPr lang="en-US" dirty="0">
+              <a:latin typeface="Arial Rounded MT Bold" panose="020F0704030504030204" pitchFamily="34" charset="0"/>
+            </a:endParaRPr>
+          </a:p>
+        </p:txBody>
+      </p:sp>
+      <p:sp>
+        <p:nvSpPr>
+          <p:cNvPr id="41" name="TextBox 40">
+            <a:extLst>
+              <a:ext uri="{FF2B5EF4-FFF2-40B4-BE49-F238E27FC236}">
+                <a16:creationId xmlns:a16="http://schemas.microsoft.com/office/drawing/2014/main" id="{1DDFA7C7-F3F0-4392-A645-6E9DFC5BD030}"/>
+              </a:ext>
+            </a:extLst>
+          </p:cNvPr>
+          <p:cNvSpPr txBox="1"/>
+          <p:nvPr/>
+        </p:nvSpPr>
+        <p:spPr>
+          <a:xfrm>
+            <a:off x="6326549" y="3270403"/>
+            <a:ext cx="457200" cy="553998"/>
+          </a:xfrm>
+          <a:prstGeom prst="rect">
+            <a:avLst/>
+          </a:prstGeom>
+          <a:noFill/>
+        </p:spPr>
+        <p:txBody>
+          <a:bodyPr wrap="square" rtlCol="0">
+            <a:spAutoFit/>
+          </a:bodyPr>
+          <a:lstStyle/>
+          <a:p>
+            <a:pPr algn="ctr"/>
+            <a:r>
+              <a:rPr lang="en-US" sz="1200" b="1" dirty="0">
+                <a:latin typeface="Arial Rounded MT Bold" panose="020F0704030504030204" pitchFamily="34" charset="0"/>
+              </a:rPr>
+              <a:t>|</a:t>
+            </a:r>
+          </a:p>
+          <a:p>
+            <a:pPr algn="ctr"/>
+            <a:r>
+              <a:rPr lang="en-US" dirty="0">
+                <a:latin typeface="Arial Rounded MT Bold" panose="020F0704030504030204" pitchFamily="34" charset="0"/>
+              </a:rPr>
+              <a:t>2</a:t>
+            </a:r>
+          </a:p>
+        </p:txBody>
+      </p:sp>
+      <p:sp>
+        <p:nvSpPr>
+          <p:cNvPr id="42" name="TextBox 41">
+            <a:extLst>
+              <a:ext uri="{FF2B5EF4-FFF2-40B4-BE49-F238E27FC236}">
+                <a16:creationId xmlns:a16="http://schemas.microsoft.com/office/drawing/2014/main" id="{CF78E1A7-766F-433F-888D-E4639AF438C3}"/>
+              </a:ext>
+            </a:extLst>
+          </p:cNvPr>
+          <p:cNvSpPr txBox="1"/>
+          <p:nvPr/>
+        </p:nvSpPr>
+        <p:spPr>
+          <a:xfrm>
+            <a:off x="6786991" y="3270403"/>
+            <a:ext cx="457200" cy="553998"/>
+          </a:xfrm>
+          <a:prstGeom prst="rect">
+            <a:avLst/>
+          </a:prstGeom>
+          <a:noFill/>
+        </p:spPr>
+        <p:txBody>
+          <a:bodyPr wrap="square" rtlCol="0">
+            <a:spAutoFit/>
+          </a:bodyPr>
+          <a:lstStyle/>
+          <a:p>
+            <a:pPr algn="ctr"/>
+            <a:r>
+              <a:rPr lang="en-US" sz="1200" b="1" dirty="0">
+                <a:latin typeface="Arial Rounded MT Bold" panose="020F0704030504030204" pitchFamily="34" charset="0"/>
+              </a:rPr>
+              <a:t>|</a:t>
+            </a:r>
+          </a:p>
+          <a:p>
+            <a:pPr algn="ctr"/>
+            <a:r>
+              <a:rPr lang="en-US" dirty="0">
+                <a:latin typeface="Arial Rounded MT Bold" panose="020F0704030504030204" pitchFamily="34" charset="0"/>
+              </a:rPr>
+              <a:t>4</a:t>
+            </a:r>
+          </a:p>
+        </p:txBody>
+      </p:sp>
+      <p:sp>
+        <p:nvSpPr>
+          <p:cNvPr id="109" name="TextBox 108">
+            <a:extLst>
+              <a:ext uri="{FF2B5EF4-FFF2-40B4-BE49-F238E27FC236}">
+                <a16:creationId xmlns:a16="http://schemas.microsoft.com/office/drawing/2014/main" id="{21781288-2119-4A29-816D-A78CF3C9708B}"/>
+              </a:ext>
+            </a:extLst>
+          </p:cNvPr>
+          <p:cNvSpPr txBox="1"/>
+          <p:nvPr/>
+        </p:nvSpPr>
+        <p:spPr>
+          <a:xfrm>
+            <a:off x="6235453" y="3270403"/>
+            <a:ext cx="182880" cy="276999"/>
+          </a:xfrm>
+          <a:prstGeom prst="rect">
+            <a:avLst/>
+          </a:prstGeom>
+          <a:noFill/>
+        </p:spPr>
+        <p:txBody>
+          <a:bodyPr wrap="square" rtlCol="0">
+            <a:spAutoFit/>
+          </a:bodyPr>
+          <a:lstStyle/>
+          <a:p>
+            <a:pPr algn="ctr"/>
+            <a:r>
+              <a:rPr lang="en-US" sz="1200" b="1" dirty="0">
+                <a:latin typeface="Arial Rounded MT Bold" panose="020F0704030504030204" pitchFamily="34" charset="0"/>
+              </a:rPr>
+              <a:t>|</a:t>
+            </a:r>
+          </a:p>
+        </p:txBody>
+      </p:sp>
+      <p:sp>
+        <p:nvSpPr>
+          <p:cNvPr id="43" name="TextBox 42">
+            <a:extLst>
+              <a:ext uri="{FF2B5EF4-FFF2-40B4-BE49-F238E27FC236}">
+                <a16:creationId xmlns:a16="http://schemas.microsoft.com/office/drawing/2014/main" id="{4482C8D6-282F-4D9E-8D6C-156BA5C6DED9}"/>
+              </a:ext>
+            </a:extLst>
+          </p:cNvPr>
+          <p:cNvSpPr txBox="1"/>
+          <p:nvPr/>
+        </p:nvSpPr>
+        <p:spPr>
+          <a:xfrm>
+            <a:off x="7249459" y="3270403"/>
+            <a:ext cx="457200" cy="553998"/>
+          </a:xfrm>
+          <a:prstGeom prst="rect">
+            <a:avLst/>
+          </a:prstGeom>
+          <a:noFill/>
+        </p:spPr>
+        <p:txBody>
+          <a:bodyPr wrap="square" rtlCol="0">
+            <a:spAutoFit/>
+          </a:bodyPr>
+          <a:lstStyle/>
+          <a:p>
+            <a:pPr algn="ctr"/>
+            <a:r>
+              <a:rPr lang="en-US" sz="1200" b="1" dirty="0">
+                <a:latin typeface="Arial Rounded MT Bold" panose="020F0704030504030204" pitchFamily="34" charset="0"/>
+              </a:rPr>
+              <a:t>|</a:t>
+            </a:r>
+          </a:p>
+          <a:p>
+            <a:pPr algn="ctr"/>
+            <a:r>
+              <a:rPr lang="en-US" dirty="0">
+                <a:latin typeface="Arial Rounded MT Bold" panose="020F0704030504030204" pitchFamily="34" charset="0"/>
+              </a:rPr>
+              <a:t>6</a:t>
+            </a:r>
+          </a:p>
+        </p:txBody>
+      </p:sp>
+      <p:sp>
+        <p:nvSpPr>
+          <p:cNvPr id="44" name="TextBox 43">
+            <a:extLst>
+              <a:ext uri="{FF2B5EF4-FFF2-40B4-BE49-F238E27FC236}">
+                <a16:creationId xmlns:a16="http://schemas.microsoft.com/office/drawing/2014/main" id="{DDB16C56-ABDC-4966-8204-34B84351C19C}"/>
+              </a:ext>
+            </a:extLst>
+          </p:cNvPr>
+          <p:cNvSpPr txBox="1"/>
+          <p:nvPr/>
+        </p:nvSpPr>
+        <p:spPr>
+          <a:xfrm>
+            <a:off x="7711966" y="3270403"/>
+            <a:ext cx="457200" cy="553998"/>
+          </a:xfrm>
+          <a:prstGeom prst="rect">
+            <a:avLst/>
+          </a:prstGeom>
+          <a:noFill/>
+        </p:spPr>
+        <p:txBody>
+          <a:bodyPr wrap="square" rtlCol="0">
+            <a:spAutoFit/>
+          </a:bodyPr>
+          <a:lstStyle/>
+          <a:p>
+            <a:pPr algn="ctr"/>
+            <a:r>
+              <a:rPr lang="en-US" sz="1200" b="1" dirty="0">
+                <a:latin typeface="Arial Rounded MT Bold" panose="020F0704030504030204" pitchFamily="34" charset="0"/>
+              </a:rPr>
+              <a:t>|</a:t>
+            </a:r>
+          </a:p>
+          <a:p>
+            <a:pPr algn="ctr"/>
+            <a:r>
+              <a:rPr lang="en-US" dirty="0">
+                <a:latin typeface="Arial Rounded MT Bold" panose="020F0704030504030204" pitchFamily="34" charset="0"/>
+              </a:rPr>
+              <a:t>8</a:t>
+            </a:r>
+          </a:p>
+        </p:txBody>
+      </p:sp>
+      <p:sp>
+        <p:nvSpPr>
+          <p:cNvPr id="45" name="TextBox 44">
+            <a:extLst>
+              <a:ext uri="{FF2B5EF4-FFF2-40B4-BE49-F238E27FC236}">
+                <a16:creationId xmlns:a16="http://schemas.microsoft.com/office/drawing/2014/main" id="{E2BD9875-6133-4D79-95B1-255843E596C2}"/>
+              </a:ext>
+            </a:extLst>
+          </p:cNvPr>
+          <p:cNvSpPr txBox="1"/>
+          <p:nvPr/>
+        </p:nvSpPr>
+        <p:spPr>
+          <a:xfrm>
+            <a:off x="8183662" y="3270403"/>
+            <a:ext cx="457200" cy="553998"/>
+          </a:xfrm>
+          <a:prstGeom prst="rect">
+            <a:avLst/>
+          </a:prstGeom>
+          <a:noFill/>
+        </p:spPr>
+        <p:txBody>
+          <a:bodyPr wrap="square" rtlCol="0">
+            <a:spAutoFit/>
+          </a:bodyPr>
+          <a:lstStyle/>
+          <a:p>
+            <a:pPr algn="ctr"/>
+            <a:r>
+              <a:rPr lang="en-US" sz="1200" b="1" dirty="0">
+                <a:latin typeface="Arial Rounded MT Bold" panose="020F0704030504030204" pitchFamily="34" charset="0"/>
+              </a:rPr>
+              <a:t>|</a:t>
+            </a:r>
+          </a:p>
+          <a:p>
+            <a:pPr algn="ctr"/>
+            <a:r>
+              <a:rPr lang="en-US" dirty="0">
+                <a:latin typeface="Arial Rounded MT Bold" panose="020F0704030504030204" pitchFamily="34" charset="0"/>
+              </a:rPr>
+              <a:t>10</a:t>
+            </a:r>
+          </a:p>
+        </p:txBody>
+      </p:sp>
+      <p:sp>
+        <p:nvSpPr>
+          <p:cNvPr id="110" name="TextBox 109">
+            <a:extLst>
+              <a:ext uri="{FF2B5EF4-FFF2-40B4-BE49-F238E27FC236}">
+                <a16:creationId xmlns:a16="http://schemas.microsoft.com/office/drawing/2014/main" id="{A68D9F29-3E03-491C-BB9A-291C626A786E}"/>
+              </a:ext>
+            </a:extLst>
+          </p:cNvPr>
+          <p:cNvSpPr txBox="1"/>
+          <p:nvPr/>
+        </p:nvSpPr>
+        <p:spPr>
+          <a:xfrm>
+            <a:off x="6697430" y="3270403"/>
+            <a:ext cx="182880" cy="276999"/>
+          </a:xfrm>
+          <a:prstGeom prst="rect">
+            <a:avLst/>
+          </a:prstGeom>
+          <a:noFill/>
+        </p:spPr>
+        <p:txBody>
+          <a:bodyPr wrap="square" rtlCol="0">
+            <a:spAutoFit/>
+          </a:bodyPr>
+          <a:lstStyle/>
+          <a:p>
+            <a:pPr algn="ctr"/>
+            <a:r>
+              <a:rPr lang="en-US" sz="1200" b="1" dirty="0">
+                <a:latin typeface="Arial Rounded MT Bold" panose="020F0704030504030204" pitchFamily="34" charset="0"/>
+              </a:rPr>
+              <a:t>|</a:t>
+            </a:r>
+          </a:p>
+        </p:txBody>
+      </p:sp>
+      <p:sp>
+        <p:nvSpPr>
+          <p:cNvPr id="111" name="TextBox 110">
+            <a:extLst>
+              <a:ext uri="{FF2B5EF4-FFF2-40B4-BE49-F238E27FC236}">
+                <a16:creationId xmlns:a16="http://schemas.microsoft.com/office/drawing/2014/main" id="{2DC80D86-3BA3-4DB7-8276-AA74CB1CDF6E}"/>
+              </a:ext>
+            </a:extLst>
+          </p:cNvPr>
+          <p:cNvSpPr txBox="1"/>
+          <p:nvPr/>
+        </p:nvSpPr>
+        <p:spPr>
+          <a:xfrm>
+            <a:off x="7155716" y="3270403"/>
+            <a:ext cx="182880" cy="276999"/>
+          </a:xfrm>
+          <a:prstGeom prst="rect">
+            <a:avLst/>
+          </a:prstGeom>
+          <a:noFill/>
+        </p:spPr>
+        <p:txBody>
+          <a:bodyPr wrap="square" rtlCol="0">
+            <a:spAutoFit/>
+          </a:bodyPr>
+          <a:lstStyle/>
+          <a:p>
+            <a:pPr algn="ctr"/>
+            <a:r>
+              <a:rPr lang="en-US" sz="1200" b="1" dirty="0">
+                <a:latin typeface="Arial Rounded MT Bold" panose="020F0704030504030204" pitchFamily="34" charset="0"/>
+              </a:rPr>
+              <a:t>|</a:t>
+            </a:r>
+          </a:p>
+        </p:txBody>
+      </p:sp>
+      <p:sp>
+        <p:nvSpPr>
+          <p:cNvPr id="112" name="TextBox 111">
+            <a:extLst>
+              <a:ext uri="{FF2B5EF4-FFF2-40B4-BE49-F238E27FC236}">
+                <a16:creationId xmlns:a16="http://schemas.microsoft.com/office/drawing/2014/main" id="{BB7EC315-CD2E-4F48-BEF6-E5FF5AB1C641}"/>
+              </a:ext>
+            </a:extLst>
+          </p:cNvPr>
+          <p:cNvSpPr txBox="1"/>
+          <p:nvPr/>
+        </p:nvSpPr>
+        <p:spPr>
+          <a:xfrm>
+            <a:off x="7607829" y="3270403"/>
+            <a:ext cx="182880" cy="276999"/>
+          </a:xfrm>
+          <a:prstGeom prst="rect">
+            <a:avLst/>
+          </a:prstGeom>
+          <a:noFill/>
+        </p:spPr>
+        <p:txBody>
+          <a:bodyPr wrap="square" rtlCol="0">
+            <a:spAutoFit/>
+          </a:bodyPr>
+          <a:lstStyle/>
+          <a:p>
+            <a:pPr algn="ctr"/>
+            <a:r>
+              <a:rPr lang="en-US" sz="1200" b="1" dirty="0">
+                <a:latin typeface="Arial Rounded MT Bold" panose="020F0704030504030204" pitchFamily="34" charset="0"/>
+              </a:rPr>
+              <a:t>|</a:t>
+            </a:r>
+          </a:p>
+        </p:txBody>
+      </p:sp>
+      <p:sp>
+        <p:nvSpPr>
+          <p:cNvPr id="113" name="TextBox 112">
+            <a:extLst>
+              <a:ext uri="{FF2B5EF4-FFF2-40B4-BE49-F238E27FC236}">
+                <a16:creationId xmlns:a16="http://schemas.microsoft.com/office/drawing/2014/main" id="{74621BB5-D088-4023-97CD-DAC42E9F18FD}"/>
+              </a:ext>
+            </a:extLst>
+          </p:cNvPr>
+          <p:cNvSpPr txBox="1"/>
+          <p:nvPr/>
+        </p:nvSpPr>
+        <p:spPr>
+          <a:xfrm>
+            <a:off x="8081527" y="3270403"/>
+            <a:ext cx="182880" cy="276999"/>
+          </a:xfrm>
+          <a:prstGeom prst="rect">
+            <a:avLst/>
+          </a:prstGeom>
+          <a:noFill/>
+        </p:spPr>
+        <p:txBody>
+          <a:bodyPr wrap="square" rtlCol="0">
+            <a:spAutoFit/>
+          </a:bodyPr>
+          <a:lstStyle/>
+          <a:p>
+            <a:pPr algn="ctr"/>
+            <a:r>
+              <a:rPr lang="en-US" sz="1200" b="1" dirty="0">
+                <a:latin typeface="Arial Rounded MT Bold" panose="020F0704030504030204" pitchFamily="34" charset="0"/>
+              </a:rPr>
+              <a:t>|</a:t>
+            </a:r>
+          </a:p>
+        </p:txBody>
+      </p:sp>
+      <p:sp>
+        <p:nvSpPr>
+          <p:cNvPr id="114" name="TextBox 113">
+            <a:extLst>
+              <a:ext uri="{FF2B5EF4-FFF2-40B4-BE49-F238E27FC236}">
+                <a16:creationId xmlns:a16="http://schemas.microsoft.com/office/drawing/2014/main" id="{791D89F4-AA09-4E94-8865-29426401AA78}"/>
+              </a:ext>
+            </a:extLst>
+          </p:cNvPr>
+          <p:cNvSpPr txBox="1"/>
+          <p:nvPr/>
+        </p:nvSpPr>
+        <p:spPr>
+          <a:xfrm>
+            <a:off x="5782285" y="3270403"/>
+            <a:ext cx="182880" cy="276999"/>
+          </a:xfrm>
+          <a:prstGeom prst="rect">
+            <a:avLst/>
+          </a:prstGeom>
+          <a:noFill/>
+        </p:spPr>
+        <p:txBody>
+          <a:bodyPr wrap="square" rtlCol="0">
+            <a:spAutoFit/>
+          </a:bodyPr>
+          <a:lstStyle/>
+          <a:p>
+            <a:pPr algn="ctr"/>
+            <a:r>
+              <a:rPr lang="en-US" sz="1200" b="1" dirty="0">
+                <a:latin typeface="Arial Rounded MT Bold" panose="020F0704030504030204" pitchFamily="34" charset="0"/>
+              </a:rPr>
+              <a:t>|</a:t>
+            </a:r>
+          </a:p>
+        </p:txBody>
+      </p:sp>
+      <p:sp>
+        <p:nvSpPr>
+          <p:cNvPr id="46" name="TextBox 45">
+            <a:extLst>
+              <a:ext uri="{FF2B5EF4-FFF2-40B4-BE49-F238E27FC236}">
+                <a16:creationId xmlns:a16="http://schemas.microsoft.com/office/drawing/2014/main" id="{41E1473A-3443-4218-8980-A4A032A46E27}"/>
+              </a:ext>
+            </a:extLst>
+          </p:cNvPr>
+          <p:cNvSpPr txBox="1"/>
+          <p:nvPr/>
+        </p:nvSpPr>
+        <p:spPr>
+          <a:xfrm>
+            <a:off x="5414933" y="3270403"/>
+            <a:ext cx="457200" cy="553998"/>
+          </a:xfrm>
+          <a:prstGeom prst="rect">
+            <a:avLst/>
+          </a:prstGeom>
+          <a:noFill/>
+        </p:spPr>
+        <p:txBody>
+          <a:bodyPr wrap="square" rtlCol="0">
+            <a:spAutoFit/>
+          </a:bodyPr>
+          <a:lstStyle/>
+          <a:p>
+            <a:pPr algn="ctr"/>
+            <a:r>
+              <a:rPr lang="en-US" sz="1200" b="1" dirty="0">
+                <a:latin typeface="Arial Rounded MT Bold" panose="020F0704030504030204" pitchFamily="34" charset="0"/>
+              </a:rPr>
+              <a:t>|</a:t>
+            </a:r>
+          </a:p>
+          <a:p>
+            <a:pPr algn="ctr"/>
+            <a:r>
+              <a:rPr lang="en-US" dirty="0">
+                <a:latin typeface="Arial Rounded MT Bold" panose="020F0704030504030204" pitchFamily="34" charset="0"/>
+              </a:rPr>
+              <a:t>-2</a:t>
+            </a:r>
+          </a:p>
+        </p:txBody>
+      </p:sp>
+      <p:sp>
+        <p:nvSpPr>
+          <p:cNvPr id="47" name="TextBox 46">
+            <a:extLst>
+              <a:ext uri="{FF2B5EF4-FFF2-40B4-BE49-F238E27FC236}">
+                <a16:creationId xmlns:a16="http://schemas.microsoft.com/office/drawing/2014/main" id="{26809BB3-AA0F-4AAF-9AD9-3A5E7BBB9A8E}"/>
+              </a:ext>
+            </a:extLst>
+          </p:cNvPr>
+          <p:cNvSpPr txBox="1"/>
+          <p:nvPr/>
+        </p:nvSpPr>
+        <p:spPr>
+          <a:xfrm>
+            <a:off x="4950805" y="3270403"/>
+            <a:ext cx="457200" cy="553998"/>
+          </a:xfrm>
+          <a:prstGeom prst="rect">
+            <a:avLst/>
+          </a:prstGeom>
+          <a:noFill/>
+        </p:spPr>
+        <p:txBody>
+          <a:bodyPr wrap="square" rtlCol="0">
+            <a:spAutoFit/>
+          </a:bodyPr>
+          <a:lstStyle/>
+          <a:p>
+            <a:pPr algn="ctr"/>
+            <a:r>
+              <a:rPr lang="en-US" sz="1200" b="1" dirty="0">
+                <a:latin typeface="Arial Rounded MT Bold" panose="020F0704030504030204" pitchFamily="34" charset="0"/>
+              </a:rPr>
+              <a:t>|</a:t>
+            </a:r>
+          </a:p>
+          <a:p>
+            <a:pPr algn="ctr"/>
+            <a:r>
+              <a:rPr lang="en-US" dirty="0">
+                <a:latin typeface="Arial Rounded MT Bold" panose="020F0704030504030204" pitchFamily="34" charset="0"/>
+              </a:rPr>
+              <a:t>-4</a:t>
+            </a:r>
+          </a:p>
+        </p:txBody>
+      </p:sp>
+      <p:sp>
+        <p:nvSpPr>
+          <p:cNvPr id="48" name="TextBox 47">
+            <a:extLst>
+              <a:ext uri="{FF2B5EF4-FFF2-40B4-BE49-F238E27FC236}">
+                <a16:creationId xmlns:a16="http://schemas.microsoft.com/office/drawing/2014/main" id="{B9AB481C-C67A-4B55-B89E-B7CF9B03C0E5}"/>
+              </a:ext>
+            </a:extLst>
+          </p:cNvPr>
+          <p:cNvSpPr txBox="1"/>
+          <p:nvPr/>
+        </p:nvSpPr>
+        <p:spPr>
+          <a:xfrm>
+            <a:off x="4497828" y="3270403"/>
+            <a:ext cx="457200" cy="553998"/>
+          </a:xfrm>
+          <a:prstGeom prst="rect">
+            <a:avLst/>
+          </a:prstGeom>
+          <a:noFill/>
+        </p:spPr>
+        <p:txBody>
+          <a:bodyPr wrap="square" rtlCol="0">
+            <a:spAutoFit/>
+          </a:bodyPr>
+          <a:lstStyle/>
+          <a:p>
+            <a:pPr algn="ctr"/>
+            <a:r>
+              <a:rPr lang="en-US" sz="1200" b="1" dirty="0">
+                <a:latin typeface="Arial Rounded MT Bold" panose="020F0704030504030204" pitchFamily="34" charset="0"/>
+              </a:rPr>
+              <a:t>|</a:t>
+            </a:r>
+          </a:p>
+          <a:p>
+            <a:pPr algn="ctr"/>
+            <a:r>
+              <a:rPr lang="en-US" dirty="0">
+                <a:latin typeface="Arial Rounded MT Bold" panose="020F0704030504030204" pitchFamily="34" charset="0"/>
+              </a:rPr>
+              <a:t>-6</a:t>
+            </a:r>
+          </a:p>
+        </p:txBody>
+      </p:sp>
+      <p:sp>
+        <p:nvSpPr>
+          <p:cNvPr id="49" name="TextBox 48">
+            <a:extLst>
+              <a:ext uri="{FF2B5EF4-FFF2-40B4-BE49-F238E27FC236}">
+                <a16:creationId xmlns:a16="http://schemas.microsoft.com/office/drawing/2014/main" id="{4021C30E-3A8C-4DC0-A700-AF21FCA65BA2}"/>
+              </a:ext>
+            </a:extLst>
+          </p:cNvPr>
+          <p:cNvSpPr txBox="1"/>
+          <p:nvPr/>
+        </p:nvSpPr>
+        <p:spPr>
+          <a:xfrm>
+            <a:off x="4035854" y="3270403"/>
+            <a:ext cx="457200" cy="553998"/>
+          </a:xfrm>
+          <a:prstGeom prst="rect">
+            <a:avLst/>
+          </a:prstGeom>
+          <a:noFill/>
+        </p:spPr>
+        <p:txBody>
+          <a:bodyPr wrap="square" rtlCol="0">
+            <a:spAutoFit/>
+          </a:bodyPr>
+          <a:lstStyle/>
+          <a:p>
+            <a:pPr algn="ctr"/>
+            <a:r>
+              <a:rPr lang="en-US" sz="1200" b="1" dirty="0">
+                <a:latin typeface="Arial Rounded MT Bold" panose="020F0704030504030204" pitchFamily="34" charset="0"/>
+              </a:rPr>
+              <a:t>|</a:t>
+            </a:r>
+          </a:p>
+          <a:p>
+            <a:pPr algn="ctr"/>
+            <a:r>
+              <a:rPr lang="en-US" dirty="0">
+                <a:latin typeface="Arial Rounded MT Bold" panose="020F0704030504030204" pitchFamily="34" charset="0"/>
+              </a:rPr>
+              <a:t>-8</a:t>
+            </a:r>
+          </a:p>
+        </p:txBody>
+      </p:sp>
+      <p:sp>
+        <p:nvSpPr>
+          <p:cNvPr id="50" name="TextBox 49">
+            <a:extLst>
+              <a:ext uri="{FF2B5EF4-FFF2-40B4-BE49-F238E27FC236}">
+                <a16:creationId xmlns:a16="http://schemas.microsoft.com/office/drawing/2014/main" id="{AF380627-FC4F-42B7-AB5F-4D14EB400404}"/>
+              </a:ext>
+            </a:extLst>
+          </p:cNvPr>
+          <p:cNvSpPr txBox="1"/>
+          <p:nvPr/>
+        </p:nvSpPr>
+        <p:spPr>
+          <a:xfrm>
+            <a:off x="3531453" y="3270403"/>
+            <a:ext cx="548640" cy="557784"/>
+          </a:xfrm>
+          <a:prstGeom prst="rect">
+            <a:avLst/>
+          </a:prstGeom>
+          <a:noFill/>
+        </p:spPr>
+        <p:txBody>
+          <a:bodyPr wrap="square" rtlCol="0">
+            <a:spAutoFit/>
+          </a:bodyPr>
+          <a:lstStyle/>
+          <a:p>
+            <a:pPr algn="ctr"/>
+            <a:r>
+              <a:rPr lang="en-US" sz="1200" b="1" dirty="0">
+                <a:latin typeface="Arial Rounded MT Bold" panose="020F0704030504030204" pitchFamily="34" charset="0"/>
+              </a:rPr>
+              <a:t>|</a:t>
+            </a:r>
+          </a:p>
+          <a:p>
+            <a:pPr algn="ctr"/>
+            <a:r>
+              <a:rPr lang="en-US" dirty="0">
+                <a:latin typeface="Arial Rounded MT Bold" panose="020F0704030504030204" pitchFamily="34" charset="0"/>
+              </a:rPr>
+              <a:t>-10</a:t>
+            </a:r>
+          </a:p>
+        </p:txBody>
+      </p:sp>
+      <p:sp>
+        <p:nvSpPr>
+          <p:cNvPr id="115" name="TextBox 114">
+            <a:extLst>
+              <a:ext uri="{FF2B5EF4-FFF2-40B4-BE49-F238E27FC236}">
+                <a16:creationId xmlns:a16="http://schemas.microsoft.com/office/drawing/2014/main" id="{9CC977CA-36C2-4C89-9617-BEEA5B5C7A48}"/>
+              </a:ext>
+            </a:extLst>
+          </p:cNvPr>
+          <p:cNvSpPr txBox="1"/>
+          <p:nvPr/>
+        </p:nvSpPr>
+        <p:spPr>
+          <a:xfrm>
+            <a:off x="5324916" y="3270403"/>
+            <a:ext cx="182880" cy="276999"/>
+          </a:xfrm>
+          <a:prstGeom prst="rect">
+            <a:avLst/>
+          </a:prstGeom>
+          <a:noFill/>
+        </p:spPr>
+        <p:txBody>
+          <a:bodyPr wrap="square" rtlCol="0">
+            <a:spAutoFit/>
+          </a:bodyPr>
+          <a:lstStyle/>
+          <a:p>
+            <a:pPr algn="ctr"/>
+            <a:r>
+              <a:rPr lang="en-US" sz="1200" b="1" dirty="0">
+                <a:latin typeface="Arial Rounded MT Bold" panose="020F0704030504030204" pitchFamily="34" charset="0"/>
+              </a:rPr>
+              <a:t>|</a:t>
+            </a:r>
+          </a:p>
+        </p:txBody>
+      </p:sp>
+      <p:sp>
+        <p:nvSpPr>
+          <p:cNvPr id="116" name="TextBox 115">
+            <a:extLst>
+              <a:ext uri="{FF2B5EF4-FFF2-40B4-BE49-F238E27FC236}">
+                <a16:creationId xmlns:a16="http://schemas.microsoft.com/office/drawing/2014/main" id="{C4EC6E9A-2208-43A4-A4DD-D18A653A3739}"/>
+              </a:ext>
+            </a:extLst>
+          </p:cNvPr>
+          <p:cNvSpPr txBox="1"/>
+          <p:nvPr/>
+        </p:nvSpPr>
+        <p:spPr>
+          <a:xfrm>
+            <a:off x="4867081" y="3270403"/>
+            <a:ext cx="182880" cy="276999"/>
+          </a:xfrm>
+          <a:prstGeom prst="rect">
+            <a:avLst/>
+          </a:prstGeom>
+          <a:noFill/>
+        </p:spPr>
+        <p:txBody>
+          <a:bodyPr wrap="square" rtlCol="0">
+            <a:spAutoFit/>
+          </a:bodyPr>
+          <a:lstStyle/>
+          <a:p>
+            <a:pPr algn="ctr"/>
+            <a:r>
+              <a:rPr lang="en-US" sz="1200" b="1" dirty="0">
+                <a:latin typeface="Arial Rounded MT Bold" panose="020F0704030504030204" pitchFamily="34" charset="0"/>
+              </a:rPr>
+              <a:t>|</a:t>
+            </a:r>
+          </a:p>
+        </p:txBody>
+      </p:sp>
+      <p:sp>
+        <p:nvSpPr>
+          <p:cNvPr id="117" name="TextBox 116">
+            <a:extLst>
+              <a:ext uri="{FF2B5EF4-FFF2-40B4-BE49-F238E27FC236}">
+                <a16:creationId xmlns:a16="http://schemas.microsoft.com/office/drawing/2014/main" id="{484CDBBF-5AB9-4443-AE3F-380DA7B78202}"/>
+              </a:ext>
+            </a:extLst>
+          </p:cNvPr>
+          <p:cNvSpPr txBox="1"/>
+          <p:nvPr/>
+        </p:nvSpPr>
+        <p:spPr>
+          <a:xfrm>
+            <a:off x="4410561" y="3270403"/>
+            <a:ext cx="182880" cy="276999"/>
+          </a:xfrm>
+          <a:prstGeom prst="rect">
+            <a:avLst/>
+          </a:prstGeom>
+          <a:noFill/>
+        </p:spPr>
+        <p:txBody>
+          <a:bodyPr wrap="square" rtlCol="0">
+            <a:spAutoFit/>
+          </a:bodyPr>
+          <a:lstStyle/>
+          <a:p>
+            <a:pPr algn="ctr"/>
+            <a:r>
+              <a:rPr lang="en-US" sz="1200" b="1" dirty="0">
+                <a:latin typeface="Arial Rounded MT Bold" panose="020F0704030504030204" pitchFamily="34" charset="0"/>
+              </a:rPr>
+              <a:t>|</a:t>
+            </a:r>
+          </a:p>
+        </p:txBody>
+      </p:sp>
+      <p:sp>
+        <p:nvSpPr>
+          <p:cNvPr id="119" name="TextBox 118">
+            <a:extLst>
+              <a:ext uri="{FF2B5EF4-FFF2-40B4-BE49-F238E27FC236}">
+                <a16:creationId xmlns:a16="http://schemas.microsoft.com/office/drawing/2014/main" id="{8CBD66F1-0DFF-4E86-805E-8F7FD589958D}"/>
+              </a:ext>
+            </a:extLst>
+          </p:cNvPr>
+          <p:cNvSpPr txBox="1"/>
+          <p:nvPr/>
+        </p:nvSpPr>
+        <p:spPr>
+          <a:xfrm>
+            <a:off x="3947061" y="3270403"/>
+            <a:ext cx="182880" cy="276999"/>
+          </a:xfrm>
+          <a:prstGeom prst="rect">
+            <a:avLst/>
+          </a:prstGeom>
+          <a:noFill/>
+        </p:spPr>
+        <p:txBody>
+          <a:bodyPr wrap="square" rtlCol="0">
+            <a:spAutoFit/>
+          </a:bodyPr>
+          <a:lstStyle/>
+          <a:p>
+            <a:pPr algn="ctr"/>
+            <a:r>
+              <a:rPr lang="en-US" sz="1200" b="1" dirty="0">
+                <a:latin typeface="Arial Rounded MT Bold" panose="020F0704030504030204" pitchFamily="34" charset="0"/>
+              </a:rPr>
+              <a:t>|</a:t>
+            </a:r>
+          </a:p>
+        </p:txBody>
+      </p:sp>
       <p:cxnSp>
         <p:nvCxnSpPr>
           <p:cNvPr id="85" name="Straight Connector 84">
@@ -12654,8 +13822,8 @@
         </p:nvCxnSpPr>
         <p:spPr>
           <a:xfrm flipH="1">
-            <a:off x="3802146" y="2513090"/>
-            <a:ext cx="2528329" cy="2509825"/>
+            <a:off x="4957524" y="4344802"/>
+            <a:ext cx="1369025" cy="1364505"/>
           </a:xfrm>
           <a:prstGeom prst="line">
             <a:avLst/>
@@ -12681,1177 +13849,3520 @@
           </a:fontRef>
         </p:style>
       </p:cxnSp>
-      <p:sp>
-        <p:nvSpPr>
-          <p:cNvPr id="55" name="TextBox 54">
-            <a:extLst>
-              <a:ext uri="{FF2B5EF4-FFF2-40B4-BE49-F238E27FC236}">
-                <a16:creationId xmlns:a16="http://schemas.microsoft.com/office/drawing/2014/main" id="{C7206992-39D2-4E05-925B-446E33F298BD}"/>
-              </a:ext>
-            </a:extLst>
-          </p:cNvPr>
-          <p:cNvSpPr txBox="1"/>
-          <p:nvPr/>
-        </p:nvSpPr>
-        <p:spPr>
-          <a:xfrm>
-            <a:off x="5724645" y="2746242"/>
-            <a:ext cx="548640" cy="400110"/>
-          </a:xfrm>
-          <a:prstGeom prst="rect">
-            <a:avLst/>
-          </a:prstGeom>
-          <a:noFill/>
-        </p:spPr>
-        <p:txBody>
-          <a:bodyPr wrap="square" rtlCol="0">
-            <a:spAutoFit/>
-          </a:bodyPr>
-          <a:lstStyle/>
-          <a:p>
-            <a:pPr algn="ctr"/>
-            <a:r>
-              <a:rPr lang="en-US" dirty="0">
-                <a:latin typeface="Arial Rounded MT Bold" panose="020F0704030504030204" pitchFamily="34" charset="0"/>
-              </a:rPr>
-              <a:t>2 </a:t>
-            </a:r>
-            <a:r>
-              <a:rPr lang="en-US" sz="2000" b="1" dirty="0">
-                <a:latin typeface="Arial Rounded MT Bold" panose="020F0704030504030204" pitchFamily="34" charset="0"/>
-              </a:rPr>
-              <a:t>–</a:t>
-            </a:r>
-            <a:endParaRPr lang="en-US" dirty="0">
-              <a:latin typeface="Arial Rounded MT Bold" panose="020F0704030504030204" pitchFamily="34" charset="0"/>
-            </a:endParaRPr>
-          </a:p>
-        </p:txBody>
-      </p:sp>
-      <p:sp>
-        <p:nvSpPr>
-          <p:cNvPr id="61" name="TextBox 60">
-            <a:extLst>
-              <a:ext uri="{FF2B5EF4-FFF2-40B4-BE49-F238E27FC236}">
-                <a16:creationId xmlns:a16="http://schemas.microsoft.com/office/drawing/2014/main" id="{F042FCD8-3569-4CF1-B28B-69B258910CC8}"/>
-              </a:ext>
-            </a:extLst>
-          </p:cNvPr>
-          <p:cNvSpPr txBox="1"/>
-          <p:nvPr/>
-        </p:nvSpPr>
-        <p:spPr>
-          <a:xfrm>
-            <a:off x="5952684" y="2980463"/>
-            <a:ext cx="274320" cy="400110"/>
-          </a:xfrm>
-          <a:prstGeom prst="rect">
-            <a:avLst/>
-          </a:prstGeom>
-          <a:noFill/>
-        </p:spPr>
-        <p:txBody>
-          <a:bodyPr wrap="square" rtlCol="0">
-            <a:spAutoFit/>
-          </a:bodyPr>
-          <a:lstStyle/>
-          <a:p>
-            <a:pPr algn="ctr"/>
-            <a:r>
-              <a:rPr lang="en-US" sz="2000" b="1" dirty="0">
-                <a:latin typeface="Arial Rounded MT Bold" panose="020F0704030504030204" pitchFamily="34" charset="0"/>
-              </a:rPr>
-              <a:t>–</a:t>
-            </a:r>
-            <a:endParaRPr lang="en-US" dirty="0">
-              <a:latin typeface="Arial Rounded MT Bold" panose="020F0704030504030204" pitchFamily="34" charset="0"/>
-            </a:endParaRPr>
-          </a:p>
-        </p:txBody>
-      </p:sp>
-      <p:sp>
-        <p:nvSpPr>
-          <p:cNvPr id="35" name="TextBox 34">
-            <a:extLst>
-              <a:ext uri="{FF2B5EF4-FFF2-40B4-BE49-F238E27FC236}">
-                <a16:creationId xmlns:a16="http://schemas.microsoft.com/office/drawing/2014/main" id="{BC41920E-AFF4-4558-AE1B-4573319AA45B}"/>
-              </a:ext>
-            </a:extLst>
-          </p:cNvPr>
-          <p:cNvSpPr txBox="1"/>
-          <p:nvPr/>
-        </p:nvSpPr>
-        <p:spPr>
-          <a:xfrm>
-            <a:off x="5636880" y="3661001"/>
-            <a:ext cx="640080" cy="400110"/>
-          </a:xfrm>
-          <a:prstGeom prst="rect">
-            <a:avLst/>
-          </a:prstGeom>
-          <a:noFill/>
-        </p:spPr>
-        <p:txBody>
-          <a:bodyPr wrap="square" rtlCol="0">
-            <a:spAutoFit/>
-          </a:bodyPr>
-          <a:lstStyle/>
-          <a:p>
-            <a:pPr algn="ctr"/>
-            <a:r>
-              <a:rPr lang="en-US" dirty="0">
-                <a:latin typeface="Arial Rounded MT Bold" panose="020F0704030504030204" pitchFamily="34" charset="0"/>
-              </a:rPr>
-              <a:t>-2 </a:t>
-            </a:r>
-            <a:r>
-              <a:rPr lang="en-US" sz="2000" b="1" dirty="0">
-                <a:latin typeface="Arial Rounded MT Bold" panose="020F0704030504030204" pitchFamily="34" charset="0"/>
-              </a:rPr>
-              <a:t>–</a:t>
-            </a:r>
-            <a:endParaRPr lang="en-US" dirty="0">
-              <a:latin typeface="Arial Rounded MT Bold" panose="020F0704030504030204" pitchFamily="34" charset="0"/>
-            </a:endParaRPr>
-          </a:p>
-        </p:txBody>
-      </p:sp>
-      <p:sp>
-        <p:nvSpPr>
-          <p:cNvPr id="51" name="TextBox 50">
-            <a:extLst>
-              <a:ext uri="{FF2B5EF4-FFF2-40B4-BE49-F238E27FC236}">
-                <a16:creationId xmlns:a16="http://schemas.microsoft.com/office/drawing/2014/main" id="{90562555-2D53-4F98-8B21-E80442AB99BC}"/>
-              </a:ext>
-            </a:extLst>
-          </p:cNvPr>
-          <p:cNvSpPr txBox="1"/>
-          <p:nvPr/>
-        </p:nvSpPr>
-        <p:spPr>
-          <a:xfrm>
-            <a:off x="5639411" y="4116534"/>
-            <a:ext cx="640080" cy="400110"/>
-          </a:xfrm>
-          <a:prstGeom prst="rect">
-            <a:avLst/>
-          </a:prstGeom>
-          <a:noFill/>
-        </p:spPr>
-        <p:txBody>
-          <a:bodyPr wrap="square" rtlCol="0">
-            <a:spAutoFit/>
-          </a:bodyPr>
-          <a:lstStyle/>
-          <a:p>
-            <a:pPr algn="ctr"/>
-            <a:r>
-              <a:rPr lang="en-US" dirty="0">
-                <a:latin typeface="Arial Rounded MT Bold" panose="020F0704030504030204" pitchFamily="34" charset="0"/>
-              </a:rPr>
-              <a:t>-4 </a:t>
-            </a:r>
-            <a:r>
-              <a:rPr lang="en-US" sz="2000" b="1" dirty="0">
-                <a:latin typeface="Arial Rounded MT Bold" panose="020F0704030504030204" pitchFamily="34" charset="0"/>
-              </a:rPr>
-              <a:t>–</a:t>
-            </a:r>
-            <a:endParaRPr lang="en-US" dirty="0">
-              <a:latin typeface="Arial Rounded MT Bold" panose="020F0704030504030204" pitchFamily="34" charset="0"/>
-            </a:endParaRPr>
-          </a:p>
-        </p:txBody>
-      </p:sp>
-      <p:sp>
-        <p:nvSpPr>
-          <p:cNvPr id="52" name="TextBox 51">
-            <a:extLst>
-              <a:ext uri="{FF2B5EF4-FFF2-40B4-BE49-F238E27FC236}">
-                <a16:creationId xmlns:a16="http://schemas.microsoft.com/office/drawing/2014/main" id="{87D00E47-D589-450F-93BC-092A4A1161B6}"/>
-              </a:ext>
-            </a:extLst>
-          </p:cNvPr>
-          <p:cNvSpPr txBox="1"/>
-          <p:nvPr/>
-        </p:nvSpPr>
-        <p:spPr>
-          <a:xfrm>
-            <a:off x="5639396" y="4580722"/>
-            <a:ext cx="640080" cy="400110"/>
-          </a:xfrm>
-          <a:prstGeom prst="rect">
-            <a:avLst/>
-          </a:prstGeom>
-          <a:noFill/>
-        </p:spPr>
-        <p:txBody>
-          <a:bodyPr wrap="square" rtlCol="0">
-            <a:spAutoFit/>
-          </a:bodyPr>
-          <a:lstStyle/>
-          <a:p>
-            <a:pPr algn="ctr"/>
-            <a:r>
-              <a:rPr lang="en-US" dirty="0">
-                <a:latin typeface="Arial Rounded MT Bold" panose="020F0704030504030204" pitchFamily="34" charset="0"/>
-              </a:rPr>
-              <a:t>-6 </a:t>
-            </a:r>
-            <a:r>
-              <a:rPr lang="en-US" sz="2000" b="1" dirty="0">
-                <a:latin typeface="Arial Rounded MT Bold" panose="020F0704030504030204" pitchFamily="34" charset="0"/>
-              </a:rPr>
-              <a:t>–</a:t>
-            </a:r>
-            <a:endParaRPr lang="en-US" dirty="0">
-              <a:latin typeface="Arial Rounded MT Bold" panose="020F0704030504030204" pitchFamily="34" charset="0"/>
-            </a:endParaRPr>
-          </a:p>
-        </p:txBody>
-      </p:sp>
-      <p:sp>
-        <p:nvSpPr>
-          <p:cNvPr id="53" name="TextBox 52">
-            <a:extLst>
-              <a:ext uri="{FF2B5EF4-FFF2-40B4-BE49-F238E27FC236}">
-                <a16:creationId xmlns:a16="http://schemas.microsoft.com/office/drawing/2014/main" id="{56AFC334-BA37-490C-B407-C18C0BA6E7FF}"/>
-              </a:ext>
-            </a:extLst>
-          </p:cNvPr>
-          <p:cNvSpPr txBox="1"/>
-          <p:nvPr/>
-        </p:nvSpPr>
-        <p:spPr>
-          <a:xfrm>
-            <a:off x="5637720" y="5028301"/>
-            <a:ext cx="640080" cy="400110"/>
-          </a:xfrm>
-          <a:prstGeom prst="rect">
-            <a:avLst/>
-          </a:prstGeom>
-          <a:noFill/>
-        </p:spPr>
-        <p:txBody>
-          <a:bodyPr wrap="square" rtlCol="0">
-            <a:spAutoFit/>
-          </a:bodyPr>
-          <a:lstStyle/>
-          <a:p>
-            <a:pPr algn="ctr"/>
-            <a:r>
-              <a:rPr lang="en-US" dirty="0">
-                <a:latin typeface="Arial Rounded MT Bold" panose="020F0704030504030204" pitchFamily="34" charset="0"/>
-              </a:rPr>
-              <a:t>-8 </a:t>
-            </a:r>
-            <a:r>
-              <a:rPr lang="en-US" sz="2000" b="1" dirty="0">
-                <a:latin typeface="Arial Rounded MT Bold" panose="020F0704030504030204" pitchFamily="34" charset="0"/>
-              </a:rPr>
-              <a:t>–</a:t>
-            </a:r>
-            <a:endParaRPr lang="en-US" dirty="0">
-              <a:latin typeface="Arial Rounded MT Bold" panose="020F0704030504030204" pitchFamily="34" charset="0"/>
-            </a:endParaRPr>
-          </a:p>
-        </p:txBody>
-      </p:sp>
-      <p:sp>
-        <p:nvSpPr>
-          <p:cNvPr id="108" name="TextBox 107">
-            <a:extLst>
-              <a:ext uri="{FF2B5EF4-FFF2-40B4-BE49-F238E27FC236}">
-                <a16:creationId xmlns:a16="http://schemas.microsoft.com/office/drawing/2014/main" id="{62E4ED03-372B-4D0E-9B21-4A300CFAD2ED}"/>
-              </a:ext>
-            </a:extLst>
-          </p:cNvPr>
-          <p:cNvSpPr txBox="1"/>
-          <p:nvPr/>
-        </p:nvSpPr>
-        <p:spPr>
-          <a:xfrm>
-            <a:off x="5954077" y="5261820"/>
-            <a:ext cx="274320" cy="400110"/>
-          </a:xfrm>
-          <a:prstGeom prst="rect">
-            <a:avLst/>
-          </a:prstGeom>
-          <a:noFill/>
-        </p:spPr>
-        <p:txBody>
-          <a:bodyPr wrap="square" rtlCol="0">
-            <a:spAutoFit/>
-          </a:bodyPr>
-          <a:lstStyle/>
-          <a:p>
-            <a:pPr algn="ctr"/>
-            <a:r>
-              <a:rPr lang="en-US" sz="2000" b="1" dirty="0">
-                <a:latin typeface="Arial Rounded MT Bold" panose="020F0704030504030204" pitchFamily="34" charset="0"/>
-              </a:rPr>
-              <a:t>–</a:t>
-            </a:r>
-            <a:endParaRPr lang="en-US" dirty="0">
-              <a:latin typeface="Arial Rounded MT Bold" panose="020F0704030504030204" pitchFamily="34" charset="0"/>
-            </a:endParaRPr>
-          </a:p>
-        </p:txBody>
-      </p:sp>
-      <p:sp>
-        <p:nvSpPr>
-          <p:cNvPr id="41" name="TextBox 40">
-            <a:extLst>
-              <a:ext uri="{FF2B5EF4-FFF2-40B4-BE49-F238E27FC236}">
-                <a16:creationId xmlns:a16="http://schemas.microsoft.com/office/drawing/2014/main" id="{1DDFA7C7-F3F0-4392-A645-6E9DFC5BD030}"/>
-              </a:ext>
-            </a:extLst>
-          </p:cNvPr>
-          <p:cNvSpPr txBox="1"/>
-          <p:nvPr/>
-        </p:nvSpPr>
-        <p:spPr>
-          <a:xfrm>
-            <a:off x="6326549" y="3270403"/>
-            <a:ext cx="457200" cy="553998"/>
-          </a:xfrm>
-          <a:prstGeom prst="rect">
-            <a:avLst/>
-          </a:prstGeom>
-          <a:noFill/>
-        </p:spPr>
-        <p:txBody>
-          <a:bodyPr wrap="square" rtlCol="0">
-            <a:spAutoFit/>
-          </a:bodyPr>
-          <a:lstStyle/>
-          <a:p>
-            <a:pPr algn="ctr"/>
-            <a:r>
-              <a:rPr lang="en-US" sz="1200" b="1" dirty="0">
-                <a:latin typeface="Arial Rounded MT Bold" panose="020F0704030504030204" pitchFamily="34" charset="0"/>
-              </a:rPr>
-              <a:t>|</a:t>
-            </a:r>
-          </a:p>
-          <a:p>
-            <a:pPr algn="ctr"/>
-            <a:r>
-              <a:rPr lang="en-US" dirty="0">
-                <a:latin typeface="Arial Rounded MT Bold" panose="020F0704030504030204" pitchFamily="34" charset="0"/>
-              </a:rPr>
-              <a:t>2</a:t>
-            </a:r>
-          </a:p>
-        </p:txBody>
-      </p:sp>
-      <p:sp>
-        <p:nvSpPr>
-          <p:cNvPr id="42" name="TextBox 41">
-            <a:extLst>
-              <a:ext uri="{FF2B5EF4-FFF2-40B4-BE49-F238E27FC236}">
-                <a16:creationId xmlns:a16="http://schemas.microsoft.com/office/drawing/2014/main" id="{CF78E1A7-766F-433F-888D-E4639AF438C3}"/>
-              </a:ext>
-            </a:extLst>
-          </p:cNvPr>
-          <p:cNvSpPr txBox="1"/>
-          <p:nvPr/>
-        </p:nvSpPr>
-        <p:spPr>
-          <a:xfrm>
-            <a:off x="6786991" y="3270403"/>
-            <a:ext cx="457200" cy="553998"/>
-          </a:xfrm>
-          <a:prstGeom prst="rect">
-            <a:avLst/>
-          </a:prstGeom>
-          <a:noFill/>
-        </p:spPr>
-        <p:txBody>
-          <a:bodyPr wrap="square" rtlCol="0">
-            <a:spAutoFit/>
-          </a:bodyPr>
-          <a:lstStyle/>
-          <a:p>
-            <a:pPr algn="ctr"/>
-            <a:r>
-              <a:rPr lang="en-US" sz="1200" b="1" dirty="0">
-                <a:latin typeface="Arial Rounded MT Bold" panose="020F0704030504030204" pitchFamily="34" charset="0"/>
-              </a:rPr>
-              <a:t>|</a:t>
-            </a:r>
-          </a:p>
-          <a:p>
-            <a:pPr algn="ctr"/>
-            <a:r>
-              <a:rPr lang="en-US" dirty="0">
-                <a:latin typeface="Arial Rounded MT Bold" panose="020F0704030504030204" pitchFamily="34" charset="0"/>
-              </a:rPr>
-              <a:t>4</a:t>
-            </a:r>
-          </a:p>
-        </p:txBody>
-      </p:sp>
-      <p:sp>
-        <p:nvSpPr>
-          <p:cNvPr id="109" name="TextBox 108">
-            <a:extLst>
-              <a:ext uri="{FF2B5EF4-FFF2-40B4-BE49-F238E27FC236}">
-                <a16:creationId xmlns:a16="http://schemas.microsoft.com/office/drawing/2014/main" id="{21781288-2119-4A29-816D-A78CF3C9708B}"/>
-              </a:ext>
-            </a:extLst>
-          </p:cNvPr>
-          <p:cNvSpPr txBox="1"/>
-          <p:nvPr/>
-        </p:nvSpPr>
-        <p:spPr>
-          <a:xfrm>
-            <a:off x="6235453" y="3270403"/>
-            <a:ext cx="182880" cy="276999"/>
-          </a:xfrm>
-          <a:prstGeom prst="rect">
-            <a:avLst/>
-          </a:prstGeom>
-          <a:noFill/>
-        </p:spPr>
-        <p:txBody>
-          <a:bodyPr wrap="square" rtlCol="0">
-            <a:spAutoFit/>
-          </a:bodyPr>
-          <a:lstStyle/>
-          <a:p>
-            <a:pPr algn="ctr"/>
-            <a:r>
-              <a:rPr lang="en-US" sz="1200" b="1" dirty="0">
-                <a:latin typeface="Arial Rounded MT Bold" panose="020F0704030504030204" pitchFamily="34" charset="0"/>
-              </a:rPr>
-              <a:t>|</a:t>
-            </a:r>
-          </a:p>
-        </p:txBody>
-      </p:sp>
-      <p:sp>
-        <p:nvSpPr>
-          <p:cNvPr id="43" name="TextBox 42">
-            <a:extLst>
-              <a:ext uri="{FF2B5EF4-FFF2-40B4-BE49-F238E27FC236}">
-                <a16:creationId xmlns:a16="http://schemas.microsoft.com/office/drawing/2014/main" id="{4482C8D6-282F-4D9E-8D6C-156BA5C6DED9}"/>
-              </a:ext>
-            </a:extLst>
-          </p:cNvPr>
-          <p:cNvSpPr txBox="1"/>
-          <p:nvPr/>
-        </p:nvSpPr>
-        <p:spPr>
-          <a:xfrm>
-            <a:off x="7249459" y="3270403"/>
-            <a:ext cx="457200" cy="553998"/>
-          </a:xfrm>
-          <a:prstGeom prst="rect">
-            <a:avLst/>
-          </a:prstGeom>
-          <a:noFill/>
-        </p:spPr>
-        <p:txBody>
-          <a:bodyPr wrap="square" rtlCol="0">
-            <a:spAutoFit/>
-          </a:bodyPr>
-          <a:lstStyle/>
-          <a:p>
-            <a:pPr algn="ctr"/>
-            <a:r>
-              <a:rPr lang="en-US" sz="1200" b="1" dirty="0">
-                <a:latin typeface="Arial Rounded MT Bold" panose="020F0704030504030204" pitchFamily="34" charset="0"/>
-              </a:rPr>
-              <a:t>|</a:t>
-            </a:r>
-          </a:p>
-          <a:p>
-            <a:pPr algn="ctr"/>
-            <a:r>
-              <a:rPr lang="en-US" dirty="0">
-                <a:latin typeface="Arial Rounded MT Bold" panose="020F0704030504030204" pitchFamily="34" charset="0"/>
-              </a:rPr>
-              <a:t>6</a:t>
-            </a:r>
-          </a:p>
-        </p:txBody>
-      </p:sp>
-      <p:sp>
-        <p:nvSpPr>
-          <p:cNvPr id="44" name="TextBox 43">
-            <a:extLst>
-              <a:ext uri="{FF2B5EF4-FFF2-40B4-BE49-F238E27FC236}">
-                <a16:creationId xmlns:a16="http://schemas.microsoft.com/office/drawing/2014/main" id="{DDB16C56-ABDC-4966-8204-34B84351C19C}"/>
-              </a:ext>
-            </a:extLst>
-          </p:cNvPr>
-          <p:cNvSpPr txBox="1"/>
-          <p:nvPr/>
-        </p:nvSpPr>
-        <p:spPr>
-          <a:xfrm>
-            <a:off x="7711966" y="3270403"/>
-            <a:ext cx="457200" cy="553998"/>
-          </a:xfrm>
-          <a:prstGeom prst="rect">
-            <a:avLst/>
-          </a:prstGeom>
-          <a:noFill/>
-        </p:spPr>
-        <p:txBody>
-          <a:bodyPr wrap="square" rtlCol="0">
-            <a:spAutoFit/>
-          </a:bodyPr>
-          <a:lstStyle/>
-          <a:p>
-            <a:pPr algn="ctr"/>
-            <a:r>
-              <a:rPr lang="en-US" sz="1200" b="1" dirty="0">
-                <a:latin typeface="Arial Rounded MT Bold" panose="020F0704030504030204" pitchFamily="34" charset="0"/>
-              </a:rPr>
-              <a:t>|</a:t>
-            </a:r>
-          </a:p>
-          <a:p>
-            <a:pPr algn="ctr"/>
-            <a:r>
-              <a:rPr lang="en-US" dirty="0">
-                <a:latin typeface="Arial Rounded MT Bold" panose="020F0704030504030204" pitchFamily="34" charset="0"/>
-              </a:rPr>
-              <a:t>8</a:t>
-            </a:r>
-          </a:p>
-        </p:txBody>
-      </p:sp>
-      <p:sp>
-        <p:nvSpPr>
-          <p:cNvPr id="45" name="TextBox 44">
-            <a:extLst>
-              <a:ext uri="{FF2B5EF4-FFF2-40B4-BE49-F238E27FC236}">
-                <a16:creationId xmlns:a16="http://schemas.microsoft.com/office/drawing/2014/main" id="{E2BD9875-6133-4D79-95B1-255843E596C2}"/>
-              </a:ext>
-            </a:extLst>
-          </p:cNvPr>
-          <p:cNvSpPr txBox="1"/>
-          <p:nvPr/>
-        </p:nvSpPr>
-        <p:spPr>
-          <a:xfrm>
-            <a:off x="8183662" y="3270403"/>
-            <a:ext cx="457200" cy="553998"/>
-          </a:xfrm>
-          <a:prstGeom prst="rect">
-            <a:avLst/>
-          </a:prstGeom>
-          <a:noFill/>
-        </p:spPr>
-        <p:txBody>
-          <a:bodyPr wrap="square" rtlCol="0">
-            <a:spAutoFit/>
-          </a:bodyPr>
-          <a:lstStyle/>
-          <a:p>
-            <a:pPr algn="ctr"/>
-            <a:r>
-              <a:rPr lang="en-US" sz="1200" b="1" dirty="0">
-                <a:latin typeface="Arial Rounded MT Bold" panose="020F0704030504030204" pitchFamily="34" charset="0"/>
-              </a:rPr>
-              <a:t>|</a:t>
-            </a:r>
-          </a:p>
-          <a:p>
-            <a:pPr algn="ctr"/>
-            <a:r>
-              <a:rPr lang="en-US" dirty="0">
-                <a:latin typeface="Arial Rounded MT Bold" panose="020F0704030504030204" pitchFamily="34" charset="0"/>
-              </a:rPr>
-              <a:t>10</a:t>
-            </a:r>
-          </a:p>
-        </p:txBody>
-      </p:sp>
-      <p:sp>
-        <p:nvSpPr>
-          <p:cNvPr id="110" name="TextBox 109">
-            <a:extLst>
-              <a:ext uri="{FF2B5EF4-FFF2-40B4-BE49-F238E27FC236}">
-                <a16:creationId xmlns:a16="http://schemas.microsoft.com/office/drawing/2014/main" id="{A68D9F29-3E03-491C-BB9A-291C626A786E}"/>
-              </a:ext>
-            </a:extLst>
-          </p:cNvPr>
-          <p:cNvSpPr txBox="1"/>
-          <p:nvPr/>
-        </p:nvSpPr>
-        <p:spPr>
-          <a:xfrm>
-            <a:off x="6697430" y="3270403"/>
-            <a:ext cx="182880" cy="276999"/>
-          </a:xfrm>
-          <a:prstGeom prst="rect">
-            <a:avLst/>
-          </a:prstGeom>
-          <a:noFill/>
-        </p:spPr>
-        <p:txBody>
-          <a:bodyPr wrap="square" rtlCol="0">
-            <a:spAutoFit/>
-          </a:bodyPr>
-          <a:lstStyle/>
-          <a:p>
-            <a:pPr algn="ctr"/>
-            <a:r>
-              <a:rPr lang="en-US" sz="1200" b="1" dirty="0">
-                <a:latin typeface="Arial Rounded MT Bold" panose="020F0704030504030204" pitchFamily="34" charset="0"/>
-              </a:rPr>
-              <a:t>|</a:t>
-            </a:r>
-          </a:p>
-        </p:txBody>
-      </p:sp>
-      <p:sp>
-        <p:nvSpPr>
-          <p:cNvPr id="111" name="TextBox 110">
-            <a:extLst>
-              <a:ext uri="{FF2B5EF4-FFF2-40B4-BE49-F238E27FC236}">
-                <a16:creationId xmlns:a16="http://schemas.microsoft.com/office/drawing/2014/main" id="{2DC80D86-3BA3-4DB7-8276-AA74CB1CDF6E}"/>
-              </a:ext>
-            </a:extLst>
-          </p:cNvPr>
-          <p:cNvSpPr txBox="1"/>
-          <p:nvPr/>
-        </p:nvSpPr>
-        <p:spPr>
-          <a:xfrm>
-            <a:off x="7155716" y="3270403"/>
-            <a:ext cx="182880" cy="276999"/>
-          </a:xfrm>
-          <a:prstGeom prst="rect">
-            <a:avLst/>
-          </a:prstGeom>
-          <a:noFill/>
-        </p:spPr>
-        <p:txBody>
-          <a:bodyPr wrap="square" rtlCol="0">
-            <a:spAutoFit/>
-          </a:bodyPr>
-          <a:lstStyle/>
-          <a:p>
-            <a:pPr algn="ctr"/>
-            <a:r>
-              <a:rPr lang="en-US" sz="1200" b="1" dirty="0">
-                <a:latin typeface="Arial Rounded MT Bold" panose="020F0704030504030204" pitchFamily="34" charset="0"/>
-              </a:rPr>
-              <a:t>|</a:t>
-            </a:r>
-          </a:p>
-        </p:txBody>
-      </p:sp>
-      <p:sp>
-        <p:nvSpPr>
-          <p:cNvPr id="112" name="TextBox 111">
-            <a:extLst>
-              <a:ext uri="{FF2B5EF4-FFF2-40B4-BE49-F238E27FC236}">
-                <a16:creationId xmlns:a16="http://schemas.microsoft.com/office/drawing/2014/main" id="{BB7EC315-CD2E-4F48-BEF6-E5FF5AB1C641}"/>
-              </a:ext>
-            </a:extLst>
-          </p:cNvPr>
-          <p:cNvSpPr txBox="1"/>
-          <p:nvPr/>
-        </p:nvSpPr>
-        <p:spPr>
-          <a:xfrm>
-            <a:off x="7607829" y="3270403"/>
-            <a:ext cx="182880" cy="276999"/>
-          </a:xfrm>
-          <a:prstGeom prst="rect">
-            <a:avLst/>
-          </a:prstGeom>
-          <a:noFill/>
-        </p:spPr>
-        <p:txBody>
-          <a:bodyPr wrap="square" rtlCol="0">
-            <a:spAutoFit/>
-          </a:bodyPr>
-          <a:lstStyle/>
-          <a:p>
-            <a:pPr algn="ctr"/>
-            <a:r>
-              <a:rPr lang="en-US" sz="1200" b="1" dirty="0">
-                <a:latin typeface="Arial Rounded MT Bold" panose="020F0704030504030204" pitchFamily="34" charset="0"/>
-              </a:rPr>
-              <a:t>|</a:t>
-            </a:r>
-          </a:p>
-        </p:txBody>
-      </p:sp>
-      <p:sp>
-        <p:nvSpPr>
-          <p:cNvPr id="113" name="TextBox 112">
-            <a:extLst>
-              <a:ext uri="{FF2B5EF4-FFF2-40B4-BE49-F238E27FC236}">
-                <a16:creationId xmlns:a16="http://schemas.microsoft.com/office/drawing/2014/main" id="{74621BB5-D088-4023-97CD-DAC42E9F18FD}"/>
-              </a:ext>
-            </a:extLst>
-          </p:cNvPr>
-          <p:cNvSpPr txBox="1"/>
-          <p:nvPr/>
-        </p:nvSpPr>
-        <p:spPr>
-          <a:xfrm>
-            <a:off x="8081527" y="3270403"/>
-            <a:ext cx="182880" cy="276999"/>
-          </a:xfrm>
-          <a:prstGeom prst="rect">
-            <a:avLst/>
-          </a:prstGeom>
-          <a:noFill/>
-        </p:spPr>
-        <p:txBody>
-          <a:bodyPr wrap="square" rtlCol="0">
-            <a:spAutoFit/>
-          </a:bodyPr>
-          <a:lstStyle/>
-          <a:p>
-            <a:pPr algn="ctr"/>
-            <a:r>
-              <a:rPr lang="en-US" sz="1200" b="1" dirty="0">
-                <a:latin typeface="Arial Rounded MT Bold" panose="020F0704030504030204" pitchFamily="34" charset="0"/>
-              </a:rPr>
-              <a:t>|</a:t>
-            </a:r>
-          </a:p>
-        </p:txBody>
-      </p:sp>
-      <p:sp>
-        <p:nvSpPr>
-          <p:cNvPr id="114" name="TextBox 113">
-            <a:extLst>
-              <a:ext uri="{FF2B5EF4-FFF2-40B4-BE49-F238E27FC236}">
-                <a16:creationId xmlns:a16="http://schemas.microsoft.com/office/drawing/2014/main" id="{791D89F4-AA09-4E94-8865-29426401AA78}"/>
-              </a:ext>
-            </a:extLst>
-          </p:cNvPr>
-          <p:cNvSpPr txBox="1"/>
-          <p:nvPr/>
-        </p:nvSpPr>
-        <p:spPr>
-          <a:xfrm>
-            <a:off x="5782285" y="3270403"/>
-            <a:ext cx="182880" cy="276999"/>
-          </a:xfrm>
-          <a:prstGeom prst="rect">
-            <a:avLst/>
-          </a:prstGeom>
-          <a:noFill/>
-        </p:spPr>
-        <p:txBody>
-          <a:bodyPr wrap="square" rtlCol="0">
-            <a:spAutoFit/>
-          </a:bodyPr>
-          <a:lstStyle/>
-          <a:p>
-            <a:pPr algn="ctr"/>
-            <a:r>
-              <a:rPr lang="en-US" sz="1200" b="1" dirty="0">
-                <a:latin typeface="Arial Rounded MT Bold" panose="020F0704030504030204" pitchFamily="34" charset="0"/>
-              </a:rPr>
-              <a:t>|</a:t>
-            </a:r>
-          </a:p>
-        </p:txBody>
-      </p:sp>
-      <p:sp>
-        <p:nvSpPr>
-          <p:cNvPr id="46" name="TextBox 45">
-            <a:extLst>
-              <a:ext uri="{FF2B5EF4-FFF2-40B4-BE49-F238E27FC236}">
-                <a16:creationId xmlns:a16="http://schemas.microsoft.com/office/drawing/2014/main" id="{41E1473A-3443-4218-8980-A4A032A46E27}"/>
-              </a:ext>
-            </a:extLst>
-          </p:cNvPr>
-          <p:cNvSpPr txBox="1"/>
-          <p:nvPr/>
-        </p:nvSpPr>
-        <p:spPr>
-          <a:xfrm>
-            <a:off x="5414933" y="3270403"/>
-            <a:ext cx="457200" cy="553998"/>
-          </a:xfrm>
-          <a:prstGeom prst="rect">
-            <a:avLst/>
-          </a:prstGeom>
-          <a:noFill/>
-        </p:spPr>
-        <p:txBody>
-          <a:bodyPr wrap="square" rtlCol="0">
-            <a:spAutoFit/>
-          </a:bodyPr>
-          <a:lstStyle/>
-          <a:p>
-            <a:pPr algn="ctr"/>
-            <a:r>
-              <a:rPr lang="en-US" sz="1200" b="1" dirty="0">
-                <a:latin typeface="Arial Rounded MT Bold" panose="020F0704030504030204" pitchFamily="34" charset="0"/>
-              </a:rPr>
-              <a:t>|</a:t>
-            </a:r>
-          </a:p>
-          <a:p>
-            <a:pPr algn="ctr"/>
-            <a:r>
-              <a:rPr lang="en-US" dirty="0">
-                <a:latin typeface="Arial Rounded MT Bold" panose="020F0704030504030204" pitchFamily="34" charset="0"/>
-              </a:rPr>
-              <a:t>-2</a:t>
-            </a:r>
-          </a:p>
-        </p:txBody>
-      </p:sp>
-      <p:sp>
-        <p:nvSpPr>
-          <p:cNvPr id="47" name="TextBox 46">
-            <a:extLst>
-              <a:ext uri="{FF2B5EF4-FFF2-40B4-BE49-F238E27FC236}">
-                <a16:creationId xmlns:a16="http://schemas.microsoft.com/office/drawing/2014/main" id="{26809BB3-AA0F-4AAF-9AD9-3A5E7BBB9A8E}"/>
-              </a:ext>
-            </a:extLst>
-          </p:cNvPr>
-          <p:cNvSpPr txBox="1"/>
-          <p:nvPr/>
-        </p:nvSpPr>
-        <p:spPr>
-          <a:xfrm>
-            <a:off x="4950805" y="3270403"/>
-            <a:ext cx="457200" cy="553998"/>
-          </a:xfrm>
-          <a:prstGeom prst="rect">
-            <a:avLst/>
-          </a:prstGeom>
-          <a:noFill/>
-        </p:spPr>
-        <p:txBody>
-          <a:bodyPr wrap="square" rtlCol="0">
-            <a:spAutoFit/>
-          </a:bodyPr>
-          <a:lstStyle/>
-          <a:p>
-            <a:pPr algn="ctr"/>
-            <a:r>
-              <a:rPr lang="en-US" sz="1200" b="1" dirty="0">
-                <a:latin typeface="Arial Rounded MT Bold" panose="020F0704030504030204" pitchFamily="34" charset="0"/>
-              </a:rPr>
-              <a:t>|</a:t>
-            </a:r>
-          </a:p>
-          <a:p>
-            <a:pPr algn="ctr"/>
-            <a:r>
-              <a:rPr lang="en-US" dirty="0">
-                <a:latin typeface="Arial Rounded MT Bold" panose="020F0704030504030204" pitchFamily="34" charset="0"/>
-              </a:rPr>
-              <a:t>-4</a:t>
-            </a:r>
-          </a:p>
-        </p:txBody>
-      </p:sp>
-      <p:sp>
-        <p:nvSpPr>
-          <p:cNvPr id="48" name="TextBox 47">
-            <a:extLst>
-              <a:ext uri="{FF2B5EF4-FFF2-40B4-BE49-F238E27FC236}">
-                <a16:creationId xmlns:a16="http://schemas.microsoft.com/office/drawing/2014/main" id="{B9AB481C-C67A-4B55-B89E-B7CF9B03C0E5}"/>
-              </a:ext>
-            </a:extLst>
-          </p:cNvPr>
-          <p:cNvSpPr txBox="1"/>
-          <p:nvPr/>
-        </p:nvSpPr>
-        <p:spPr>
-          <a:xfrm>
-            <a:off x="4497828" y="3270403"/>
-            <a:ext cx="457200" cy="553998"/>
-          </a:xfrm>
-          <a:prstGeom prst="rect">
-            <a:avLst/>
-          </a:prstGeom>
-          <a:noFill/>
-        </p:spPr>
-        <p:txBody>
-          <a:bodyPr wrap="square" rtlCol="0">
-            <a:spAutoFit/>
-          </a:bodyPr>
-          <a:lstStyle/>
-          <a:p>
-            <a:pPr algn="ctr"/>
-            <a:r>
-              <a:rPr lang="en-US" sz="1200" b="1" dirty="0">
-                <a:latin typeface="Arial Rounded MT Bold" panose="020F0704030504030204" pitchFamily="34" charset="0"/>
-              </a:rPr>
-              <a:t>|</a:t>
-            </a:r>
-          </a:p>
-          <a:p>
-            <a:pPr algn="ctr"/>
-            <a:r>
-              <a:rPr lang="en-US" dirty="0">
-                <a:latin typeface="Arial Rounded MT Bold" panose="020F0704030504030204" pitchFamily="34" charset="0"/>
-              </a:rPr>
-              <a:t>-6</a:t>
-            </a:r>
-          </a:p>
-        </p:txBody>
-      </p:sp>
-      <p:sp>
-        <p:nvSpPr>
-          <p:cNvPr id="49" name="TextBox 48">
-            <a:extLst>
-              <a:ext uri="{FF2B5EF4-FFF2-40B4-BE49-F238E27FC236}">
-                <a16:creationId xmlns:a16="http://schemas.microsoft.com/office/drawing/2014/main" id="{4021C30E-3A8C-4DC0-A700-AF21FCA65BA2}"/>
-              </a:ext>
-            </a:extLst>
-          </p:cNvPr>
-          <p:cNvSpPr txBox="1"/>
-          <p:nvPr/>
-        </p:nvSpPr>
-        <p:spPr>
-          <a:xfrm>
-            <a:off x="4035854" y="3270403"/>
-            <a:ext cx="457200" cy="553998"/>
-          </a:xfrm>
-          <a:prstGeom prst="rect">
-            <a:avLst/>
-          </a:prstGeom>
-          <a:noFill/>
-        </p:spPr>
-        <p:txBody>
-          <a:bodyPr wrap="square" rtlCol="0">
-            <a:spAutoFit/>
-          </a:bodyPr>
-          <a:lstStyle/>
-          <a:p>
-            <a:pPr algn="ctr"/>
-            <a:r>
-              <a:rPr lang="en-US" sz="1200" b="1" dirty="0">
-                <a:latin typeface="Arial Rounded MT Bold" panose="020F0704030504030204" pitchFamily="34" charset="0"/>
-              </a:rPr>
-              <a:t>|</a:t>
-            </a:r>
-          </a:p>
-          <a:p>
-            <a:pPr algn="ctr"/>
-            <a:r>
-              <a:rPr lang="en-US" dirty="0">
-                <a:latin typeface="Arial Rounded MT Bold" panose="020F0704030504030204" pitchFamily="34" charset="0"/>
-              </a:rPr>
-              <a:t>-8</a:t>
-            </a:r>
-          </a:p>
-        </p:txBody>
-      </p:sp>
-      <p:sp>
-        <p:nvSpPr>
-          <p:cNvPr id="50" name="TextBox 49">
-            <a:extLst>
-              <a:ext uri="{FF2B5EF4-FFF2-40B4-BE49-F238E27FC236}">
-                <a16:creationId xmlns:a16="http://schemas.microsoft.com/office/drawing/2014/main" id="{AF380627-FC4F-42B7-AB5F-4D14EB400404}"/>
-              </a:ext>
-            </a:extLst>
-          </p:cNvPr>
-          <p:cNvSpPr txBox="1"/>
-          <p:nvPr/>
-        </p:nvSpPr>
-        <p:spPr>
-          <a:xfrm>
-            <a:off x="3531453" y="3270403"/>
-            <a:ext cx="548640" cy="557784"/>
-          </a:xfrm>
-          <a:prstGeom prst="rect">
-            <a:avLst/>
-          </a:prstGeom>
-          <a:noFill/>
-        </p:spPr>
-        <p:txBody>
-          <a:bodyPr wrap="square" rtlCol="0">
-            <a:spAutoFit/>
-          </a:bodyPr>
-          <a:lstStyle/>
-          <a:p>
-            <a:pPr algn="ctr"/>
-            <a:r>
-              <a:rPr lang="en-US" sz="1200" b="1" dirty="0">
-                <a:latin typeface="Arial Rounded MT Bold" panose="020F0704030504030204" pitchFamily="34" charset="0"/>
-              </a:rPr>
-              <a:t>|</a:t>
-            </a:r>
-          </a:p>
-          <a:p>
-            <a:pPr algn="ctr"/>
-            <a:r>
-              <a:rPr lang="en-US" dirty="0">
-                <a:latin typeface="Arial Rounded MT Bold" panose="020F0704030504030204" pitchFamily="34" charset="0"/>
-              </a:rPr>
-              <a:t>-10</a:t>
-            </a:r>
-          </a:p>
-        </p:txBody>
-      </p:sp>
-      <p:sp>
-        <p:nvSpPr>
-          <p:cNvPr id="115" name="TextBox 114">
-            <a:extLst>
-              <a:ext uri="{FF2B5EF4-FFF2-40B4-BE49-F238E27FC236}">
-                <a16:creationId xmlns:a16="http://schemas.microsoft.com/office/drawing/2014/main" id="{9CC977CA-36C2-4C89-9617-BEEA5B5C7A48}"/>
-              </a:ext>
-            </a:extLst>
-          </p:cNvPr>
-          <p:cNvSpPr txBox="1"/>
-          <p:nvPr/>
-        </p:nvSpPr>
-        <p:spPr>
-          <a:xfrm>
-            <a:off x="5324916" y="3270403"/>
-            <a:ext cx="182880" cy="276999"/>
-          </a:xfrm>
-          <a:prstGeom prst="rect">
-            <a:avLst/>
-          </a:prstGeom>
-          <a:noFill/>
-        </p:spPr>
-        <p:txBody>
-          <a:bodyPr wrap="square" rtlCol="0">
-            <a:spAutoFit/>
-          </a:bodyPr>
-          <a:lstStyle/>
-          <a:p>
-            <a:pPr algn="ctr"/>
-            <a:r>
-              <a:rPr lang="en-US" sz="1200" b="1" dirty="0">
-                <a:latin typeface="Arial Rounded MT Bold" panose="020F0704030504030204" pitchFamily="34" charset="0"/>
-              </a:rPr>
-              <a:t>|</a:t>
-            </a:r>
-          </a:p>
-        </p:txBody>
-      </p:sp>
-      <p:sp>
-        <p:nvSpPr>
-          <p:cNvPr id="116" name="TextBox 115">
-            <a:extLst>
-              <a:ext uri="{FF2B5EF4-FFF2-40B4-BE49-F238E27FC236}">
-                <a16:creationId xmlns:a16="http://schemas.microsoft.com/office/drawing/2014/main" id="{C4EC6E9A-2208-43A4-A4DD-D18A653A3739}"/>
-              </a:ext>
-            </a:extLst>
-          </p:cNvPr>
-          <p:cNvSpPr txBox="1"/>
-          <p:nvPr/>
-        </p:nvSpPr>
-        <p:spPr>
-          <a:xfrm>
-            <a:off x="4867081" y="3270403"/>
-            <a:ext cx="182880" cy="276999"/>
-          </a:xfrm>
-          <a:prstGeom prst="rect">
-            <a:avLst/>
-          </a:prstGeom>
-          <a:noFill/>
-        </p:spPr>
-        <p:txBody>
-          <a:bodyPr wrap="square" rtlCol="0">
-            <a:spAutoFit/>
-          </a:bodyPr>
-          <a:lstStyle/>
-          <a:p>
-            <a:pPr algn="ctr"/>
-            <a:r>
-              <a:rPr lang="en-US" sz="1200" b="1" dirty="0">
-                <a:latin typeface="Arial Rounded MT Bold" panose="020F0704030504030204" pitchFamily="34" charset="0"/>
-              </a:rPr>
-              <a:t>|</a:t>
-            </a:r>
-          </a:p>
-        </p:txBody>
-      </p:sp>
-      <p:sp>
-        <p:nvSpPr>
-          <p:cNvPr id="117" name="TextBox 116">
-            <a:extLst>
-              <a:ext uri="{FF2B5EF4-FFF2-40B4-BE49-F238E27FC236}">
-                <a16:creationId xmlns:a16="http://schemas.microsoft.com/office/drawing/2014/main" id="{484CDBBF-5AB9-4443-AE3F-380DA7B78202}"/>
-              </a:ext>
-            </a:extLst>
-          </p:cNvPr>
-          <p:cNvSpPr txBox="1"/>
-          <p:nvPr/>
-        </p:nvSpPr>
-        <p:spPr>
-          <a:xfrm>
-            <a:off x="4410561" y="3270403"/>
-            <a:ext cx="182880" cy="276999"/>
-          </a:xfrm>
-          <a:prstGeom prst="rect">
-            <a:avLst/>
-          </a:prstGeom>
-          <a:noFill/>
-        </p:spPr>
-        <p:txBody>
-          <a:bodyPr wrap="square" rtlCol="0">
-            <a:spAutoFit/>
-          </a:bodyPr>
-          <a:lstStyle/>
-          <a:p>
-            <a:pPr algn="ctr"/>
-            <a:r>
-              <a:rPr lang="en-US" sz="1200" b="1" dirty="0">
-                <a:latin typeface="Arial Rounded MT Bold" panose="020F0704030504030204" pitchFamily="34" charset="0"/>
-              </a:rPr>
-              <a:t>|</a:t>
-            </a:r>
-          </a:p>
-        </p:txBody>
-      </p:sp>
-      <p:sp>
-        <p:nvSpPr>
-          <p:cNvPr id="119" name="TextBox 118">
-            <a:extLst>
-              <a:ext uri="{FF2B5EF4-FFF2-40B4-BE49-F238E27FC236}">
-                <a16:creationId xmlns:a16="http://schemas.microsoft.com/office/drawing/2014/main" id="{8CBD66F1-0DFF-4E86-805E-8F7FD589958D}"/>
-              </a:ext>
-            </a:extLst>
-          </p:cNvPr>
-          <p:cNvSpPr txBox="1"/>
-          <p:nvPr/>
-        </p:nvSpPr>
-        <p:spPr>
-          <a:xfrm>
-            <a:off x="3947061" y="3270403"/>
-            <a:ext cx="182880" cy="276999"/>
-          </a:xfrm>
-          <a:prstGeom prst="rect">
-            <a:avLst/>
-          </a:prstGeom>
-          <a:noFill/>
-        </p:spPr>
-        <p:txBody>
-          <a:bodyPr wrap="square" rtlCol="0">
-            <a:spAutoFit/>
-          </a:bodyPr>
-          <a:lstStyle/>
-          <a:p>
-            <a:pPr algn="ctr"/>
-            <a:r>
-              <a:rPr lang="en-US" sz="1200" b="1" dirty="0">
-                <a:latin typeface="Arial Rounded MT Bold" panose="020F0704030504030204" pitchFamily="34" charset="0"/>
-              </a:rPr>
-              <a:t>|</a:t>
-            </a:r>
-          </a:p>
-        </p:txBody>
-      </p:sp>
     </p:spTree>
     <p:extLst>
       <p:ext uri="{BB962C8B-B14F-4D97-AF65-F5344CB8AC3E}">
         <p14:creationId xmlns:p14="http://schemas.microsoft.com/office/powerpoint/2010/main" val="401159786"/>
+      </p:ext>
+    </p:extLst>
+  </p:cSld>
+  <p:clrMapOvr>
+    <a:masterClrMapping/>
+  </p:clrMapOvr>
+</p:sld>
+</file>
+
+<file path=ppt/slides/slide4.xml><?xml version="1.0" encoding="utf-8"?>
+<p:sld xmlns:a="http://schemas.openxmlformats.org/drawingml/2006/main" xmlns:r="http://schemas.openxmlformats.org/officeDocument/2006/relationships" xmlns:p="http://schemas.openxmlformats.org/presentationml/2006/main">
+  <p:cSld>
+    <p:bg>
+      <p:bgPr>
+        <a:solidFill>
+          <a:schemeClr val="bg1"/>
+        </a:solidFill>
+        <a:effectLst/>
+      </p:bgPr>
+    </p:bg>
+    <p:spTree>
+      <p:nvGrpSpPr>
+        <p:cNvPr id="1" name=""/>
+        <p:cNvGrpSpPr/>
+        <p:nvPr/>
+      </p:nvGrpSpPr>
+      <p:grpSpPr>
+        <a:xfrm>
+          <a:off x="0" y="0"/>
+          <a:ext cx="0" cy="0"/>
+          <a:chOff x="0" y="0"/>
+          <a:chExt cx="0" cy="0"/>
+        </a:xfrm>
+      </p:grpSpPr>
+      <p:cxnSp>
+        <p:nvCxnSpPr>
+          <p:cNvPr id="5" name="Straight Arrow Connector 4">
+            <a:extLst>
+              <a:ext uri="{FF2B5EF4-FFF2-40B4-BE49-F238E27FC236}">
+                <a16:creationId xmlns:a16="http://schemas.microsoft.com/office/drawing/2014/main" id="{568BE988-1429-443A-9394-D59046254527}"/>
+              </a:ext>
+            </a:extLst>
+          </p:cNvPr>
+          <p:cNvCxnSpPr/>
+          <p:nvPr/>
+        </p:nvCxnSpPr>
+        <p:spPr>
+          <a:xfrm>
+            <a:off x="6096000" y="914400"/>
+            <a:ext cx="0" cy="5029200"/>
+          </a:xfrm>
+          <a:prstGeom prst="straightConnector1">
+            <a:avLst/>
+          </a:prstGeom>
+          <a:ln w="25400">
+            <a:headEnd type="triangle"/>
+            <a:tailEnd type="triangle"/>
+          </a:ln>
+        </p:spPr>
+        <p:style>
+          <a:lnRef idx="1">
+            <a:schemeClr val="accent1"/>
+          </a:lnRef>
+          <a:fillRef idx="0">
+            <a:schemeClr val="accent1"/>
+          </a:fillRef>
+          <a:effectRef idx="0">
+            <a:schemeClr val="accent1"/>
+          </a:effectRef>
+          <a:fontRef idx="minor">
+            <a:schemeClr val="tx1"/>
+          </a:fontRef>
+        </p:style>
+      </p:cxnSp>
+      <p:cxnSp>
+        <p:nvCxnSpPr>
+          <p:cNvPr id="6" name="Straight Arrow Connector 5">
+            <a:extLst>
+              <a:ext uri="{FF2B5EF4-FFF2-40B4-BE49-F238E27FC236}">
+                <a16:creationId xmlns:a16="http://schemas.microsoft.com/office/drawing/2014/main" id="{1CCA6FA9-C348-4817-A7B6-DDCF525D64F0}"/>
+              </a:ext>
+            </a:extLst>
+          </p:cNvPr>
+          <p:cNvCxnSpPr>
+            <a:cxnSpLocks/>
+          </p:cNvCxnSpPr>
+          <p:nvPr/>
+        </p:nvCxnSpPr>
+        <p:spPr>
+          <a:xfrm rot="5400000">
+            <a:off x="6096000" y="914400"/>
+            <a:ext cx="0" cy="5029200"/>
+          </a:xfrm>
+          <a:prstGeom prst="straightConnector1">
+            <a:avLst/>
+          </a:prstGeom>
+          <a:ln w="25400">
+            <a:headEnd type="triangle"/>
+            <a:tailEnd type="triangle"/>
+          </a:ln>
+        </p:spPr>
+        <p:style>
+          <a:lnRef idx="1">
+            <a:schemeClr val="accent1"/>
+          </a:lnRef>
+          <a:fillRef idx="0">
+            <a:schemeClr val="accent1"/>
+          </a:fillRef>
+          <a:effectRef idx="0">
+            <a:schemeClr val="accent1"/>
+          </a:effectRef>
+          <a:fontRef idx="minor">
+            <a:schemeClr val="tx1"/>
+          </a:fontRef>
+        </p:style>
+      </p:cxnSp>
+      <p:cxnSp>
+        <p:nvCxnSpPr>
+          <p:cNvPr id="8" name="Straight Connector 7">
+            <a:extLst>
+              <a:ext uri="{FF2B5EF4-FFF2-40B4-BE49-F238E27FC236}">
+                <a16:creationId xmlns:a16="http://schemas.microsoft.com/office/drawing/2014/main" id="{55C1C1C2-15B9-49BE-B3B9-F91CF86B7D33}"/>
+              </a:ext>
+            </a:extLst>
+          </p:cNvPr>
+          <p:cNvCxnSpPr/>
+          <p:nvPr/>
+        </p:nvCxnSpPr>
+        <p:spPr>
+          <a:xfrm>
+            <a:off x="4269461" y="914400"/>
+            <a:ext cx="0" cy="5029200"/>
+          </a:xfrm>
+          <a:prstGeom prst="line">
+            <a:avLst/>
+          </a:prstGeom>
+        </p:spPr>
+        <p:style>
+          <a:lnRef idx="1">
+            <a:schemeClr val="accent1"/>
+          </a:lnRef>
+          <a:fillRef idx="0">
+            <a:schemeClr val="accent1"/>
+          </a:fillRef>
+          <a:effectRef idx="0">
+            <a:schemeClr val="accent1"/>
+          </a:effectRef>
+          <a:fontRef idx="minor">
+            <a:schemeClr val="tx1"/>
+          </a:fontRef>
+        </p:style>
+      </p:cxnSp>
+      <p:cxnSp>
+        <p:nvCxnSpPr>
+          <p:cNvPr id="9" name="Straight Connector 8">
+            <a:extLst>
+              <a:ext uri="{FF2B5EF4-FFF2-40B4-BE49-F238E27FC236}">
+                <a16:creationId xmlns:a16="http://schemas.microsoft.com/office/drawing/2014/main" id="{24028A24-B7B4-42B5-84D6-0A5CAEBFDA41}"/>
+              </a:ext>
+            </a:extLst>
+          </p:cNvPr>
+          <p:cNvCxnSpPr/>
+          <p:nvPr/>
+        </p:nvCxnSpPr>
+        <p:spPr>
+          <a:xfrm>
+            <a:off x="8412262" y="914400"/>
+            <a:ext cx="0" cy="5029200"/>
+          </a:xfrm>
+          <a:prstGeom prst="line">
+            <a:avLst/>
+          </a:prstGeom>
+        </p:spPr>
+        <p:style>
+          <a:lnRef idx="1">
+            <a:schemeClr val="accent1"/>
+          </a:lnRef>
+          <a:fillRef idx="0">
+            <a:schemeClr val="accent1"/>
+          </a:fillRef>
+          <a:effectRef idx="0">
+            <a:schemeClr val="accent1"/>
+          </a:effectRef>
+          <a:fontRef idx="minor">
+            <a:schemeClr val="tx1"/>
+          </a:fontRef>
+        </p:style>
+      </p:cxnSp>
+      <p:cxnSp>
+        <p:nvCxnSpPr>
+          <p:cNvPr id="10" name="Straight Connector 9">
+            <a:extLst>
+              <a:ext uri="{FF2B5EF4-FFF2-40B4-BE49-F238E27FC236}">
+                <a16:creationId xmlns:a16="http://schemas.microsoft.com/office/drawing/2014/main" id="{3F12E077-FCD2-4113-A596-4BFE6727F9B9}"/>
+              </a:ext>
+            </a:extLst>
+          </p:cNvPr>
+          <p:cNvCxnSpPr/>
+          <p:nvPr/>
+        </p:nvCxnSpPr>
+        <p:spPr>
+          <a:xfrm>
+            <a:off x="7936933" y="914400"/>
+            <a:ext cx="0" cy="5029200"/>
+          </a:xfrm>
+          <a:prstGeom prst="line">
+            <a:avLst/>
+          </a:prstGeom>
+        </p:spPr>
+        <p:style>
+          <a:lnRef idx="1">
+            <a:schemeClr val="accent1"/>
+          </a:lnRef>
+          <a:fillRef idx="0">
+            <a:schemeClr val="accent1"/>
+          </a:fillRef>
+          <a:effectRef idx="0">
+            <a:schemeClr val="accent1"/>
+          </a:effectRef>
+          <a:fontRef idx="minor">
+            <a:schemeClr val="tx1"/>
+          </a:fontRef>
+        </p:style>
+      </p:cxnSp>
+      <p:sp>
+        <p:nvSpPr>
+          <p:cNvPr id="60" name="Rectangle 59">
+            <a:extLst>
+              <a:ext uri="{FF2B5EF4-FFF2-40B4-BE49-F238E27FC236}">
+                <a16:creationId xmlns:a16="http://schemas.microsoft.com/office/drawing/2014/main" id="{5C82B591-58AE-4AD7-BDA9-A52E1B8F0E50}"/>
+              </a:ext>
+            </a:extLst>
+          </p:cNvPr>
+          <p:cNvSpPr/>
+          <p:nvPr/>
+        </p:nvSpPr>
+        <p:spPr>
+          <a:xfrm>
+            <a:off x="3444240" y="777240"/>
+            <a:ext cx="5303520" cy="5303520"/>
+          </a:xfrm>
+          <a:prstGeom prst="rect">
+            <a:avLst/>
+          </a:prstGeom>
+          <a:noFill/>
+          <a:ln>
+            <a:solidFill>
+              <a:schemeClr val="accent1">
+                <a:shade val="50000"/>
+              </a:schemeClr>
+            </a:solidFill>
+          </a:ln>
+        </p:spPr>
+        <p:style>
+          <a:lnRef idx="2">
+            <a:schemeClr val="accent1">
+              <a:shade val="50000"/>
+            </a:schemeClr>
+          </a:lnRef>
+          <a:fillRef idx="1">
+            <a:schemeClr val="accent1"/>
+          </a:fillRef>
+          <a:effectRef idx="0">
+            <a:schemeClr val="accent1"/>
+          </a:effectRef>
+          <a:fontRef idx="minor">
+            <a:schemeClr val="lt1"/>
+          </a:fontRef>
+        </p:style>
+        <p:txBody>
+          <a:bodyPr rtlCol="0" anchor="ctr"/>
+          <a:lstStyle/>
+          <a:p>
+            <a:pPr algn="ctr"/>
+            <a:endParaRPr lang="en-US">
+              <a:noFill/>
+            </a:endParaRPr>
+          </a:p>
+        </p:txBody>
+      </p:sp>
+      <p:cxnSp>
+        <p:nvCxnSpPr>
+          <p:cNvPr id="11" name="Straight Connector 10">
+            <a:extLst>
+              <a:ext uri="{FF2B5EF4-FFF2-40B4-BE49-F238E27FC236}">
+                <a16:creationId xmlns:a16="http://schemas.microsoft.com/office/drawing/2014/main" id="{5DEEC18F-6129-42C4-94AB-29606547A968}"/>
+              </a:ext>
+            </a:extLst>
+          </p:cNvPr>
+          <p:cNvCxnSpPr/>
+          <p:nvPr/>
+        </p:nvCxnSpPr>
+        <p:spPr>
+          <a:xfrm>
+            <a:off x="7475894" y="914400"/>
+            <a:ext cx="0" cy="5029200"/>
+          </a:xfrm>
+          <a:prstGeom prst="line">
+            <a:avLst/>
+          </a:prstGeom>
+        </p:spPr>
+        <p:style>
+          <a:lnRef idx="1">
+            <a:schemeClr val="accent1"/>
+          </a:lnRef>
+          <a:fillRef idx="0">
+            <a:schemeClr val="accent1"/>
+          </a:fillRef>
+          <a:effectRef idx="0">
+            <a:schemeClr val="accent1"/>
+          </a:effectRef>
+          <a:fontRef idx="minor">
+            <a:schemeClr val="tx1"/>
+          </a:fontRef>
+        </p:style>
+      </p:cxnSp>
+      <p:cxnSp>
+        <p:nvCxnSpPr>
+          <p:cNvPr id="12" name="Straight Connector 11">
+            <a:extLst>
+              <a:ext uri="{FF2B5EF4-FFF2-40B4-BE49-F238E27FC236}">
+                <a16:creationId xmlns:a16="http://schemas.microsoft.com/office/drawing/2014/main" id="{D8B54D93-4CF3-4945-8EE1-48918FB345BE}"/>
+              </a:ext>
+            </a:extLst>
+          </p:cNvPr>
+          <p:cNvCxnSpPr/>
+          <p:nvPr/>
+        </p:nvCxnSpPr>
+        <p:spPr>
+          <a:xfrm>
+            <a:off x="4731345" y="914400"/>
+            <a:ext cx="0" cy="5029200"/>
+          </a:xfrm>
+          <a:prstGeom prst="line">
+            <a:avLst/>
+          </a:prstGeom>
+        </p:spPr>
+        <p:style>
+          <a:lnRef idx="1">
+            <a:schemeClr val="accent1"/>
+          </a:lnRef>
+          <a:fillRef idx="0">
+            <a:schemeClr val="accent1"/>
+          </a:fillRef>
+          <a:effectRef idx="0">
+            <a:schemeClr val="accent1"/>
+          </a:effectRef>
+          <a:fontRef idx="minor">
+            <a:schemeClr val="tx1"/>
+          </a:fontRef>
+        </p:style>
+      </p:cxnSp>
+      <p:cxnSp>
+        <p:nvCxnSpPr>
+          <p:cNvPr id="13" name="Straight Connector 12">
+            <a:extLst>
+              <a:ext uri="{FF2B5EF4-FFF2-40B4-BE49-F238E27FC236}">
+                <a16:creationId xmlns:a16="http://schemas.microsoft.com/office/drawing/2014/main" id="{757E0C05-1E64-480A-9D58-025D83256F9B}"/>
+              </a:ext>
+            </a:extLst>
+          </p:cNvPr>
+          <p:cNvCxnSpPr/>
+          <p:nvPr/>
+        </p:nvCxnSpPr>
+        <p:spPr>
+          <a:xfrm>
+            <a:off x="3807577" y="914400"/>
+            <a:ext cx="0" cy="5029200"/>
+          </a:xfrm>
+          <a:prstGeom prst="line">
+            <a:avLst/>
+          </a:prstGeom>
+        </p:spPr>
+        <p:style>
+          <a:lnRef idx="1">
+            <a:schemeClr val="accent1"/>
+          </a:lnRef>
+          <a:fillRef idx="0">
+            <a:schemeClr val="accent1"/>
+          </a:fillRef>
+          <a:effectRef idx="0">
+            <a:schemeClr val="accent1"/>
+          </a:effectRef>
+          <a:fontRef idx="minor">
+            <a:schemeClr val="tx1"/>
+          </a:fontRef>
+        </p:style>
+      </p:cxnSp>
+      <p:cxnSp>
+        <p:nvCxnSpPr>
+          <p:cNvPr id="14" name="Straight Connector 13">
+            <a:extLst>
+              <a:ext uri="{FF2B5EF4-FFF2-40B4-BE49-F238E27FC236}">
+                <a16:creationId xmlns:a16="http://schemas.microsoft.com/office/drawing/2014/main" id="{2EE3EF59-6515-47DF-979D-F74D6A9F58C1}"/>
+              </a:ext>
+            </a:extLst>
+          </p:cNvPr>
+          <p:cNvCxnSpPr/>
+          <p:nvPr/>
+        </p:nvCxnSpPr>
+        <p:spPr>
+          <a:xfrm>
+            <a:off x="5183703" y="914400"/>
+            <a:ext cx="0" cy="5029200"/>
+          </a:xfrm>
+          <a:prstGeom prst="line">
+            <a:avLst/>
+          </a:prstGeom>
+        </p:spPr>
+        <p:style>
+          <a:lnRef idx="1">
+            <a:schemeClr val="accent1"/>
+          </a:lnRef>
+          <a:fillRef idx="0">
+            <a:schemeClr val="accent1"/>
+          </a:fillRef>
+          <a:effectRef idx="0">
+            <a:schemeClr val="accent1"/>
+          </a:effectRef>
+          <a:fontRef idx="minor">
+            <a:schemeClr val="tx1"/>
+          </a:fontRef>
+        </p:style>
+      </p:cxnSp>
+      <p:cxnSp>
+        <p:nvCxnSpPr>
+          <p:cNvPr id="15" name="Straight Connector 14">
+            <a:extLst>
+              <a:ext uri="{FF2B5EF4-FFF2-40B4-BE49-F238E27FC236}">
+                <a16:creationId xmlns:a16="http://schemas.microsoft.com/office/drawing/2014/main" id="{B4F5088C-0309-4F11-AB21-BB4AC5DD9F95}"/>
+              </a:ext>
+            </a:extLst>
+          </p:cNvPr>
+          <p:cNvCxnSpPr/>
+          <p:nvPr/>
+        </p:nvCxnSpPr>
+        <p:spPr>
+          <a:xfrm>
+            <a:off x="5645587" y="914400"/>
+            <a:ext cx="0" cy="5029200"/>
+          </a:xfrm>
+          <a:prstGeom prst="line">
+            <a:avLst/>
+          </a:prstGeom>
+        </p:spPr>
+        <p:style>
+          <a:lnRef idx="1">
+            <a:schemeClr val="accent1"/>
+          </a:lnRef>
+          <a:fillRef idx="0">
+            <a:schemeClr val="accent1"/>
+          </a:fillRef>
+          <a:effectRef idx="0">
+            <a:schemeClr val="accent1"/>
+          </a:effectRef>
+          <a:fontRef idx="minor">
+            <a:schemeClr val="tx1"/>
+          </a:fontRef>
+        </p:style>
+      </p:cxnSp>
+      <p:cxnSp>
+        <p:nvCxnSpPr>
+          <p:cNvPr id="16" name="Straight Connector 15">
+            <a:extLst>
+              <a:ext uri="{FF2B5EF4-FFF2-40B4-BE49-F238E27FC236}">
+                <a16:creationId xmlns:a16="http://schemas.microsoft.com/office/drawing/2014/main" id="{FDCB1D22-785C-4721-9686-5CCA2BA33073}"/>
+              </a:ext>
+            </a:extLst>
+          </p:cNvPr>
+          <p:cNvCxnSpPr/>
+          <p:nvPr/>
+        </p:nvCxnSpPr>
+        <p:spPr>
+          <a:xfrm>
+            <a:off x="6558579" y="914400"/>
+            <a:ext cx="0" cy="5029200"/>
+          </a:xfrm>
+          <a:prstGeom prst="line">
+            <a:avLst/>
+          </a:prstGeom>
+        </p:spPr>
+        <p:style>
+          <a:lnRef idx="1">
+            <a:schemeClr val="accent1"/>
+          </a:lnRef>
+          <a:fillRef idx="0">
+            <a:schemeClr val="accent1"/>
+          </a:fillRef>
+          <a:effectRef idx="0">
+            <a:schemeClr val="accent1"/>
+          </a:effectRef>
+          <a:fontRef idx="minor">
+            <a:schemeClr val="tx1"/>
+          </a:fontRef>
+        </p:style>
+      </p:cxnSp>
+      <p:cxnSp>
+        <p:nvCxnSpPr>
+          <p:cNvPr id="17" name="Straight Connector 16">
+            <a:extLst>
+              <a:ext uri="{FF2B5EF4-FFF2-40B4-BE49-F238E27FC236}">
+                <a16:creationId xmlns:a16="http://schemas.microsoft.com/office/drawing/2014/main" id="{1CBA1917-F2DD-4806-A601-B46B215580FC}"/>
+              </a:ext>
+            </a:extLst>
+          </p:cNvPr>
+          <p:cNvCxnSpPr/>
+          <p:nvPr/>
+        </p:nvCxnSpPr>
+        <p:spPr>
+          <a:xfrm>
+            <a:off x="7014855" y="914400"/>
+            <a:ext cx="0" cy="5029200"/>
+          </a:xfrm>
+          <a:prstGeom prst="line">
+            <a:avLst/>
+          </a:prstGeom>
+        </p:spPr>
+        <p:style>
+          <a:lnRef idx="1">
+            <a:schemeClr val="accent1"/>
+          </a:lnRef>
+          <a:fillRef idx="0">
+            <a:schemeClr val="accent1"/>
+          </a:fillRef>
+          <a:effectRef idx="0">
+            <a:schemeClr val="accent1"/>
+          </a:effectRef>
+          <a:fontRef idx="minor">
+            <a:schemeClr val="tx1"/>
+          </a:fontRef>
+        </p:style>
+      </p:cxnSp>
+      <p:cxnSp>
+        <p:nvCxnSpPr>
+          <p:cNvPr id="25" name="Straight Connector 24">
+            <a:extLst>
+              <a:ext uri="{FF2B5EF4-FFF2-40B4-BE49-F238E27FC236}">
+                <a16:creationId xmlns:a16="http://schemas.microsoft.com/office/drawing/2014/main" id="{5FC8B1FE-E058-48D3-9133-134D52C8F8B2}"/>
+              </a:ext>
+            </a:extLst>
+          </p:cNvPr>
+          <p:cNvCxnSpPr>
+            <a:cxnSpLocks/>
+          </p:cNvCxnSpPr>
+          <p:nvPr/>
+        </p:nvCxnSpPr>
+        <p:spPr>
+          <a:xfrm rot="5400000">
+            <a:off x="6096000" y="-1365907"/>
+            <a:ext cx="0" cy="5029200"/>
+          </a:xfrm>
+          <a:prstGeom prst="line">
+            <a:avLst/>
+          </a:prstGeom>
+        </p:spPr>
+        <p:style>
+          <a:lnRef idx="1">
+            <a:schemeClr val="accent1"/>
+          </a:lnRef>
+          <a:fillRef idx="0">
+            <a:schemeClr val="accent1"/>
+          </a:fillRef>
+          <a:effectRef idx="0">
+            <a:schemeClr val="accent1"/>
+          </a:effectRef>
+          <a:fontRef idx="minor">
+            <a:schemeClr val="tx1"/>
+          </a:fontRef>
+        </p:style>
+      </p:cxnSp>
+      <p:cxnSp>
+        <p:nvCxnSpPr>
+          <p:cNvPr id="26" name="Straight Connector 25">
+            <a:extLst>
+              <a:ext uri="{FF2B5EF4-FFF2-40B4-BE49-F238E27FC236}">
+                <a16:creationId xmlns:a16="http://schemas.microsoft.com/office/drawing/2014/main" id="{0BC7CD20-FF6D-4162-8937-6BCA8FDCEA07}"/>
+              </a:ext>
+            </a:extLst>
+          </p:cNvPr>
+          <p:cNvCxnSpPr>
+            <a:cxnSpLocks/>
+          </p:cNvCxnSpPr>
+          <p:nvPr/>
+        </p:nvCxnSpPr>
+        <p:spPr>
+          <a:xfrm rot="5400000">
+            <a:off x="6096000" y="-919435"/>
+            <a:ext cx="0" cy="5029200"/>
+          </a:xfrm>
+          <a:prstGeom prst="line">
+            <a:avLst/>
+          </a:prstGeom>
+        </p:spPr>
+        <p:style>
+          <a:lnRef idx="1">
+            <a:schemeClr val="accent1"/>
+          </a:lnRef>
+          <a:fillRef idx="0">
+            <a:schemeClr val="accent1"/>
+          </a:fillRef>
+          <a:effectRef idx="0">
+            <a:schemeClr val="accent1"/>
+          </a:effectRef>
+          <a:fontRef idx="minor">
+            <a:schemeClr val="tx1"/>
+          </a:fontRef>
+        </p:style>
+      </p:cxnSp>
+      <p:cxnSp>
+        <p:nvCxnSpPr>
+          <p:cNvPr id="27" name="Straight Connector 26">
+            <a:extLst>
+              <a:ext uri="{FF2B5EF4-FFF2-40B4-BE49-F238E27FC236}">
+                <a16:creationId xmlns:a16="http://schemas.microsoft.com/office/drawing/2014/main" id="{F8B2C14E-45EE-4462-ACE2-26C83A2D1933}"/>
+              </a:ext>
+            </a:extLst>
+          </p:cNvPr>
+          <p:cNvCxnSpPr>
+            <a:cxnSpLocks/>
+          </p:cNvCxnSpPr>
+          <p:nvPr/>
+        </p:nvCxnSpPr>
+        <p:spPr>
+          <a:xfrm rot="5400000">
+            <a:off x="6096000" y="-458674"/>
+            <a:ext cx="0" cy="5029200"/>
+          </a:xfrm>
+          <a:prstGeom prst="line">
+            <a:avLst/>
+          </a:prstGeom>
+        </p:spPr>
+        <p:style>
+          <a:lnRef idx="1">
+            <a:schemeClr val="accent1"/>
+          </a:lnRef>
+          <a:fillRef idx="0">
+            <a:schemeClr val="accent1"/>
+          </a:fillRef>
+          <a:effectRef idx="0">
+            <a:schemeClr val="accent1"/>
+          </a:effectRef>
+          <a:fontRef idx="minor">
+            <a:schemeClr val="tx1"/>
+          </a:fontRef>
+        </p:style>
+      </p:cxnSp>
+      <p:cxnSp>
+        <p:nvCxnSpPr>
+          <p:cNvPr id="28" name="Straight Connector 27">
+            <a:extLst>
+              <a:ext uri="{FF2B5EF4-FFF2-40B4-BE49-F238E27FC236}">
+                <a16:creationId xmlns:a16="http://schemas.microsoft.com/office/drawing/2014/main" id="{25A4C882-FDE4-4F63-AA5F-95B82DC58951}"/>
+              </a:ext>
+            </a:extLst>
+          </p:cNvPr>
+          <p:cNvCxnSpPr>
+            <a:cxnSpLocks/>
+          </p:cNvCxnSpPr>
+          <p:nvPr/>
+        </p:nvCxnSpPr>
+        <p:spPr>
+          <a:xfrm rot="5400000">
+            <a:off x="6096000" y="458085"/>
+            <a:ext cx="0" cy="5029200"/>
+          </a:xfrm>
+          <a:prstGeom prst="line">
+            <a:avLst/>
+          </a:prstGeom>
+        </p:spPr>
+        <p:style>
+          <a:lnRef idx="1">
+            <a:schemeClr val="accent1"/>
+          </a:lnRef>
+          <a:fillRef idx="0">
+            <a:schemeClr val="accent1"/>
+          </a:fillRef>
+          <a:effectRef idx="0">
+            <a:schemeClr val="accent1"/>
+          </a:effectRef>
+          <a:fontRef idx="minor">
+            <a:schemeClr val="tx1"/>
+          </a:fontRef>
+        </p:style>
+      </p:cxnSp>
+      <p:cxnSp>
+        <p:nvCxnSpPr>
+          <p:cNvPr id="29" name="Straight Connector 28">
+            <a:extLst>
+              <a:ext uri="{FF2B5EF4-FFF2-40B4-BE49-F238E27FC236}">
+                <a16:creationId xmlns:a16="http://schemas.microsoft.com/office/drawing/2014/main" id="{C4B6A80F-73F9-4F56-BB36-5DBA5F55772C}"/>
+              </a:ext>
+            </a:extLst>
+          </p:cNvPr>
+          <p:cNvCxnSpPr>
+            <a:cxnSpLocks/>
+          </p:cNvCxnSpPr>
+          <p:nvPr/>
+        </p:nvCxnSpPr>
+        <p:spPr>
+          <a:xfrm rot="5400000">
+            <a:off x="6096000" y="918187"/>
+            <a:ext cx="0" cy="5029200"/>
+          </a:xfrm>
+          <a:prstGeom prst="line">
+            <a:avLst/>
+          </a:prstGeom>
+        </p:spPr>
+        <p:style>
+          <a:lnRef idx="1">
+            <a:schemeClr val="accent1"/>
+          </a:lnRef>
+          <a:fillRef idx="0">
+            <a:schemeClr val="accent1"/>
+          </a:fillRef>
+          <a:effectRef idx="0">
+            <a:schemeClr val="accent1"/>
+          </a:effectRef>
+          <a:fontRef idx="minor">
+            <a:schemeClr val="tx1"/>
+          </a:fontRef>
+        </p:style>
+      </p:cxnSp>
+      <p:cxnSp>
+        <p:nvCxnSpPr>
+          <p:cNvPr id="30" name="Straight Connector 29">
+            <a:extLst>
+              <a:ext uri="{FF2B5EF4-FFF2-40B4-BE49-F238E27FC236}">
+                <a16:creationId xmlns:a16="http://schemas.microsoft.com/office/drawing/2014/main" id="{25C57C78-DACE-43F0-A663-F25CD25AF49D}"/>
+              </a:ext>
+            </a:extLst>
+          </p:cNvPr>
+          <p:cNvCxnSpPr>
+            <a:cxnSpLocks/>
+          </p:cNvCxnSpPr>
+          <p:nvPr/>
+        </p:nvCxnSpPr>
+        <p:spPr>
+          <a:xfrm rot="5400000">
+            <a:off x="6096000" y="3200709"/>
+            <a:ext cx="0" cy="5029200"/>
+          </a:xfrm>
+          <a:prstGeom prst="line">
+            <a:avLst/>
+          </a:prstGeom>
+        </p:spPr>
+        <p:style>
+          <a:lnRef idx="1">
+            <a:schemeClr val="accent1"/>
+          </a:lnRef>
+          <a:fillRef idx="0">
+            <a:schemeClr val="accent1"/>
+          </a:fillRef>
+          <a:effectRef idx="0">
+            <a:schemeClr val="accent1"/>
+          </a:effectRef>
+          <a:fontRef idx="minor">
+            <a:schemeClr val="tx1"/>
+          </a:fontRef>
+        </p:style>
+      </p:cxnSp>
+      <p:cxnSp>
+        <p:nvCxnSpPr>
+          <p:cNvPr id="31" name="Straight Connector 30">
+            <a:extLst>
+              <a:ext uri="{FF2B5EF4-FFF2-40B4-BE49-F238E27FC236}">
+                <a16:creationId xmlns:a16="http://schemas.microsoft.com/office/drawing/2014/main" id="{F0DEF1F2-5540-4633-856D-988C6AC3B344}"/>
+              </a:ext>
+            </a:extLst>
+          </p:cNvPr>
+          <p:cNvCxnSpPr>
+            <a:cxnSpLocks/>
+          </p:cNvCxnSpPr>
+          <p:nvPr/>
+        </p:nvCxnSpPr>
+        <p:spPr>
+          <a:xfrm rot="5400000">
+            <a:off x="6096000" y="2737524"/>
+            <a:ext cx="0" cy="5029200"/>
+          </a:xfrm>
+          <a:prstGeom prst="line">
+            <a:avLst/>
+          </a:prstGeom>
+        </p:spPr>
+        <p:style>
+          <a:lnRef idx="1">
+            <a:schemeClr val="accent1"/>
+          </a:lnRef>
+          <a:fillRef idx="0">
+            <a:schemeClr val="accent1"/>
+          </a:fillRef>
+          <a:effectRef idx="0">
+            <a:schemeClr val="accent1"/>
+          </a:effectRef>
+          <a:fontRef idx="minor">
+            <a:schemeClr val="tx1"/>
+          </a:fontRef>
+        </p:style>
+      </p:cxnSp>
+      <p:cxnSp>
+        <p:nvCxnSpPr>
+          <p:cNvPr id="32" name="Straight Connector 31">
+            <a:extLst>
+              <a:ext uri="{FF2B5EF4-FFF2-40B4-BE49-F238E27FC236}">
+                <a16:creationId xmlns:a16="http://schemas.microsoft.com/office/drawing/2014/main" id="{670B375D-E0BA-4616-ACF1-8D2C1BC66AFA}"/>
+              </a:ext>
+            </a:extLst>
+          </p:cNvPr>
+          <p:cNvCxnSpPr>
+            <a:cxnSpLocks/>
+          </p:cNvCxnSpPr>
+          <p:nvPr/>
+        </p:nvCxnSpPr>
+        <p:spPr>
+          <a:xfrm rot="5400000">
+            <a:off x="6096000" y="2285249"/>
+            <a:ext cx="0" cy="5029200"/>
+          </a:xfrm>
+          <a:prstGeom prst="line">
+            <a:avLst/>
+          </a:prstGeom>
+        </p:spPr>
+        <p:style>
+          <a:lnRef idx="1">
+            <a:schemeClr val="accent1"/>
+          </a:lnRef>
+          <a:fillRef idx="0">
+            <a:schemeClr val="accent1"/>
+          </a:fillRef>
+          <a:effectRef idx="0">
+            <a:schemeClr val="accent1"/>
+          </a:effectRef>
+          <a:fontRef idx="minor">
+            <a:schemeClr val="tx1"/>
+          </a:fontRef>
+        </p:style>
+      </p:cxnSp>
+      <p:cxnSp>
+        <p:nvCxnSpPr>
+          <p:cNvPr id="33" name="Straight Connector 32">
+            <a:extLst>
+              <a:ext uri="{FF2B5EF4-FFF2-40B4-BE49-F238E27FC236}">
+                <a16:creationId xmlns:a16="http://schemas.microsoft.com/office/drawing/2014/main" id="{98622E48-59D0-4B2C-9F91-F2A80C21CA4E}"/>
+              </a:ext>
+            </a:extLst>
+          </p:cNvPr>
+          <p:cNvCxnSpPr>
+            <a:cxnSpLocks/>
+          </p:cNvCxnSpPr>
+          <p:nvPr/>
+        </p:nvCxnSpPr>
+        <p:spPr>
+          <a:xfrm rot="5400000">
+            <a:off x="6096000" y="1830202"/>
+            <a:ext cx="0" cy="5029200"/>
+          </a:xfrm>
+          <a:prstGeom prst="line">
+            <a:avLst/>
+          </a:prstGeom>
+        </p:spPr>
+        <p:style>
+          <a:lnRef idx="1">
+            <a:schemeClr val="accent1"/>
+          </a:lnRef>
+          <a:fillRef idx="0">
+            <a:schemeClr val="accent1"/>
+          </a:fillRef>
+          <a:effectRef idx="0">
+            <a:schemeClr val="accent1"/>
+          </a:effectRef>
+          <a:fontRef idx="minor">
+            <a:schemeClr val="tx1"/>
+          </a:fontRef>
+        </p:style>
+      </p:cxnSp>
+      <p:cxnSp>
+        <p:nvCxnSpPr>
+          <p:cNvPr id="34" name="Straight Connector 33">
+            <a:extLst>
+              <a:ext uri="{FF2B5EF4-FFF2-40B4-BE49-F238E27FC236}">
+                <a16:creationId xmlns:a16="http://schemas.microsoft.com/office/drawing/2014/main" id="{31F44DAD-C8F5-47A9-9A12-1ACE1CED8CA7}"/>
+              </a:ext>
+            </a:extLst>
+          </p:cNvPr>
+          <p:cNvCxnSpPr>
+            <a:cxnSpLocks/>
+          </p:cNvCxnSpPr>
+          <p:nvPr/>
+        </p:nvCxnSpPr>
+        <p:spPr>
+          <a:xfrm rot="5400000">
+            <a:off x="6096000" y="1371778"/>
+            <a:ext cx="0" cy="5029200"/>
+          </a:xfrm>
+          <a:prstGeom prst="line">
+            <a:avLst/>
+          </a:prstGeom>
+        </p:spPr>
+        <p:style>
+          <a:lnRef idx="1">
+            <a:schemeClr val="accent1"/>
+          </a:lnRef>
+          <a:fillRef idx="0">
+            <a:schemeClr val="accent1"/>
+          </a:fillRef>
+          <a:effectRef idx="0">
+            <a:schemeClr val="accent1"/>
+          </a:effectRef>
+          <a:fontRef idx="minor">
+            <a:schemeClr val="tx1"/>
+          </a:fontRef>
+        </p:style>
+      </p:cxnSp>
+      <p:cxnSp>
+        <p:nvCxnSpPr>
+          <p:cNvPr id="40" name="Straight Connector 39">
+            <a:extLst>
+              <a:ext uri="{FF2B5EF4-FFF2-40B4-BE49-F238E27FC236}">
+                <a16:creationId xmlns:a16="http://schemas.microsoft.com/office/drawing/2014/main" id="{9393CC34-DDA5-4086-BA81-761A26E3CDCA}"/>
+              </a:ext>
+            </a:extLst>
+          </p:cNvPr>
+          <p:cNvCxnSpPr>
+            <a:cxnSpLocks/>
+          </p:cNvCxnSpPr>
+          <p:nvPr/>
+        </p:nvCxnSpPr>
+        <p:spPr>
+          <a:xfrm rot="5400000">
+            <a:off x="6096000" y="-2676"/>
+            <a:ext cx="0" cy="5029200"/>
+          </a:xfrm>
+          <a:prstGeom prst="line">
+            <a:avLst/>
+          </a:prstGeom>
+        </p:spPr>
+        <p:style>
+          <a:lnRef idx="1">
+            <a:schemeClr val="accent1"/>
+          </a:lnRef>
+          <a:fillRef idx="0">
+            <a:schemeClr val="accent1"/>
+          </a:fillRef>
+          <a:effectRef idx="0">
+            <a:schemeClr val="accent1"/>
+          </a:effectRef>
+          <a:fontRef idx="minor">
+            <a:schemeClr val="tx1"/>
+          </a:fontRef>
+        </p:style>
+      </p:cxnSp>
+      <p:sp>
+        <p:nvSpPr>
+          <p:cNvPr id="54" name="TextBox 53">
+            <a:extLst>
+              <a:ext uri="{FF2B5EF4-FFF2-40B4-BE49-F238E27FC236}">
+                <a16:creationId xmlns:a16="http://schemas.microsoft.com/office/drawing/2014/main" id="{5AC67783-164C-4592-B3F2-DE2269ECD6B5}"/>
+              </a:ext>
+            </a:extLst>
+          </p:cNvPr>
+          <p:cNvSpPr txBox="1"/>
+          <p:nvPr/>
+        </p:nvSpPr>
+        <p:spPr>
+          <a:xfrm>
+            <a:off x="5522715" y="5490164"/>
+            <a:ext cx="731520" cy="400110"/>
+          </a:xfrm>
+          <a:prstGeom prst="rect">
+            <a:avLst/>
+          </a:prstGeom>
+          <a:noFill/>
+        </p:spPr>
+        <p:txBody>
+          <a:bodyPr wrap="square" rtlCol="0">
+            <a:spAutoFit/>
+          </a:bodyPr>
+          <a:lstStyle/>
+          <a:p>
+            <a:pPr algn="ctr"/>
+            <a:r>
+              <a:rPr lang="en-US" dirty="0">
+                <a:latin typeface="Arial Rounded MT Bold" panose="020F0704030504030204" pitchFamily="34" charset="0"/>
+              </a:rPr>
+              <a:t>-10 </a:t>
+            </a:r>
+            <a:r>
+              <a:rPr lang="en-US" sz="2000" b="1" dirty="0">
+                <a:latin typeface="Arial Rounded MT Bold" panose="020F0704030504030204" pitchFamily="34" charset="0"/>
+              </a:rPr>
+              <a:t>–</a:t>
+            </a:r>
+            <a:endParaRPr lang="en-US" dirty="0">
+              <a:latin typeface="Arial Rounded MT Bold" panose="020F0704030504030204" pitchFamily="34" charset="0"/>
+            </a:endParaRPr>
+          </a:p>
+        </p:txBody>
+      </p:sp>
+      <p:cxnSp>
+        <p:nvCxnSpPr>
+          <p:cNvPr id="62" name="Straight Connector 61">
+            <a:extLst>
+              <a:ext uri="{FF2B5EF4-FFF2-40B4-BE49-F238E27FC236}">
+                <a16:creationId xmlns:a16="http://schemas.microsoft.com/office/drawing/2014/main" id="{4FC536BD-C5B0-49C3-B319-4AFBA2563C4C}"/>
+              </a:ext>
+            </a:extLst>
+          </p:cNvPr>
+          <p:cNvCxnSpPr>
+            <a:cxnSpLocks/>
+          </p:cNvCxnSpPr>
+          <p:nvPr/>
+        </p:nvCxnSpPr>
+        <p:spPr>
+          <a:xfrm rot="5400000">
+            <a:off x="6096000" y="690843"/>
+            <a:ext cx="0" cy="5029200"/>
+          </a:xfrm>
+          <a:prstGeom prst="line">
+            <a:avLst/>
+          </a:prstGeom>
+        </p:spPr>
+        <p:style>
+          <a:lnRef idx="1">
+            <a:schemeClr val="accent1"/>
+          </a:lnRef>
+          <a:fillRef idx="0">
+            <a:schemeClr val="accent1"/>
+          </a:fillRef>
+          <a:effectRef idx="0">
+            <a:schemeClr val="accent1"/>
+          </a:effectRef>
+          <a:fontRef idx="minor">
+            <a:schemeClr val="tx1"/>
+          </a:fontRef>
+        </p:style>
+      </p:cxnSp>
+      <p:cxnSp>
+        <p:nvCxnSpPr>
+          <p:cNvPr id="63" name="Straight Connector 62">
+            <a:extLst>
+              <a:ext uri="{FF2B5EF4-FFF2-40B4-BE49-F238E27FC236}">
+                <a16:creationId xmlns:a16="http://schemas.microsoft.com/office/drawing/2014/main" id="{71493EA2-543D-47B4-9CD3-EA0DF5FDAE05}"/>
+              </a:ext>
+            </a:extLst>
+          </p:cNvPr>
+          <p:cNvCxnSpPr>
+            <a:cxnSpLocks/>
+          </p:cNvCxnSpPr>
+          <p:nvPr/>
+        </p:nvCxnSpPr>
+        <p:spPr>
+          <a:xfrm rot="5400000">
+            <a:off x="6096000" y="230086"/>
+            <a:ext cx="0" cy="5029200"/>
+          </a:xfrm>
+          <a:prstGeom prst="line">
+            <a:avLst/>
+          </a:prstGeom>
+        </p:spPr>
+        <p:style>
+          <a:lnRef idx="1">
+            <a:schemeClr val="accent1"/>
+          </a:lnRef>
+          <a:fillRef idx="0">
+            <a:schemeClr val="accent1"/>
+          </a:fillRef>
+          <a:effectRef idx="0">
+            <a:schemeClr val="accent1"/>
+          </a:effectRef>
+          <a:fontRef idx="minor">
+            <a:schemeClr val="tx1"/>
+          </a:fontRef>
+        </p:style>
+      </p:cxnSp>
+      <p:cxnSp>
+        <p:nvCxnSpPr>
+          <p:cNvPr id="64" name="Straight Connector 63">
+            <a:extLst>
+              <a:ext uri="{FF2B5EF4-FFF2-40B4-BE49-F238E27FC236}">
+                <a16:creationId xmlns:a16="http://schemas.microsoft.com/office/drawing/2014/main" id="{DECDC60F-9E37-4C04-ADC3-1B78C5212223}"/>
+              </a:ext>
+            </a:extLst>
+          </p:cNvPr>
+          <p:cNvCxnSpPr>
+            <a:cxnSpLocks/>
+          </p:cNvCxnSpPr>
+          <p:nvPr/>
+        </p:nvCxnSpPr>
+        <p:spPr>
+          <a:xfrm rot="5400000">
+            <a:off x="6096000" y="-230675"/>
+            <a:ext cx="0" cy="5029200"/>
+          </a:xfrm>
+          <a:prstGeom prst="line">
+            <a:avLst/>
+          </a:prstGeom>
+        </p:spPr>
+        <p:style>
+          <a:lnRef idx="1">
+            <a:schemeClr val="accent1"/>
+          </a:lnRef>
+          <a:fillRef idx="0">
+            <a:schemeClr val="accent1"/>
+          </a:fillRef>
+          <a:effectRef idx="0">
+            <a:schemeClr val="accent1"/>
+          </a:effectRef>
+          <a:fontRef idx="minor">
+            <a:schemeClr val="tx1"/>
+          </a:fontRef>
+        </p:style>
+      </p:cxnSp>
+      <p:cxnSp>
+        <p:nvCxnSpPr>
+          <p:cNvPr id="65" name="Straight Connector 64">
+            <a:extLst>
+              <a:ext uri="{FF2B5EF4-FFF2-40B4-BE49-F238E27FC236}">
+                <a16:creationId xmlns:a16="http://schemas.microsoft.com/office/drawing/2014/main" id="{2B391FF0-78C4-4A52-AE04-1834F6B2C62B}"/>
+              </a:ext>
+            </a:extLst>
+          </p:cNvPr>
+          <p:cNvCxnSpPr>
+            <a:cxnSpLocks/>
+          </p:cNvCxnSpPr>
+          <p:nvPr/>
+        </p:nvCxnSpPr>
+        <p:spPr>
+          <a:xfrm rot="5400000">
+            <a:off x="6096000" y="-686673"/>
+            <a:ext cx="0" cy="5029200"/>
+          </a:xfrm>
+          <a:prstGeom prst="line">
+            <a:avLst/>
+          </a:prstGeom>
+        </p:spPr>
+        <p:style>
+          <a:lnRef idx="1">
+            <a:schemeClr val="accent1"/>
+          </a:lnRef>
+          <a:fillRef idx="0">
+            <a:schemeClr val="accent1"/>
+          </a:fillRef>
+          <a:effectRef idx="0">
+            <a:schemeClr val="accent1"/>
+          </a:effectRef>
+          <a:fontRef idx="minor">
+            <a:schemeClr val="tx1"/>
+          </a:fontRef>
+        </p:style>
+      </p:cxnSp>
+      <p:cxnSp>
+        <p:nvCxnSpPr>
+          <p:cNvPr id="66" name="Straight Connector 65">
+            <a:extLst>
+              <a:ext uri="{FF2B5EF4-FFF2-40B4-BE49-F238E27FC236}">
+                <a16:creationId xmlns:a16="http://schemas.microsoft.com/office/drawing/2014/main" id="{33051F9A-B719-4524-87C2-C1E82C3D658E}"/>
+              </a:ext>
+            </a:extLst>
+          </p:cNvPr>
+          <p:cNvCxnSpPr>
+            <a:cxnSpLocks/>
+          </p:cNvCxnSpPr>
+          <p:nvPr/>
+        </p:nvCxnSpPr>
+        <p:spPr>
+          <a:xfrm rot="5400000">
+            <a:off x="6096000" y="-1142671"/>
+            <a:ext cx="0" cy="5029200"/>
+          </a:xfrm>
+          <a:prstGeom prst="line">
+            <a:avLst/>
+          </a:prstGeom>
+        </p:spPr>
+        <p:style>
+          <a:lnRef idx="1">
+            <a:schemeClr val="accent1"/>
+          </a:lnRef>
+          <a:fillRef idx="0">
+            <a:schemeClr val="accent1"/>
+          </a:fillRef>
+          <a:effectRef idx="0">
+            <a:schemeClr val="accent1"/>
+          </a:effectRef>
+          <a:fontRef idx="minor">
+            <a:schemeClr val="tx1"/>
+          </a:fontRef>
+        </p:style>
+      </p:cxnSp>
+      <p:cxnSp>
+        <p:nvCxnSpPr>
+          <p:cNvPr id="67" name="Straight Connector 66">
+            <a:extLst>
+              <a:ext uri="{FF2B5EF4-FFF2-40B4-BE49-F238E27FC236}">
+                <a16:creationId xmlns:a16="http://schemas.microsoft.com/office/drawing/2014/main" id="{42C98F88-3F77-4936-9234-B856E50515AC}"/>
+              </a:ext>
+            </a:extLst>
+          </p:cNvPr>
+          <p:cNvCxnSpPr>
+            <a:cxnSpLocks/>
+          </p:cNvCxnSpPr>
+          <p:nvPr/>
+        </p:nvCxnSpPr>
+        <p:spPr>
+          <a:xfrm rot="5400000">
+            <a:off x="6096000" y="1142566"/>
+            <a:ext cx="0" cy="5029200"/>
+          </a:xfrm>
+          <a:prstGeom prst="line">
+            <a:avLst/>
+          </a:prstGeom>
+        </p:spPr>
+        <p:style>
+          <a:lnRef idx="1">
+            <a:schemeClr val="accent1"/>
+          </a:lnRef>
+          <a:fillRef idx="0">
+            <a:schemeClr val="accent1"/>
+          </a:fillRef>
+          <a:effectRef idx="0">
+            <a:schemeClr val="accent1"/>
+          </a:effectRef>
+          <a:fontRef idx="minor">
+            <a:schemeClr val="tx1"/>
+          </a:fontRef>
+        </p:style>
+      </p:cxnSp>
+      <p:cxnSp>
+        <p:nvCxnSpPr>
+          <p:cNvPr id="68" name="Straight Connector 67">
+            <a:extLst>
+              <a:ext uri="{FF2B5EF4-FFF2-40B4-BE49-F238E27FC236}">
+                <a16:creationId xmlns:a16="http://schemas.microsoft.com/office/drawing/2014/main" id="{BE5C76BA-99A0-4629-830D-6EE6357898E5}"/>
+              </a:ext>
+            </a:extLst>
+          </p:cNvPr>
+          <p:cNvCxnSpPr>
+            <a:cxnSpLocks/>
+          </p:cNvCxnSpPr>
+          <p:nvPr/>
+        </p:nvCxnSpPr>
+        <p:spPr>
+          <a:xfrm rot="5400000">
+            <a:off x="6096000" y="1600990"/>
+            <a:ext cx="0" cy="5029200"/>
+          </a:xfrm>
+          <a:prstGeom prst="line">
+            <a:avLst/>
+          </a:prstGeom>
+        </p:spPr>
+        <p:style>
+          <a:lnRef idx="1">
+            <a:schemeClr val="accent1"/>
+          </a:lnRef>
+          <a:fillRef idx="0">
+            <a:schemeClr val="accent1"/>
+          </a:fillRef>
+          <a:effectRef idx="0">
+            <a:schemeClr val="accent1"/>
+          </a:effectRef>
+          <a:fontRef idx="minor">
+            <a:schemeClr val="tx1"/>
+          </a:fontRef>
+        </p:style>
+      </p:cxnSp>
+      <p:cxnSp>
+        <p:nvCxnSpPr>
+          <p:cNvPr id="69" name="Straight Connector 68">
+            <a:extLst>
+              <a:ext uri="{FF2B5EF4-FFF2-40B4-BE49-F238E27FC236}">
+                <a16:creationId xmlns:a16="http://schemas.microsoft.com/office/drawing/2014/main" id="{83CD25A3-C007-4649-82C0-5D8971E96AFA}"/>
+              </a:ext>
+            </a:extLst>
+          </p:cNvPr>
+          <p:cNvCxnSpPr>
+            <a:cxnSpLocks/>
+          </p:cNvCxnSpPr>
+          <p:nvPr/>
+        </p:nvCxnSpPr>
+        <p:spPr>
+          <a:xfrm rot="5400000">
+            <a:off x="6096000" y="2059414"/>
+            <a:ext cx="0" cy="5029200"/>
+          </a:xfrm>
+          <a:prstGeom prst="line">
+            <a:avLst/>
+          </a:prstGeom>
+        </p:spPr>
+        <p:style>
+          <a:lnRef idx="1">
+            <a:schemeClr val="accent1"/>
+          </a:lnRef>
+          <a:fillRef idx="0">
+            <a:schemeClr val="accent1"/>
+          </a:fillRef>
+          <a:effectRef idx="0">
+            <a:schemeClr val="accent1"/>
+          </a:effectRef>
+          <a:fontRef idx="minor">
+            <a:schemeClr val="tx1"/>
+          </a:fontRef>
+        </p:style>
+      </p:cxnSp>
+      <p:cxnSp>
+        <p:nvCxnSpPr>
+          <p:cNvPr id="70" name="Straight Connector 69">
+            <a:extLst>
+              <a:ext uri="{FF2B5EF4-FFF2-40B4-BE49-F238E27FC236}">
+                <a16:creationId xmlns:a16="http://schemas.microsoft.com/office/drawing/2014/main" id="{05928636-4E5C-4443-8206-0D420F31ADF8}"/>
+              </a:ext>
+            </a:extLst>
+          </p:cNvPr>
+          <p:cNvCxnSpPr>
+            <a:cxnSpLocks/>
+          </p:cNvCxnSpPr>
+          <p:nvPr/>
+        </p:nvCxnSpPr>
+        <p:spPr>
+          <a:xfrm rot="5400000">
+            <a:off x="6096000" y="2513075"/>
+            <a:ext cx="0" cy="5029200"/>
+          </a:xfrm>
+          <a:prstGeom prst="line">
+            <a:avLst/>
+          </a:prstGeom>
+        </p:spPr>
+        <p:style>
+          <a:lnRef idx="1">
+            <a:schemeClr val="accent1"/>
+          </a:lnRef>
+          <a:fillRef idx="0">
+            <a:schemeClr val="accent1"/>
+          </a:fillRef>
+          <a:effectRef idx="0">
+            <a:schemeClr val="accent1"/>
+          </a:effectRef>
+          <a:fontRef idx="minor">
+            <a:schemeClr val="tx1"/>
+          </a:fontRef>
+        </p:style>
+      </p:cxnSp>
+      <p:cxnSp>
+        <p:nvCxnSpPr>
+          <p:cNvPr id="71" name="Straight Connector 70">
+            <a:extLst>
+              <a:ext uri="{FF2B5EF4-FFF2-40B4-BE49-F238E27FC236}">
+                <a16:creationId xmlns:a16="http://schemas.microsoft.com/office/drawing/2014/main" id="{9CC5A98E-2849-4A6C-8F2F-D8767195EEA4}"/>
+              </a:ext>
+            </a:extLst>
+          </p:cNvPr>
+          <p:cNvCxnSpPr>
+            <a:cxnSpLocks/>
+          </p:cNvCxnSpPr>
+          <p:nvPr/>
+        </p:nvCxnSpPr>
+        <p:spPr>
+          <a:xfrm rot="5400000">
+            <a:off x="6096000" y="2971499"/>
+            <a:ext cx="0" cy="5029200"/>
+          </a:xfrm>
+          <a:prstGeom prst="line">
+            <a:avLst/>
+          </a:prstGeom>
+        </p:spPr>
+        <p:style>
+          <a:lnRef idx="1">
+            <a:schemeClr val="accent1"/>
+          </a:lnRef>
+          <a:fillRef idx="0">
+            <a:schemeClr val="accent1"/>
+          </a:fillRef>
+          <a:effectRef idx="0">
+            <a:schemeClr val="accent1"/>
+          </a:effectRef>
+          <a:fontRef idx="minor">
+            <a:schemeClr val="tx1"/>
+          </a:fontRef>
+        </p:style>
+      </p:cxnSp>
+      <p:cxnSp>
+        <p:nvCxnSpPr>
+          <p:cNvPr id="72" name="Straight Connector 71">
+            <a:extLst>
+              <a:ext uri="{FF2B5EF4-FFF2-40B4-BE49-F238E27FC236}">
+                <a16:creationId xmlns:a16="http://schemas.microsoft.com/office/drawing/2014/main" id="{4B7A0CA3-E72F-4EE2-A494-9527B269DA74}"/>
+              </a:ext>
+            </a:extLst>
+          </p:cNvPr>
+          <p:cNvCxnSpPr/>
+          <p:nvPr/>
+        </p:nvCxnSpPr>
+        <p:spPr>
+          <a:xfrm>
+            <a:off x="5871763" y="914400"/>
+            <a:ext cx="0" cy="5029200"/>
+          </a:xfrm>
+          <a:prstGeom prst="line">
+            <a:avLst/>
+          </a:prstGeom>
+        </p:spPr>
+        <p:style>
+          <a:lnRef idx="1">
+            <a:schemeClr val="accent1"/>
+          </a:lnRef>
+          <a:fillRef idx="0">
+            <a:schemeClr val="accent1"/>
+          </a:fillRef>
+          <a:effectRef idx="0">
+            <a:schemeClr val="accent1"/>
+          </a:effectRef>
+          <a:fontRef idx="minor">
+            <a:schemeClr val="tx1"/>
+          </a:fontRef>
+        </p:style>
+      </p:cxnSp>
+      <p:cxnSp>
+        <p:nvCxnSpPr>
+          <p:cNvPr id="73" name="Straight Connector 72">
+            <a:extLst>
+              <a:ext uri="{FF2B5EF4-FFF2-40B4-BE49-F238E27FC236}">
+                <a16:creationId xmlns:a16="http://schemas.microsoft.com/office/drawing/2014/main" id="{BF1E474F-B68F-4509-8256-3D0CF18DD99A}"/>
+              </a:ext>
+            </a:extLst>
+          </p:cNvPr>
+          <p:cNvCxnSpPr/>
+          <p:nvPr/>
+        </p:nvCxnSpPr>
+        <p:spPr>
+          <a:xfrm>
+            <a:off x="5414645" y="914400"/>
+            <a:ext cx="0" cy="5029200"/>
+          </a:xfrm>
+          <a:prstGeom prst="line">
+            <a:avLst/>
+          </a:prstGeom>
+        </p:spPr>
+        <p:style>
+          <a:lnRef idx="1">
+            <a:schemeClr val="accent1"/>
+          </a:lnRef>
+          <a:fillRef idx="0">
+            <a:schemeClr val="accent1"/>
+          </a:fillRef>
+          <a:effectRef idx="0">
+            <a:schemeClr val="accent1"/>
+          </a:effectRef>
+          <a:fontRef idx="minor">
+            <a:schemeClr val="tx1"/>
+          </a:fontRef>
+        </p:style>
+      </p:cxnSp>
+      <p:cxnSp>
+        <p:nvCxnSpPr>
+          <p:cNvPr id="74" name="Straight Connector 73">
+            <a:extLst>
+              <a:ext uri="{FF2B5EF4-FFF2-40B4-BE49-F238E27FC236}">
+                <a16:creationId xmlns:a16="http://schemas.microsoft.com/office/drawing/2014/main" id="{1D834725-B679-4DAB-9293-6EDC0306EDA0}"/>
+              </a:ext>
+            </a:extLst>
+          </p:cNvPr>
+          <p:cNvCxnSpPr/>
+          <p:nvPr/>
+        </p:nvCxnSpPr>
+        <p:spPr>
+          <a:xfrm>
+            <a:off x="4957524" y="914400"/>
+            <a:ext cx="0" cy="5029200"/>
+          </a:xfrm>
+          <a:prstGeom prst="line">
+            <a:avLst/>
+          </a:prstGeom>
+        </p:spPr>
+        <p:style>
+          <a:lnRef idx="1">
+            <a:schemeClr val="accent1"/>
+          </a:lnRef>
+          <a:fillRef idx="0">
+            <a:schemeClr val="accent1"/>
+          </a:fillRef>
+          <a:effectRef idx="0">
+            <a:schemeClr val="accent1"/>
+          </a:effectRef>
+          <a:fontRef idx="minor">
+            <a:schemeClr val="tx1"/>
+          </a:fontRef>
+        </p:style>
+      </p:cxnSp>
+      <p:cxnSp>
+        <p:nvCxnSpPr>
+          <p:cNvPr id="75" name="Straight Connector 74">
+            <a:extLst>
+              <a:ext uri="{FF2B5EF4-FFF2-40B4-BE49-F238E27FC236}">
+                <a16:creationId xmlns:a16="http://schemas.microsoft.com/office/drawing/2014/main" id="{017479C4-1A71-45B6-9E71-BC7EFEB905C7}"/>
+              </a:ext>
+            </a:extLst>
+          </p:cNvPr>
+          <p:cNvCxnSpPr/>
+          <p:nvPr/>
+        </p:nvCxnSpPr>
+        <p:spPr>
+          <a:xfrm>
+            <a:off x="4500403" y="914400"/>
+            <a:ext cx="0" cy="5029200"/>
+          </a:xfrm>
+          <a:prstGeom prst="line">
+            <a:avLst/>
+          </a:prstGeom>
+        </p:spPr>
+        <p:style>
+          <a:lnRef idx="1">
+            <a:schemeClr val="accent1"/>
+          </a:lnRef>
+          <a:fillRef idx="0">
+            <a:schemeClr val="accent1"/>
+          </a:fillRef>
+          <a:effectRef idx="0">
+            <a:schemeClr val="accent1"/>
+          </a:effectRef>
+          <a:fontRef idx="minor">
+            <a:schemeClr val="tx1"/>
+          </a:fontRef>
+        </p:style>
+      </p:cxnSp>
+      <p:cxnSp>
+        <p:nvCxnSpPr>
+          <p:cNvPr id="76" name="Straight Connector 75">
+            <a:extLst>
+              <a:ext uri="{FF2B5EF4-FFF2-40B4-BE49-F238E27FC236}">
+                <a16:creationId xmlns:a16="http://schemas.microsoft.com/office/drawing/2014/main" id="{5DDBA214-863C-43C6-86ED-691BE340558E}"/>
+              </a:ext>
+            </a:extLst>
+          </p:cNvPr>
+          <p:cNvCxnSpPr/>
+          <p:nvPr/>
+        </p:nvCxnSpPr>
+        <p:spPr>
+          <a:xfrm>
+            <a:off x="4038519" y="914400"/>
+            <a:ext cx="0" cy="5029200"/>
+          </a:xfrm>
+          <a:prstGeom prst="line">
+            <a:avLst/>
+          </a:prstGeom>
+        </p:spPr>
+        <p:style>
+          <a:lnRef idx="1">
+            <a:schemeClr val="accent1"/>
+          </a:lnRef>
+          <a:fillRef idx="0">
+            <a:schemeClr val="accent1"/>
+          </a:fillRef>
+          <a:effectRef idx="0">
+            <a:schemeClr val="accent1"/>
+          </a:effectRef>
+          <a:fontRef idx="minor">
+            <a:schemeClr val="tx1"/>
+          </a:fontRef>
+        </p:style>
+      </p:cxnSp>
+      <p:cxnSp>
+        <p:nvCxnSpPr>
+          <p:cNvPr id="77" name="Straight Connector 76">
+            <a:extLst>
+              <a:ext uri="{FF2B5EF4-FFF2-40B4-BE49-F238E27FC236}">
+                <a16:creationId xmlns:a16="http://schemas.microsoft.com/office/drawing/2014/main" id="{7077182B-29F5-4975-92F2-58DD10AED5E1}"/>
+              </a:ext>
+            </a:extLst>
+          </p:cNvPr>
+          <p:cNvCxnSpPr/>
+          <p:nvPr/>
+        </p:nvCxnSpPr>
+        <p:spPr>
+          <a:xfrm>
+            <a:off x="6331512" y="914400"/>
+            <a:ext cx="0" cy="5029200"/>
+          </a:xfrm>
+          <a:prstGeom prst="line">
+            <a:avLst/>
+          </a:prstGeom>
+        </p:spPr>
+        <p:style>
+          <a:lnRef idx="1">
+            <a:schemeClr val="accent1"/>
+          </a:lnRef>
+          <a:fillRef idx="0">
+            <a:schemeClr val="accent1"/>
+          </a:fillRef>
+          <a:effectRef idx="0">
+            <a:schemeClr val="accent1"/>
+          </a:effectRef>
+          <a:fontRef idx="minor">
+            <a:schemeClr val="tx1"/>
+          </a:fontRef>
+        </p:style>
+      </p:cxnSp>
+      <p:cxnSp>
+        <p:nvCxnSpPr>
+          <p:cNvPr id="78" name="Straight Connector 77">
+            <a:extLst>
+              <a:ext uri="{FF2B5EF4-FFF2-40B4-BE49-F238E27FC236}">
+                <a16:creationId xmlns:a16="http://schemas.microsoft.com/office/drawing/2014/main" id="{FF3B262D-698D-4101-A1F8-98B2D4CA5EF5}"/>
+              </a:ext>
+            </a:extLst>
+          </p:cNvPr>
+          <p:cNvCxnSpPr/>
+          <p:nvPr/>
+        </p:nvCxnSpPr>
+        <p:spPr>
+          <a:xfrm>
+            <a:off x="6786717" y="914400"/>
+            <a:ext cx="0" cy="5029200"/>
+          </a:xfrm>
+          <a:prstGeom prst="line">
+            <a:avLst/>
+          </a:prstGeom>
+        </p:spPr>
+        <p:style>
+          <a:lnRef idx="1">
+            <a:schemeClr val="accent1"/>
+          </a:lnRef>
+          <a:fillRef idx="0">
+            <a:schemeClr val="accent1"/>
+          </a:fillRef>
+          <a:effectRef idx="0">
+            <a:schemeClr val="accent1"/>
+          </a:effectRef>
+          <a:fontRef idx="minor">
+            <a:schemeClr val="tx1"/>
+          </a:fontRef>
+        </p:style>
+      </p:cxnSp>
+      <p:cxnSp>
+        <p:nvCxnSpPr>
+          <p:cNvPr id="79" name="Straight Connector 78">
+            <a:extLst>
+              <a:ext uri="{FF2B5EF4-FFF2-40B4-BE49-F238E27FC236}">
+                <a16:creationId xmlns:a16="http://schemas.microsoft.com/office/drawing/2014/main" id="{FDB276FE-80AA-4F6E-9990-34BFEE455507}"/>
+              </a:ext>
+            </a:extLst>
+          </p:cNvPr>
+          <p:cNvCxnSpPr/>
+          <p:nvPr/>
+        </p:nvCxnSpPr>
+        <p:spPr>
+          <a:xfrm>
+            <a:off x="7247756" y="914400"/>
+            <a:ext cx="0" cy="5029200"/>
+          </a:xfrm>
+          <a:prstGeom prst="line">
+            <a:avLst/>
+          </a:prstGeom>
+        </p:spPr>
+        <p:style>
+          <a:lnRef idx="1">
+            <a:schemeClr val="accent1"/>
+          </a:lnRef>
+          <a:fillRef idx="0">
+            <a:schemeClr val="accent1"/>
+          </a:fillRef>
+          <a:effectRef idx="0">
+            <a:schemeClr val="accent1"/>
+          </a:effectRef>
+          <a:fontRef idx="minor">
+            <a:schemeClr val="tx1"/>
+          </a:fontRef>
+        </p:style>
+      </p:cxnSp>
+      <p:cxnSp>
+        <p:nvCxnSpPr>
+          <p:cNvPr id="80" name="Straight Connector 79">
+            <a:extLst>
+              <a:ext uri="{FF2B5EF4-FFF2-40B4-BE49-F238E27FC236}">
+                <a16:creationId xmlns:a16="http://schemas.microsoft.com/office/drawing/2014/main" id="{32DB4837-8780-4486-8FAB-7E6790D2C21F}"/>
+              </a:ext>
+            </a:extLst>
+          </p:cNvPr>
+          <p:cNvCxnSpPr/>
+          <p:nvPr/>
+        </p:nvCxnSpPr>
+        <p:spPr>
+          <a:xfrm>
+            <a:off x="7699269" y="914400"/>
+            <a:ext cx="0" cy="5029200"/>
+          </a:xfrm>
+          <a:prstGeom prst="line">
+            <a:avLst/>
+          </a:prstGeom>
+        </p:spPr>
+        <p:style>
+          <a:lnRef idx="1">
+            <a:schemeClr val="accent1"/>
+          </a:lnRef>
+          <a:fillRef idx="0">
+            <a:schemeClr val="accent1"/>
+          </a:fillRef>
+          <a:effectRef idx="0">
+            <a:schemeClr val="accent1"/>
+          </a:effectRef>
+          <a:fontRef idx="minor">
+            <a:schemeClr val="tx1"/>
+          </a:fontRef>
+        </p:style>
+      </p:cxnSp>
+      <p:cxnSp>
+        <p:nvCxnSpPr>
+          <p:cNvPr id="81" name="Straight Connector 80">
+            <a:extLst>
+              <a:ext uri="{FF2B5EF4-FFF2-40B4-BE49-F238E27FC236}">
+                <a16:creationId xmlns:a16="http://schemas.microsoft.com/office/drawing/2014/main" id="{086E7EE9-DC59-4DDA-AD86-A865B6CA2128}"/>
+              </a:ext>
+            </a:extLst>
+          </p:cNvPr>
+          <p:cNvCxnSpPr/>
+          <p:nvPr/>
+        </p:nvCxnSpPr>
+        <p:spPr>
+          <a:xfrm>
+            <a:off x="8174597" y="914400"/>
+            <a:ext cx="0" cy="5029200"/>
+          </a:xfrm>
+          <a:prstGeom prst="line">
+            <a:avLst/>
+          </a:prstGeom>
+        </p:spPr>
+        <p:style>
+          <a:lnRef idx="1">
+            <a:schemeClr val="accent1"/>
+          </a:lnRef>
+          <a:fillRef idx="0">
+            <a:schemeClr val="accent1"/>
+          </a:fillRef>
+          <a:effectRef idx="0">
+            <a:schemeClr val="accent1"/>
+          </a:effectRef>
+          <a:fontRef idx="minor">
+            <a:schemeClr val="tx1"/>
+          </a:fontRef>
+        </p:style>
+      </p:cxnSp>
+      <p:sp>
+        <p:nvSpPr>
+          <p:cNvPr id="99" name="TextBox 98">
+            <a:extLst>
+              <a:ext uri="{FF2B5EF4-FFF2-40B4-BE49-F238E27FC236}">
+                <a16:creationId xmlns:a16="http://schemas.microsoft.com/office/drawing/2014/main" id="{4EBAF052-BB9A-45E9-8304-0B52D356EAA0}"/>
+              </a:ext>
+            </a:extLst>
+          </p:cNvPr>
+          <p:cNvSpPr txBox="1"/>
+          <p:nvPr/>
+        </p:nvSpPr>
+        <p:spPr>
+          <a:xfrm>
+            <a:off x="5954077" y="2514164"/>
+            <a:ext cx="274320" cy="400110"/>
+          </a:xfrm>
+          <a:prstGeom prst="rect">
+            <a:avLst/>
+          </a:prstGeom>
+          <a:noFill/>
+        </p:spPr>
+        <p:txBody>
+          <a:bodyPr wrap="square" rtlCol="0">
+            <a:spAutoFit/>
+          </a:bodyPr>
+          <a:lstStyle/>
+          <a:p>
+            <a:pPr algn="ctr"/>
+            <a:r>
+              <a:rPr lang="en-US" sz="2000" b="1" dirty="0">
+                <a:latin typeface="Arial Rounded MT Bold" panose="020F0704030504030204" pitchFamily="34" charset="0"/>
+              </a:rPr>
+              <a:t>–</a:t>
+            </a:r>
+            <a:endParaRPr lang="en-US" dirty="0">
+              <a:latin typeface="Arial Rounded MT Bold" panose="020F0704030504030204" pitchFamily="34" charset="0"/>
+            </a:endParaRPr>
+          </a:p>
+        </p:txBody>
+      </p:sp>
+      <p:sp>
+        <p:nvSpPr>
+          <p:cNvPr id="100" name="TextBox 99">
+            <a:extLst>
+              <a:ext uri="{FF2B5EF4-FFF2-40B4-BE49-F238E27FC236}">
+                <a16:creationId xmlns:a16="http://schemas.microsoft.com/office/drawing/2014/main" id="{6790D200-B69C-4A88-8740-258AB7AC600B}"/>
+              </a:ext>
+            </a:extLst>
+          </p:cNvPr>
+          <p:cNvSpPr txBox="1"/>
+          <p:nvPr/>
+        </p:nvSpPr>
+        <p:spPr>
+          <a:xfrm>
+            <a:off x="5958840" y="2061197"/>
+            <a:ext cx="274320" cy="400110"/>
+          </a:xfrm>
+          <a:prstGeom prst="rect">
+            <a:avLst/>
+          </a:prstGeom>
+          <a:noFill/>
+        </p:spPr>
+        <p:txBody>
+          <a:bodyPr wrap="square" rtlCol="0">
+            <a:spAutoFit/>
+          </a:bodyPr>
+          <a:lstStyle/>
+          <a:p>
+            <a:pPr algn="ctr"/>
+            <a:r>
+              <a:rPr lang="en-US" sz="2000" b="1" dirty="0">
+                <a:latin typeface="Arial Rounded MT Bold" panose="020F0704030504030204" pitchFamily="34" charset="0"/>
+              </a:rPr>
+              <a:t>–</a:t>
+            </a:r>
+            <a:endParaRPr lang="en-US" dirty="0">
+              <a:latin typeface="Arial Rounded MT Bold" panose="020F0704030504030204" pitchFamily="34" charset="0"/>
+            </a:endParaRPr>
+          </a:p>
+        </p:txBody>
+      </p:sp>
+      <p:sp>
+        <p:nvSpPr>
+          <p:cNvPr id="101" name="TextBox 100">
+            <a:extLst>
+              <a:ext uri="{FF2B5EF4-FFF2-40B4-BE49-F238E27FC236}">
+                <a16:creationId xmlns:a16="http://schemas.microsoft.com/office/drawing/2014/main" id="{C2A3F1B3-6F7B-4C1B-AED2-F6C91FEC3B6B}"/>
+              </a:ext>
+            </a:extLst>
+          </p:cNvPr>
+          <p:cNvSpPr txBox="1"/>
+          <p:nvPr/>
+        </p:nvSpPr>
+        <p:spPr>
+          <a:xfrm>
+            <a:off x="5952016" y="1596439"/>
+            <a:ext cx="274320" cy="400110"/>
+          </a:xfrm>
+          <a:prstGeom prst="rect">
+            <a:avLst/>
+          </a:prstGeom>
+          <a:noFill/>
+        </p:spPr>
+        <p:txBody>
+          <a:bodyPr wrap="square" rtlCol="0">
+            <a:spAutoFit/>
+          </a:bodyPr>
+          <a:lstStyle/>
+          <a:p>
+            <a:pPr algn="ctr"/>
+            <a:r>
+              <a:rPr lang="en-US" sz="2000" b="1" dirty="0">
+                <a:latin typeface="Arial Rounded MT Bold" panose="020F0704030504030204" pitchFamily="34" charset="0"/>
+              </a:rPr>
+              <a:t>–</a:t>
+            </a:r>
+            <a:endParaRPr lang="en-US" dirty="0">
+              <a:latin typeface="Arial Rounded MT Bold" panose="020F0704030504030204" pitchFamily="34" charset="0"/>
+            </a:endParaRPr>
+          </a:p>
+        </p:txBody>
+      </p:sp>
+      <p:sp>
+        <p:nvSpPr>
+          <p:cNvPr id="102" name="TextBox 101">
+            <a:extLst>
+              <a:ext uri="{FF2B5EF4-FFF2-40B4-BE49-F238E27FC236}">
+                <a16:creationId xmlns:a16="http://schemas.microsoft.com/office/drawing/2014/main" id="{A3E0F629-118C-4144-A219-450C2FE48C28}"/>
+              </a:ext>
+            </a:extLst>
+          </p:cNvPr>
+          <p:cNvSpPr txBox="1"/>
+          <p:nvPr/>
+        </p:nvSpPr>
+        <p:spPr>
+          <a:xfrm>
+            <a:off x="5952016" y="1144305"/>
+            <a:ext cx="274320" cy="400110"/>
+          </a:xfrm>
+          <a:prstGeom prst="rect">
+            <a:avLst/>
+          </a:prstGeom>
+          <a:noFill/>
+        </p:spPr>
+        <p:txBody>
+          <a:bodyPr wrap="square" rtlCol="0">
+            <a:spAutoFit/>
+          </a:bodyPr>
+          <a:lstStyle/>
+          <a:p>
+            <a:pPr algn="ctr"/>
+            <a:r>
+              <a:rPr lang="en-US" sz="2000" b="1" dirty="0">
+                <a:latin typeface="Arial Rounded MT Bold" panose="020F0704030504030204" pitchFamily="34" charset="0"/>
+              </a:rPr>
+              <a:t>–</a:t>
+            </a:r>
+            <a:endParaRPr lang="en-US" dirty="0">
+              <a:latin typeface="Arial Rounded MT Bold" panose="020F0704030504030204" pitchFamily="34" charset="0"/>
+            </a:endParaRPr>
+          </a:p>
+        </p:txBody>
+      </p:sp>
+      <p:sp>
+        <p:nvSpPr>
+          <p:cNvPr id="103" name="TextBox 102">
+            <a:extLst>
+              <a:ext uri="{FF2B5EF4-FFF2-40B4-BE49-F238E27FC236}">
+                <a16:creationId xmlns:a16="http://schemas.microsoft.com/office/drawing/2014/main" id="{B56C331D-FABC-4AA6-BE4F-BE2E56CC2503}"/>
+              </a:ext>
+            </a:extLst>
+          </p:cNvPr>
+          <p:cNvSpPr txBox="1"/>
+          <p:nvPr/>
+        </p:nvSpPr>
+        <p:spPr>
+          <a:xfrm>
+            <a:off x="5954077" y="3430845"/>
+            <a:ext cx="274320" cy="400110"/>
+          </a:xfrm>
+          <a:prstGeom prst="rect">
+            <a:avLst/>
+          </a:prstGeom>
+          <a:noFill/>
+        </p:spPr>
+        <p:txBody>
+          <a:bodyPr wrap="square" rtlCol="0">
+            <a:spAutoFit/>
+          </a:bodyPr>
+          <a:lstStyle/>
+          <a:p>
+            <a:pPr algn="ctr"/>
+            <a:r>
+              <a:rPr lang="en-US" sz="2000" b="1" dirty="0">
+                <a:latin typeface="Arial Rounded MT Bold" panose="020F0704030504030204" pitchFamily="34" charset="0"/>
+              </a:rPr>
+              <a:t>–</a:t>
+            </a:r>
+            <a:endParaRPr lang="en-US" dirty="0">
+              <a:latin typeface="Arial Rounded MT Bold" panose="020F0704030504030204" pitchFamily="34" charset="0"/>
+            </a:endParaRPr>
+          </a:p>
+        </p:txBody>
+      </p:sp>
+      <p:sp>
+        <p:nvSpPr>
+          <p:cNvPr id="104" name="TextBox 103">
+            <a:extLst>
+              <a:ext uri="{FF2B5EF4-FFF2-40B4-BE49-F238E27FC236}">
+                <a16:creationId xmlns:a16="http://schemas.microsoft.com/office/drawing/2014/main" id="{141A30FB-EAFD-4884-B262-0EDD8C7C5F61}"/>
+              </a:ext>
+            </a:extLst>
+          </p:cNvPr>
+          <p:cNvSpPr txBox="1"/>
+          <p:nvPr/>
+        </p:nvSpPr>
+        <p:spPr>
+          <a:xfrm>
+            <a:off x="5954077" y="3886378"/>
+            <a:ext cx="274320" cy="400110"/>
+          </a:xfrm>
+          <a:prstGeom prst="rect">
+            <a:avLst/>
+          </a:prstGeom>
+          <a:noFill/>
+        </p:spPr>
+        <p:txBody>
+          <a:bodyPr wrap="square" rtlCol="0">
+            <a:spAutoFit/>
+          </a:bodyPr>
+          <a:lstStyle/>
+          <a:p>
+            <a:pPr algn="ctr"/>
+            <a:r>
+              <a:rPr lang="en-US" sz="2000" b="1" dirty="0">
+                <a:latin typeface="Arial Rounded MT Bold" panose="020F0704030504030204" pitchFamily="34" charset="0"/>
+              </a:rPr>
+              <a:t>–</a:t>
+            </a:r>
+            <a:endParaRPr lang="en-US" dirty="0">
+              <a:latin typeface="Arial Rounded MT Bold" panose="020F0704030504030204" pitchFamily="34" charset="0"/>
+            </a:endParaRPr>
+          </a:p>
+        </p:txBody>
+      </p:sp>
+      <p:sp>
+        <p:nvSpPr>
+          <p:cNvPr id="105" name="TextBox 104">
+            <a:extLst>
+              <a:ext uri="{FF2B5EF4-FFF2-40B4-BE49-F238E27FC236}">
+                <a16:creationId xmlns:a16="http://schemas.microsoft.com/office/drawing/2014/main" id="{60066115-7578-4C73-B22B-6CD554647B7C}"/>
+              </a:ext>
+            </a:extLst>
+          </p:cNvPr>
+          <p:cNvSpPr txBox="1"/>
+          <p:nvPr/>
+        </p:nvSpPr>
+        <p:spPr>
+          <a:xfrm>
+            <a:off x="5958840" y="4346121"/>
+            <a:ext cx="274320" cy="400110"/>
+          </a:xfrm>
+          <a:prstGeom prst="rect">
+            <a:avLst/>
+          </a:prstGeom>
+          <a:noFill/>
+        </p:spPr>
+        <p:txBody>
+          <a:bodyPr wrap="square" rtlCol="0">
+            <a:spAutoFit/>
+          </a:bodyPr>
+          <a:lstStyle/>
+          <a:p>
+            <a:pPr algn="ctr"/>
+            <a:r>
+              <a:rPr lang="en-US" sz="2000" b="1" dirty="0">
+                <a:latin typeface="Arial Rounded MT Bold" panose="020F0704030504030204" pitchFamily="34" charset="0"/>
+              </a:rPr>
+              <a:t>–</a:t>
+            </a:r>
+            <a:endParaRPr lang="en-US" dirty="0">
+              <a:latin typeface="Arial Rounded MT Bold" panose="020F0704030504030204" pitchFamily="34" charset="0"/>
+            </a:endParaRPr>
+          </a:p>
+        </p:txBody>
+      </p:sp>
+      <p:sp>
+        <p:nvSpPr>
+          <p:cNvPr id="106" name="TextBox 105">
+            <a:extLst>
+              <a:ext uri="{FF2B5EF4-FFF2-40B4-BE49-F238E27FC236}">
+                <a16:creationId xmlns:a16="http://schemas.microsoft.com/office/drawing/2014/main" id="{34701B56-E9D1-4D41-BEE9-9B99C86859FE}"/>
+              </a:ext>
+            </a:extLst>
+          </p:cNvPr>
+          <p:cNvSpPr txBox="1"/>
+          <p:nvPr/>
+        </p:nvSpPr>
+        <p:spPr>
+          <a:xfrm>
+            <a:off x="5954077" y="4804612"/>
+            <a:ext cx="274320" cy="400110"/>
+          </a:xfrm>
+          <a:prstGeom prst="rect">
+            <a:avLst/>
+          </a:prstGeom>
+          <a:noFill/>
+        </p:spPr>
+        <p:txBody>
+          <a:bodyPr wrap="square" rtlCol="0">
+            <a:spAutoFit/>
+          </a:bodyPr>
+          <a:lstStyle/>
+          <a:p>
+            <a:pPr algn="ctr"/>
+            <a:r>
+              <a:rPr lang="en-US" sz="2000" b="1" dirty="0">
+                <a:latin typeface="Arial Rounded MT Bold" panose="020F0704030504030204" pitchFamily="34" charset="0"/>
+              </a:rPr>
+              <a:t>–</a:t>
+            </a:r>
+            <a:endParaRPr lang="en-US" dirty="0">
+              <a:latin typeface="Arial Rounded MT Bold" panose="020F0704030504030204" pitchFamily="34" charset="0"/>
+            </a:endParaRPr>
+          </a:p>
+        </p:txBody>
+      </p:sp>
+      <p:sp>
+        <p:nvSpPr>
+          <p:cNvPr id="59" name="TextBox 58">
+            <a:extLst>
+              <a:ext uri="{FF2B5EF4-FFF2-40B4-BE49-F238E27FC236}">
+                <a16:creationId xmlns:a16="http://schemas.microsoft.com/office/drawing/2014/main" id="{971F6211-5FAD-4419-B6D1-B803C9C49155}"/>
+              </a:ext>
+            </a:extLst>
+          </p:cNvPr>
+          <p:cNvSpPr txBox="1"/>
+          <p:nvPr/>
+        </p:nvSpPr>
+        <p:spPr>
+          <a:xfrm>
+            <a:off x="5603949" y="915520"/>
+            <a:ext cx="640080" cy="402336"/>
+          </a:xfrm>
+          <a:prstGeom prst="rect">
+            <a:avLst/>
+          </a:prstGeom>
+          <a:noFill/>
+        </p:spPr>
+        <p:txBody>
+          <a:bodyPr wrap="square" rtlCol="0">
+            <a:spAutoFit/>
+          </a:bodyPr>
+          <a:lstStyle/>
+          <a:p>
+            <a:pPr algn="ctr"/>
+            <a:r>
+              <a:rPr lang="en-US" dirty="0">
+                <a:latin typeface="Arial Rounded MT Bold" panose="020F0704030504030204" pitchFamily="34" charset="0"/>
+              </a:rPr>
+              <a:t>10 </a:t>
+            </a:r>
+            <a:r>
+              <a:rPr lang="en-US" sz="2000" b="1" dirty="0">
+                <a:latin typeface="Arial Rounded MT Bold" panose="020F0704030504030204" pitchFamily="34" charset="0"/>
+              </a:rPr>
+              <a:t>–</a:t>
+            </a:r>
+            <a:endParaRPr lang="en-US" dirty="0">
+              <a:latin typeface="Arial Rounded MT Bold" panose="020F0704030504030204" pitchFamily="34" charset="0"/>
+            </a:endParaRPr>
+          </a:p>
+        </p:txBody>
+      </p:sp>
+      <p:sp>
+        <p:nvSpPr>
+          <p:cNvPr id="58" name="TextBox 57">
+            <a:extLst>
+              <a:ext uri="{FF2B5EF4-FFF2-40B4-BE49-F238E27FC236}">
+                <a16:creationId xmlns:a16="http://schemas.microsoft.com/office/drawing/2014/main" id="{033E556D-FFC1-4187-B945-5793D6958BD7}"/>
+              </a:ext>
+            </a:extLst>
+          </p:cNvPr>
+          <p:cNvSpPr txBox="1"/>
+          <p:nvPr/>
+        </p:nvSpPr>
+        <p:spPr>
+          <a:xfrm>
+            <a:off x="5718249" y="1369923"/>
+            <a:ext cx="548640" cy="400110"/>
+          </a:xfrm>
+          <a:prstGeom prst="rect">
+            <a:avLst/>
+          </a:prstGeom>
+          <a:noFill/>
+        </p:spPr>
+        <p:txBody>
+          <a:bodyPr wrap="square" rtlCol="0">
+            <a:spAutoFit/>
+          </a:bodyPr>
+          <a:lstStyle/>
+          <a:p>
+            <a:pPr algn="ctr"/>
+            <a:r>
+              <a:rPr lang="en-US" dirty="0">
+                <a:latin typeface="Arial Rounded MT Bold" panose="020F0704030504030204" pitchFamily="34" charset="0"/>
+              </a:rPr>
+              <a:t>8 </a:t>
+            </a:r>
+            <a:r>
+              <a:rPr lang="en-US" sz="2000" b="1" dirty="0">
+                <a:latin typeface="Arial Rounded MT Bold" panose="020F0704030504030204" pitchFamily="34" charset="0"/>
+              </a:rPr>
+              <a:t>–</a:t>
+            </a:r>
+            <a:endParaRPr lang="en-US" dirty="0">
+              <a:latin typeface="Arial Rounded MT Bold" panose="020F0704030504030204" pitchFamily="34" charset="0"/>
+            </a:endParaRPr>
+          </a:p>
+        </p:txBody>
+      </p:sp>
+      <p:sp>
+        <p:nvSpPr>
+          <p:cNvPr id="57" name="TextBox 56">
+            <a:extLst>
+              <a:ext uri="{FF2B5EF4-FFF2-40B4-BE49-F238E27FC236}">
+                <a16:creationId xmlns:a16="http://schemas.microsoft.com/office/drawing/2014/main" id="{FD6B7015-35CA-4C5F-9BE8-FCD341E1BD6F}"/>
+              </a:ext>
+            </a:extLst>
+          </p:cNvPr>
+          <p:cNvSpPr txBox="1"/>
+          <p:nvPr/>
+        </p:nvSpPr>
+        <p:spPr>
+          <a:xfrm>
+            <a:off x="5717821" y="1831791"/>
+            <a:ext cx="548640" cy="400110"/>
+          </a:xfrm>
+          <a:prstGeom prst="rect">
+            <a:avLst/>
+          </a:prstGeom>
+          <a:noFill/>
+        </p:spPr>
+        <p:txBody>
+          <a:bodyPr wrap="square" rtlCol="0">
+            <a:spAutoFit/>
+          </a:bodyPr>
+          <a:lstStyle/>
+          <a:p>
+            <a:pPr algn="ctr"/>
+            <a:r>
+              <a:rPr lang="en-US" dirty="0">
+                <a:latin typeface="Arial Rounded MT Bold" panose="020F0704030504030204" pitchFamily="34" charset="0"/>
+              </a:rPr>
+              <a:t>6 </a:t>
+            </a:r>
+            <a:r>
+              <a:rPr lang="en-US" sz="2000" b="1" dirty="0">
+                <a:latin typeface="Arial Rounded MT Bold" panose="020F0704030504030204" pitchFamily="34" charset="0"/>
+              </a:rPr>
+              <a:t>–</a:t>
+            </a:r>
+            <a:endParaRPr lang="en-US" dirty="0">
+              <a:latin typeface="Arial Rounded MT Bold" panose="020F0704030504030204" pitchFamily="34" charset="0"/>
+            </a:endParaRPr>
+          </a:p>
+        </p:txBody>
+      </p:sp>
+      <p:sp>
+        <p:nvSpPr>
+          <p:cNvPr id="56" name="TextBox 55">
+            <a:extLst>
+              <a:ext uri="{FF2B5EF4-FFF2-40B4-BE49-F238E27FC236}">
+                <a16:creationId xmlns:a16="http://schemas.microsoft.com/office/drawing/2014/main" id="{619FA407-BE1A-4F68-86E2-B8C472193E11}"/>
+              </a:ext>
+            </a:extLst>
+          </p:cNvPr>
+          <p:cNvSpPr txBox="1"/>
+          <p:nvPr/>
+        </p:nvSpPr>
+        <p:spPr>
+          <a:xfrm>
+            <a:off x="5720310" y="2284375"/>
+            <a:ext cx="548640" cy="400110"/>
+          </a:xfrm>
+          <a:prstGeom prst="rect">
+            <a:avLst/>
+          </a:prstGeom>
+          <a:noFill/>
+        </p:spPr>
+        <p:txBody>
+          <a:bodyPr wrap="square" rtlCol="0">
+            <a:spAutoFit/>
+          </a:bodyPr>
+          <a:lstStyle/>
+          <a:p>
+            <a:pPr algn="ctr"/>
+            <a:r>
+              <a:rPr lang="en-US" dirty="0">
+                <a:latin typeface="Arial Rounded MT Bold" panose="020F0704030504030204" pitchFamily="34" charset="0"/>
+              </a:rPr>
+              <a:t>4 </a:t>
+            </a:r>
+            <a:r>
+              <a:rPr lang="en-US" sz="2000" b="1" dirty="0">
+                <a:latin typeface="Arial Rounded MT Bold" panose="020F0704030504030204" pitchFamily="34" charset="0"/>
+              </a:rPr>
+              <a:t>–</a:t>
+            </a:r>
+            <a:endParaRPr lang="en-US" dirty="0">
+              <a:latin typeface="Arial Rounded MT Bold" panose="020F0704030504030204" pitchFamily="34" charset="0"/>
+            </a:endParaRPr>
+          </a:p>
+        </p:txBody>
+      </p:sp>
+      <p:sp>
+        <p:nvSpPr>
+          <p:cNvPr id="55" name="TextBox 54">
+            <a:extLst>
+              <a:ext uri="{FF2B5EF4-FFF2-40B4-BE49-F238E27FC236}">
+                <a16:creationId xmlns:a16="http://schemas.microsoft.com/office/drawing/2014/main" id="{C7206992-39D2-4E05-925B-446E33F298BD}"/>
+              </a:ext>
+            </a:extLst>
+          </p:cNvPr>
+          <p:cNvSpPr txBox="1"/>
+          <p:nvPr/>
+        </p:nvSpPr>
+        <p:spPr>
+          <a:xfrm>
+            <a:off x="5724645" y="2746242"/>
+            <a:ext cx="548640" cy="400110"/>
+          </a:xfrm>
+          <a:prstGeom prst="rect">
+            <a:avLst/>
+          </a:prstGeom>
+          <a:noFill/>
+        </p:spPr>
+        <p:txBody>
+          <a:bodyPr wrap="square" rtlCol="0">
+            <a:spAutoFit/>
+          </a:bodyPr>
+          <a:lstStyle/>
+          <a:p>
+            <a:pPr algn="ctr"/>
+            <a:r>
+              <a:rPr lang="en-US" dirty="0">
+                <a:latin typeface="Arial Rounded MT Bold" panose="020F0704030504030204" pitchFamily="34" charset="0"/>
+              </a:rPr>
+              <a:t>2 </a:t>
+            </a:r>
+            <a:r>
+              <a:rPr lang="en-US" sz="2000" b="1" dirty="0">
+                <a:latin typeface="Arial Rounded MT Bold" panose="020F0704030504030204" pitchFamily="34" charset="0"/>
+              </a:rPr>
+              <a:t>–</a:t>
+            </a:r>
+            <a:endParaRPr lang="en-US" dirty="0">
+              <a:latin typeface="Arial Rounded MT Bold" panose="020F0704030504030204" pitchFamily="34" charset="0"/>
+            </a:endParaRPr>
+          </a:p>
+        </p:txBody>
+      </p:sp>
+      <p:sp>
+        <p:nvSpPr>
+          <p:cNvPr id="61" name="TextBox 60">
+            <a:extLst>
+              <a:ext uri="{FF2B5EF4-FFF2-40B4-BE49-F238E27FC236}">
+                <a16:creationId xmlns:a16="http://schemas.microsoft.com/office/drawing/2014/main" id="{F042FCD8-3569-4CF1-B28B-69B258910CC8}"/>
+              </a:ext>
+            </a:extLst>
+          </p:cNvPr>
+          <p:cNvSpPr txBox="1"/>
+          <p:nvPr/>
+        </p:nvSpPr>
+        <p:spPr>
+          <a:xfrm>
+            <a:off x="5952684" y="2980463"/>
+            <a:ext cx="274320" cy="400110"/>
+          </a:xfrm>
+          <a:prstGeom prst="rect">
+            <a:avLst/>
+          </a:prstGeom>
+          <a:noFill/>
+        </p:spPr>
+        <p:txBody>
+          <a:bodyPr wrap="square" rtlCol="0">
+            <a:spAutoFit/>
+          </a:bodyPr>
+          <a:lstStyle/>
+          <a:p>
+            <a:pPr algn="ctr"/>
+            <a:r>
+              <a:rPr lang="en-US" sz="2000" b="1" dirty="0">
+                <a:latin typeface="Arial Rounded MT Bold" panose="020F0704030504030204" pitchFamily="34" charset="0"/>
+              </a:rPr>
+              <a:t>–</a:t>
+            </a:r>
+            <a:endParaRPr lang="en-US" dirty="0">
+              <a:latin typeface="Arial Rounded MT Bold" panose="020F0704030504030204" pitchFamily="34" charset="0"/>
+            </a:endParaRPr>
+          </a:p>
+        </p:txBody>
+      </p:sp>
+      <p:sp>
+        <p:nvSpPr>
+          <p:cNvPr id="35" name="TextBox 34">
+            <a:extLst>
+              <a:ext uri="{FF2B5EF4-FFF2-40B4-BE49-F238E27FC236}">
+                <a16:creationId xmlns:a16="http://schemas.microsoft.com/office/drawing/2014/main" id="{BC41920E-AFF4-4558-AE1B-4573319AA45B}"/>
+              </a:ext>
+            </a:extLst>
+          </p:cNvPr>
+          <p:cNvSpPr txBox="1"/>
+          <p:nvPr/>
+        </p:nvSpPr>
+        <p:spPr>
+          <a:xfrm>
+            <a:off x="5636880" y="3661001"/>
+            <a:ext cx="640080" cy="400110"/>
+          </a:xfrm>
+          <a:prstGeom prst="rect">
+            <a:avLst/>
+          </a:prstGeom>
+          <a:noFill/>
+        </p:spPr>
+        <p:txBody>
+          <a:bodyPr wrap="square" rtlCol="0">
+            <a:spAutoFit/>
+          </a:bodyPr>
+          <a:lstStyle/>
+          <a:p>
+            <a:pPr algn="ctr"/>
+            <a:r>
+              <a:rPr lang="en-US" dirty="0">
+                <a:latin typeface="Arial Rounded MT Bold" panose="020F0704030504030204" pitchFamily="34" charset="0"/>
+              </a:rPr>
+              <a:t>-2 </a:t>
+            </a:r>
+            <a:r>
+              <a:rPr lang="en-US" sz="2000" b="1" dirty="0">
+                <a:latin typeface="Arial Rounded MT Bold" panose="020F0704030504030204" pitchFamily="34" charset="0"/>
+              </a:rPr>
+              <a:t>–</a:t>
+            </a:r>
+            <a:endParaRPr lang="en-US" dirty="0">
+              <a:latin typeface="Arial Rounded MT Bold" panose="020F0704030504030204" pitchFamily="34" charset="0"/>
+            </a:endParaRPr>
+          </a:p>
+        </p:txBody>
+      </p:sp>
+      <p:sp>
+        <p:nvSpPr>
+          <p:cNvPr id="51" name="TextBox 50">
+            <a:extLst>
+              <a:ext uri="{FF2B5EF4-FFF2-40B4-BE49-F238E27FC236}">
+                <a16:creationId xmlns:a16="http://schemas.microsoft.com/office/drawing/2014/main" id="{90562555-2D53-4F98-8B21-E80442AB99BC}"/>
+              </a:ext>
+            </a:extLst>
+          </p:cNvPr>
+          <p:cNvSpPr txBox="1"/>
+          <p:nvPr/>
+        </p:nvSpPr>
+        <p:spPr>
+          <a:xfrm>
+            <a:off x="5639411" y="4116534"/>
+            <a:ext cx="640080" cy="400110"/>
+          </a:xfrm>
+          <a:prstGeom prst="rect">
+            <a:avLst/>
+          </a:prstGeom>
+          <a:noFill/>
+        </p:spPr>
+        <p:txBody>
+          <a:bodyPr wrap="square" rtlCol="0">
+            <a:spAutoFit/>
+          </a:bodyPr>
+          <a:lstStyle/>
+          <a:p>
+            <a:pPr algn="ctr"/>
+            <a:r>
+              <a:rPr lang="en-US" dirty="0">
+                <a:latin typeface="Arial Rounded MT Bold" panose="020F0704030504030204" pitchFamily="34" charset="0"/>
+              </a:rPr>
+              <a:t>-4 </a:t>
+            </a:r>
+            <a:r>
+              <a:rPr lang="en-US" sz="2000" b="1" dirty="0">
+                <a:latin typeface="Arial Rounded MT Bold" panose="020F0704030504030204" pitchFamily="34" charset="0"/>
+              </a:rPr>
+              <a:t>–</a:t>
+            </a:r>
+            <a:endParaRPr lang="en-US" dirty="0">
+              <a:latin typeface="Arial Rounded MT Bold" panose="020F0704030504030204" pitchFamily="34" charset="0"/>
+            </a:endParaRPr>
+          </a:p>
+        </p:txBody>
+      </p:sp>
+      <p:sp>
+        <p:nvSpPr>
+          <p:cNvPr id="52" name="TextBox 51">
+            <a:extLst>
+              <a:ext uri="{FF2B5EF4-FFF2-40B4-BE49-F238E27FC236}">
+                <a16:creationId xmlns:a16="http://schemas.microsoft.com/office/drawing/2014/main" id="{87D00E47-D589-450F-93BC-092A4A1161B6}"/>
+              </a:ext>
+            </a:extLst>
+          </p:cNvPr>
+          <p:cNvSpPr txBox="1"/>
+          <p:nvPr/>
+        </p:nvSpPr>
+        <p:spPr>
+          <a:xfrm>
+            <a:off x="5639396" y="4580722"/>
+            <a:ext cx="640080" cy="400110"/>
+          </a:xfrm>
+          <a:prstGeom prst="rect">
+            <a:avLst/>
+          </a:prstGeom>
+          <a:noFill/>
+        </p:spPr>
+        <p:txBody>
+          <a:bodyPr wrap="square" rtlCol="0">
+            <a:spAutoFit/>
+          </a:bodyPr>
+          <a:lstStyle/>
+          <a:p>
+            <a:pPr algn="ctr"/>
+            <a:r>
+              <a:rPr lang="en-US" dirty="0">
+                <a:latin typeface="Arial Rounded MT Bold" panose="020F0704030504030204" pitchFamily="34" charset="0"/>
+              </a:rPr>
+              <a:t>-6 </a:t>
+            </a:r>
+            <a:r>
+              <a:rPr lang="en-US" sz="2000" b="1" dirty="0">
+                <a:latin typeface="Arial Rounded MT Bold" panose="020F0704030504030204" pitchFamily="34" charset="0"/>
+              </a:rPr>
+              <a:t>–</a:t>
+            </a:r>
+            <a:endParaRPr lang="en-US" dirty="0">
+              <a:latin typeface="Arial Rounded MT Bold" panose="020F0704030504030204" pitchFamily="34" charset="0"/>
+            </a:endParaRPr>
+          </a:p>
+        </p:txBody>
+      </p:sp>
+      <p:sp>
+        <p:nvSpPr>
+          <p:cNvPr id="53" name="TextBox 52">
+            <a:extLst>
+              <a:ext uri="{FF2B5EF4-FFF2-40B4-BE49-F238E27FC236}">
+                <a16:creationId xmlns:a16="http://schemas.microsoft.com/office/drawing/2014/main" id="{56AFC334-BA37-490C-B407-C18C0BA6E7FF}"/>
+              </a:ext>
+            </a:extLst>
+          </p:cNvPr>
+          <p:cNvSpPr txBox="1"/>
+          <p:nvPr/>
+        </p:nvSpPr>
+        <p:spPr>
+          <a:xfrm>
+            <a:off x="5637720" y="5028301"/>
+            <a:ext cx="640080" cy="400110"/>
+          </a:xfrm>
+          <a:prstGeom prst="rect">
+            <a:avLst/>
+          </a:prstGeom>
+          <a:noFill/>
+        </p:spPr>
+        <p:txBody>
+          <a:bodyPr wrap="square" rtlCol="0">
+            <a:spAutoFit/>
+          </a:bodyPr>
+          <a:lstStyle/>
+          <a:p>
+            <a:pPr algn="ctr"/>
+            <a:r>
+              <a:rPr lang="en-US" dirty="0">
+                <a:latin typeface="Arial Rounded MT Bold" panose="020F0704030504030204" pitchFamily="34" charset="0"/>
+              </a:rPr>
+              <a:t>-8 </a:t>
+            </a:r>
+            <a:r>
+              <a:rPr lang="en-US" sz="2000" b="1" dirty="0">
+                <a:latin typeface="Arial Rounded MT Bold" panose="020F0704030504030204" pitchFamily="34" charset="0"/>
+              </a:rPr>
+              <a:t>–</a:t>
+            </a:r>
+            <a:endParaRPr lang="en-US" dirty="0">
+              <a:latin typeface="Arial Rounded MT Bold" panose="020F0704030504030204" pitchFamily="34" charset="0"/>
+            </a:endParaRPr>
+          </a:p>
+        </p:txBody>
+      </p:sp>
+      <p:sp>
+        <p:nvSpPr>
+          <p:cNvPr id="108" name="TextBox 107">
+            <a:extLst>
+              <a:ext uri="{FF2B5EF4-FFF2-40B4-BE49-F238E27FC236}">
+                <a16:creationId xmlns:a16="http://schemas.microsoft.com/office/drawing/2014/main" id="{62E4ED03-372B-4D0E-9B21-4A300CFAD2ED}"/>
+              </a:ext>
+            </a:extLst>
+          </p:cNvPr>
+          <p:cNvSpPr txBox="1"/>
+          <p:nvPr/>
+        </p:nvSpPr>
+        <p:spPr>
+          <a:xfrm>
+            <a:off x="5954077" y="5261820"/>
+            <a:ext cx="274320" cy="400110"/>
+          </a:xfrm>
+          <a:prstGeom prst="rect">
+            <a:avLst/>
+          </a:prstGeom>
+          <a:noFill/>
+        </p:spPr>
+        <p:txBody>
+          <a:bodyPr wrap="square" rtlCol="0">
+            <a:spAutoFit/>
+          </a:bodyPr>
+          <a:lstStyle/>
+          <a:p>
+            <a:pPr algn="ctr"/>
+            <a:r>
+              <a:rPr lang="en-US" sz="2000" b="1" dirty="0">
+                <a:latin typeface="Arial Rounded MT Bold" panose="020F0704030504030204" pitchFamily="34" charset="0"/>
+              </a:rPr>
+              <a:t>–</a:t>
+            </a:r>
+            <a:endParaRPr lang="en-US" dirty="0">
+              <a:latin typeface="Arial Rounded MT Bold" panose="020F0704030504030204" pitchFamily="34" charset="0"/>
+            </a:endParaRPr>
+          </a:p>
+        </p:txBody>
+      </p:sp>
+      <p:sp>
+        <p:nvSpPr>
+          <p:cNvPr id="41" name="TextBox 40">
+            <a:extLst>
+              <a:ext uri="{FF2B5EF4-FFF2-40B4-BE49-F238E27FC236}">
+                <a16:creationId xmlns:a16="http://schemas.microsoft.com/office/drawing/2014/main" id="{1DDFA7C7-F3F0-4392-A645-6E9DFC5BD030}"/>
+              </a:ext>
+            </a:extLst>
+          </p:cNvPr>
+          <p:cNvSpPr txBox="1"/>
+          <p:nvPr/>
+        </p:nvSpPr>
+        <p:spPr>
+          <a:xfrm>
+            <a:off x="6326549" y="3270403"/>
+            <a:ext cx="457200" cy="553998"/>
+          </a:xfrm>
+          <a:prstGeom prst="rect">
+            <a:avLst/>
+          </a:prstGeom>
+          <a:noFill/>
+        </p:spPr>
+        <p:txBody>
+          <a:bodyPr wrap="square" rtlCol="0">
+            <a:spAutoFit/>
+          </a:bodyPr>
+          <a:lstStyle/>
+          <a:p>
+            <a:pPr algn="ctr"/>
+            <a:r>
+              <a:rPr lang="en-US" sz="1200" b="1" dirty="0">
+                <a:latin typeface="Arial Rounded MT Bold" panose="020F0704030504030204" pitchFamily="34" charset="0"/>
+              </a:rPr>
+              <a:t>|</a:t>
+            </a:r>
+          </a:p>
+          <a:p>
+            <a:pPr algn="ctr"/>
+            <a:r>
+              <a:rPr lang="en-US" dirty="0">
+                <a:latin typeface="Arial Rounded MT Bold" panose="020F0704030504030204" pitchFamily="34" charset="0"/>
+              </a:rPr>
+              <a:t>2</a:t>
+            </a:r>
+          </a:p>
+        </p:txBody>
+      </p:sp>
+      <p:sp>
+        <p:nvSpPr>
+          <p:cNvPr id="42" name="TextBox 41">
+            <a:extLst>
+              <a:ext uri="{FF2B5EF4-FFF2-40B4-BE49-F238E27FC236}">
+                <a16:creationId xmlns:a16="http://schemas.microsoft.com/office/drawing/2014/main" id="{CF78E1A7-766F-433F-888D-E4639AF438C3}"/>
+              </a:ext>
+            </a:extLst>
+          </p:cNvPr>
+          <p:cNvSpPr txBox="1"/>
+          <p:nvPr/>
+        </p:nvSpPr>
+        <p:spPr>
+          <a:xfrm>
+            <a:off x="6786991" y="3270403"/>
+            <a:ext cx="457200" cy="553998"/>
+          </a:xfrm>
+          <a:prstGeom prst="rect">
+            <a:avLst/>
+          </a:prstGeom>
+          <a:noFill/>
+        </p:spPr>
+        <p:txBody>
+          <a:bodyPr wrap="square" rtlCol="0">
+            <a:spAutoFit/>
+          </a:bodyPr>
+          <a:lstStyle/>
+          <a:p>
+            <a:pPr algn="ctr"/>
+            <a:r>
+              <a:rPr lang="en-US" sz="1200" b="1" dirty="0">
+                <a:latin typeface="Arial Rounded MT Bold" panose="020F0704030504030204" pitchFamily="34" charset="0"/>
+              </a:rPr>
+              <a:t>|</a:t>
+            </a:r>
+          </a:p>
+          <a:p>
+            <a:pPr algn="ctr"/>
+            <a:r>
+              <a:rPr lang="en-US" dirty="0">
+                <a:latin typeface="Arial Rounded MT Bold" panose="020F0704030504030204" pitchFamily="34" charset="0"/>
+              </a:rPr>
+              <a:t>4</a:t>
+            </a:r>
+          </a:p>
+        </p:txBody>
+      </p:sp>
+      <p:sp>
+        <p:nvSpPr>
+          <p:cNvPr id="109" name="TextBox 108">
+            <a:extLst>
+              <a:ext uri="{FF2B5EF4-FFF2-40B4-BE49-F238E27FC236}">
+                <a16:creationId xmlns:a16="http://schemas.microsoft.com/office/drawing/2014/main" id="{21781288-2119-4A29-816D-A78CF3C9708B}"/>
+              </a:ext>
+            </a:extLst>
+          </p:cNvPr>
+          <p:cNvSpPr txBox="1"/>
+          <p:nvPr/>
+        </p:nvSpPr>
+        <p:spPr>
+          <a:xfrm>
+            <a:off x="6235453" y="3270403"/>
+            <a:ext cx="182880" cy="276999"/>
+          </a:xfrm>
+          <a:prstGeom prst="rect">
+            <a:avLst/>
+          </a:prstGeom>
+          <a:noFill/>
+        </p:spPr>
+        <p:txBody>
+          <a:bodyPr wrap="square" rtlCol="0">
+            <a:spAutoFit/>
+          </a:bodyPr>
+          <a:lstStyle/>
+          <a:p>
+            <a:pPr algn="ctr"/>
+            <a:r>
+              <a:rPr lang="en-US" sz="1200" b="1" dirty="0">
+                <a:latin typeface="Arial Rounded MT Bold" panose="020F0704030504030204" pitchFamily="34" charset="0"/>
+              </a:rPr>
+              <a:t>|</a:t>
+            </a:r>
+          </a:p>
+        </p:txBody>
+      </p:sp>
+      <p:sp>
+        <p:nvSpPr>
+          <p:cNvPr id="43" name="TextBox 42">
+            <a:extLst>
+              <a:ext uri="{FF2B5EF4-FFF2-40B4-BE49-F238E27FC236}">
+                <a16:creationId xmlns:a16="http://schemas.microsoft.com/office/drawing/2014/main" id="{4482C8D6-282F-4D9E-8D6C-156BA5C6DED9}"/>
+              </a:ext>
+            </a:extLst>
+          </p:cNvPr>
+          <p:cNvSpPr txBox="1"/>
+          <p:nvPr/>
+        </p:nvSpPr>
+        <p:spPr>
+          <a:xfrm>
+            <a:off x="7249459" y="3270403"/>
+            <a:ext cx="457200" cy="553998"/>
+          </a:xfrm>
+          <a:prstGeom prst="rect">
+            <a:avLst/>
+          </a:prstGeom>
+          <a:noFill/>
+        </p:spPr>
+        <p:txBody>
+          <a:bodyPr wrap="square" rtlCol="0">
+            <a:spAutoFit/>
+          </a:bodyPr>
+          <a:lstStyle/>
+          <a:p>
+            <a:pPr algn="ctr"/>
+            <a:r>
+              <a:rPr lang="en-US" sz="1200" b="1" dirty="0">
+                <a:latin typeface="Arial Rounded MT Bold" panose="020F0704030504030204" pitchFamily="34" charset="0"/>
+              </a:rPr>
+              <a:t>|</a:t>
+            </a:r>
+          </a:p>
+          <a:p>
+            <a:pPr algn="ctr"/>
+            <a:r>
+              <a:rPr lang="en-US" dirty="0">
+                <a:latin typeface="Arial Rounded MT Bold" panose="020F0704030504030204" pitchFamily="34" charset="0"/>
+              </a:rPr>
+              <a:t>6</a:t>
+            </a:r>
+          </a:p>
+        </p:txBody>
+      </p:sp>
+      <p:sp>
+        <p:nvSpPr>
+          <p:cNvPr id="44" name="TextBox 43">
+            <a:extLst>
+              <a:ext uri="{FF2B5EF4-FFF2-40B4-BE49-F238E27FC236}">
+                <a16:creationId xmlns:a16="http://schemas.microsoft.com/office/drawing/2014/main" id="{DDB16C56-ABDC-4966-8204-34B84351C19C}"/>
+              </a:ext>
+            </a:extLst>
+          </p:cNvPr>
+          <p:cNvSpPr txBox="1"/>
+          <p:nvPr/>
+        </p:nvSpPr>
+        <p:spPr>
+          <a:xfrm>
+            <a:off x="7711966" y="3270403"/>
+            <a:ext cx="457200" cy="553998"/>
+          </a:xfrm>
+          <a:prstGeom prst="rect">
+            <a:avLst/>
+          </a:prstGeom>
+          <a:noFill/>
+        </p:spPr>
+        <p:txBody>
+          <a:bodyPr wrap="square" rtlCol="0">
+            <a:spAutoFit/>
+          </a:bodyPr>
+          <a:lstStyle/>
+          <a:p>
+            <a:pPr algn="ctr"/>
+            <a:r>
+              <a:rPr lang="en-US" sz="1200" b="1" dirty="0">
+                <a:latin typeface="Arial Rounded MT Bold" panose="020F0704030504030204" pitchFamily="34" charset="0"/>
+              </a:rPr>
+              <a:t>|</a:t>
+            </a:r>
+          </a:p>
+          <a:p>
+            <a:pPr algn="ctr"/>
+            <a:r>
+              <a:rPr lang="en-US" dirty="0">
+                <a:latin typeface="Arial Rounded MT Bold" panose="020F0704030504030204" pitchFamily="34" charset="0"/>
+              </a:rPr>
+              <a:t>8</a:t>
+            </a:r>
+          </a:p>
+        </p:txBody>
+      </p:sp>
+      <p:sp>
+        <p:nvSpPr>
+          <p:cNvPr id="45" name="TextBox 44">
+            <a:extLst>
+              <a:ext uri="{FF2B5EF4-FFF2-40B4-BE49-F238E27FC236}">
+                <a16:creationId xmlns:a16="http://schemas.microsoft.com/office/drawing/2014/main" id="{E2BD9875-6133-4D79-95B1-255843E596C2}"/>
+              </a:ext>
+            </a:extLst>
+          </p:cNvPr>
+          <p:cNvSpPr txBox="1"/>
+          <p:nvPr/>
+        </p:nvSpPr>
+        <p:spPr>
+          <a:xfrm>
+            <a:off x="8183662" y="3270403"/>
+            <a:ext cx="457200" cy="553998"/>
+          </a:xfrm>
+          <a:prstGeom prst="rect">
+            <a:avLst/>
+          </a:prstGeom>
+          <a:noFill/>
+        </p:spPr>
+        <p:txBody>
+          <a:bodyPr wrap="square" rtlCol="0">
+            <a:spAutoFit/>
+          </a:bodyPr>
+          <a:lstStyle/>
+          <a:p>
+            <a:pPr algn="ctr"/>
+            <a:r>
+              <a:rPr lang="en-US" sz="1200" b="1" dirty="0">
+                <a:latin typeface="Arial Rounded MT Bold" panose="020F0704030504030204" pitchFamily="34" charset="0"/>
+              </a:rPr>
+              <a:t>|</a:t>
+            </a:r>
+          </a:p>
+          <a:p>
+            <a:pPr algn="ctr"/>
+            <a:r>
+              <a:rPr lang="en-US" dirty="0">
+                <a:latin typeface="Arial Rounded MT Bold" panose="020F0704030504030204" pitchFamily="34" charset="0"/>
+              </a:rPr>
+              <a:t>10</a:t>
+            </a:r>
+          </a:p>
+        </p:txBody>
+      </p:sp>
+      <p:sp>
+        <p:nvSpPr>
+          <p:cNvPr id="110" name="TextBox 109">
+            <a:extLst>
+              <a:ext uri="{FF2B5EF4-FFF2-40B4-BE49-F238E27FC236}">
+                <a16:creationId xmlns:a16="http://schemas.microsoft.com/office/drawing/2014/main" id="{A68D9F29-3E03-491C-BB9A-291C626A786E}"/>
+              </a:ext>
+            </a:extLst>
+          </p:cNvPr>
+          <p:cNvSpPr txBox="1"/>
+          <p:nvPr/>
+        </p:nvSpPr>
+        <p:spPr>
+          <a:xfrm>
+            <a:off x="6697430" y="3270403"/>
+            <a:ext cx="182880" cy="276999"/>
+          </a:xfrm>
+          <a:prstGeom prst="rect">
+            <a:avLst/>
+          </a:prstGeom>
+          <a:noFill/>
+        </p:spPr>
+        <p:txBody>
+          <a:bodyPr wrap="square" rtlCol="0">
+            <a:spAutoFit/>
+          </a:bodyPr>
+          <a:lstStyle/>
+          <a:p>
+            <a:pPr algn="ctr"/>
+            <a:r>
+              <a:rPr lang="en-US" sz="1200" b="1" dirty="0">
+                <a:latin typeface="Arial Rounded MT Bold" panose="020F0704030504030204" pitchFamily="34" charset="0"/>
+              </a:rPr>
+              <a:t>|</a:t>
+            </a:r>
+          </a:p>
+        </p:txBody>
+      </p:sp>
+      <p:sp>
+        <p:nvSpPr>
+          <p:cNvPr id="111" name="TextBox 110">
+            <a:extLst>
+              <a:ext uri="{FF2B5EF4-FFF2-40B4-BE49-F238E27FC236}">
+                <a16:creationId xmlns:a16="http://schemas.microsoft.com/office/drawing/2014/main" id="{2DC80D86-3BA3-4DB7-8276-AA74CB1CDF6E}"/>
+              </a:ext>
+            </a:extLst>
+          </p:cNvPr>
+          <p:cNvSpPr txBox="1"/>
+          <p:nvPr/>
+        </p:nvSpPr>
+        <p:spPr>
+          <a:xfrm>
+            <a:off x="7155716" y="3270403"/>
+            <a:ext cx="182880" cy="276999"/>
+          </a:xfrm>
+          <a:prstGeom prst="rect">
+            <a:avLst/>
+          </a:prstGeom>
+          <a:noFill/>
+        </p:spPr>
+        <p:txBody>
+          <a:bodyPr wrap="square" rtlCol="0">
+            <a:spAutoFit/>
+          </a:bodyPr>
+          <a:lstStyle/>
+          <a:p>
+            <a:pPr algn="ctr"/>
+            <a:r>
+              <a:rPr lang="en-US" sz="1200" b="1" dirty="0">
+                <a:latin typeface="Arial Rounded MT Bold" panose="020F0704030504030204" pitchFamily="34" charset="0"/>
+              </a:rPr>
+              <a:t>|</a:t>
+            </a:r>
+          </a:p>
+        </p:txBody>
+      </p:sp>
+      <p:sp>
+        <p:nvSpPr>
+          <p:cNvPr id="112" name="TextBox 111">
+            <a:extLst>
+              <a:ext uri="{FF2B5EF4-FFF2-40B4-BE49-F238E27FC236}">
+                <a16:creationId xmlns:a16="http://schemas.microsoft.com/office/drawing/2014/main" id="{BB7EC315-CD2E-4F48-BEF6-E5FF5AB1C641}"/>
+              </a:ext>
+            </a:extLst>
+          </p:cNvPr>
+          <p:cNvSpPr txBox="1"/>
+          <p:nvPr/>
+        </p:nvSpPr>
+        <p:spPr>
+          <a:xfrm>
+            <a:off x="7607829" y="3270403"/>
+            <a:ext cx="182880" cy="276999"/>
+          </a:xfrm>
+          <a:prstGeom prst="rect">
+            <a:avLst/>
+          </a:prstGeom>
+          <a:noFill/>
+        </p:spPr>
+        <p:txBody>
+          <a:bodyPr wrap="square" rtlCol="0">
+            <a:spAutoFit/>
+          </a:bodyPr>
+          <a:lstStyle/>
+          <a:p>
+            <a:pPr algn="ctr"/>
+            <a:r>
+              <a:rPr lang="en-US" sz="1200" b="1" dirty="0">
+                <a:latin typeface="Arial Rounded MT Bold" panose="020F0704030504030204" pitchFamily="34" charset="0"/>
+              </a:rPr>
+              <a:t>|</a:t>
+            </a:r>
+          </a:p>
+        </p:txBody>
+      </p:sp>
+      <p:sp>
+        <p:nvSpPr>
+          <p:cNvPr id="113" name="TextBox 112">
+            <a:extLst>
+              <a:ext uri="{FF2B5EF4-FFF2-40B4-BE49-F238E27FC236}">
+                <a16:creationId xmlns:a16="http://schemas.microsoft.com/office/drawing/2014/main" id="{74621BB5-D088-4023-97CD-DAC42E9F18FD}"/>
+              </a:ext>
+            </a:extLst>
+          </p:cNvPr>
+          <p:cNvSpPr txBox="1"/>
+          <p:nvPr/>
+        </p:nvSpPr>
+        <p:spPr>
+          <a:xfrm>
+            <a:off x="8081527" y="3270403"/>
+            <a:ext cx="182880" cy="276999"/>
+          </a:xfrm>
+          <a:prstGeom prst="rect">
+            <a:avLst/>
+          </a:prstGeom>
+          <a:noFill/>
+        </p:spPr>
+        <p:txBody>
+          <a:bodyPr wrap="square" rtlCol="0">
+            <a:spAutoFit/>
+          </a:bodyPr>
+          <a:lstStyle/>
+          <a:p>
+            <a:pPr algn="ctr"/>
+            <a:r>
+              <a:rPr lang="en-US" sz="1200" b="1" dirty="0">
+                <a:latin typeface="Arial Rounded MT Bold" panose="020F0704030504030204" pitchFamily="34" charset="0"/>
+              </a:rPr>
+              <a:t>|</a:t>
+            </a:r>
+          </a:p>
+        </p:txBody>
+      </p:sp>
+      <p:sp>
+        <p:nvSpPr>
+          <p:cNvPr id="114" name="TextBox 113">
+            <a:extLst>
+              <a:ext uri="{FF2B5EF4-FFF2-40B4-BE49-F238E27FC236}">
+                <a16:creationId xmlns:a16="http://schemas.microsoft.com/office/drawing/2014/main" id="{791D89F4-AA09-4E94-8865-29426401AA78}"/>
+              </a:ext>
+            </a:extLst>
+          </p:cNvPr>
+          <p:cNvSpPr txBox="1"/>
+          <p:nvPr/>
+        </p:nvSpPr>
+        <p:spPr>
+          <a:xfrm>
+            <a:off x="5782285" y="3270403"/>
+            <a:ext cx="182880" cy="276999"/>
+          </a:xfrm>
+          <a:prstGeom prst="rect">
+            <a:avLst/>
+          </a:prstGeom>
+          <a:noFill/>
+        </p:spPr>
+        <p:txBody>
+          <a:bodyPr wrap="square" rtlCol="0">
+            <a:spAutoFit/>
+          </a:bodyPr>
+          <a:lstStyle/>
+          <a:p>
+            <a:pPr algn="ctr"/>
+            <a:r>
+              <a:rPr lang="en-US" sz="1200" b="1" dirty="0">
+                <a:latin typeface="Arial Rounded MT Bold" panose="020F0704030504030204" pitchFamily="34" charset="0"/>
+              </a:rPr>
+              <a:t>|</a:t>
+            </a:r>
+          </a:p>
+        </p:txBody>
+      </p:sp>
+      <p:sp>
+        <p:nvSpPr>
+          <p:cNvPr id="46" name="TextBox 45">
+            <a:extLst>
+              <a:ext uri="{FF2B5EF4-FFF2-40B4-BE49-F238E27FC236}">
+                <a16:creationId xmlns:a16="http://schemas.microsoft.com/office/drawing/2014/main" id="{41E1473A-3443-4218-8980-A4A032A46E27}"/>
+              </a:ext>
+            </a:extLst>
+          </p:cNvPr>
+          <p:cNvSpPr txBox="1"/>
+          <p:nvPr/>
+        </p:nvSpPr>
+        <p:spPr>
+          <a:xfrm>
+            <a:off x="5414933" y="3270403"/>
+            <a:ext cx="457200" cy="553998"/>
+          </a:xfrm>
+          <a:prstGeom prst="rect">
+            <a:avLst/>
+          </a:prstGeom>
+          <a:noFill/>
+        </p:spPr>
+        <p:txBody>
+          <a:bodyPr wrap="square" rtlCol="0">
+            <a:spAutoFit/>
+          </a:bodyPr>
+          <a:lstStyle/>
+          <a:p>
+            <a:pPr algn="ctr"/>
+            <a:r>
+              <a:rPr lang="en-US" sz="1200" b="1" dirty="0">
+                <a:latin typeface="Arial Rounded MT Bold" panose="020F0704030504030204" pitchFamily="34" charset="0"/>
+              </a:rPr>
+              <a:t>|</a:t>
+            </a:r>
+          </a:p>
+          <a:p>
+            <a:pPr algn="ctr"/>
+            <a:r>
+              <a:rPr lang="en-US" dirty="0">
+                <a:latin typeface="Arial Rounded MT Bold" panose="020F0704030504030204" pitchFamily="34" charset="0"/>
+              </a:rPr>
+              <a:t>-2</a:t>
+            </a:r>
+          </a:p>
+        </p:txBody>
+      </p:sp>
+      <p:sp>
+        <p:nvSpPr>
+          <p:cNvPr id="47" name="TextBox 46">
+            <a:extLst>
+              <a:ext uri="{FF2B5EF4-FFF2-40B4-BE49-F238E27FC236}">
+                <a16:creationId xmlns:a16="http://schemas.microsoft.com/office/drawing/2014/main" id="{26809BB3-AA0F-4AAF-9AD9-3A5E7BBB9A8E}"/>
+              </a:ext>
+            </a:extLst>
+          </p:cNvPr>
+          <p:cNvSpPr txBox="1"/>
+          <p:nvPr/>
+        </p:nvSpPr>
+        <p:spPr>
+          <a:xfrm>
+            <a:off x="4950805" y="3270403"/>
+            <a:ext cx="457200" cy="553998"/>
+          </a:xfrm>
+          <a:prstGeom prst="rect">
+            <a:avLst/>
+          </a:prstGeom>
+          <a:noFill/>
+        </p:spPr>
+        <p:txBody>
+          <a:bodyPr wrap="square" rtlCol="0">
+            <a:spAutoFit/>
+          </a:bodyPr>
+          <a:lstStyle/>
+          <a:p>
+            <a:pPr algn="ctr"/>
+            <a:r>
+              <a:rPr lang="en-US" sz="1200" b="1" dirty="0">
+                <a:latin typeface="Arial Rounded MT Bold" panose="020F0704030504030204" pitchFamily="34" charset="0"/>
+              </a:rPr>
+              <a:t>|</a:t>
+            </a:r>
+          </a:p>
+          <a:p>
+            <a:pPr algn="ctr"/>
+            <a:r>
+              <a:rPr lang="en-US" dirty="0">
+                <a:latin typeface="Arial Rounded MT Bold" panose="020F0704030504030204" pitchFamily="34" charset="0"/>
+              </a:rPr>
+              <a:t>-4</a:t>
+            </a:r>
+          </a:p>
+        </p:txBody>
+      </p:sp>
+      <p:sp>
+        <p:nvSpPr>
+          <p:cNvPr id="48" name="TextBox 47">
+            <a:extLst>
+              <a:ext uri="{FF2B5EF4-FFF2-40B4-BE49-F238E27FC236}">
+                <a16:creationId xmlns:a16="http://schemas.microsoft.com/office/drawing/2014/main" id="{B9AB481C-C67A-4B55-B89E-B7CF9B03C0E5}"/>
+              </a:ext>
+            </a:extLst>
+          </p:cNvPr>
+          <p:cNvSpPr txBox="1"/>
+          <p:nvPr/>
+        </p:nvSpPr>
+        <p:spPr>
+          <a:xfrm>
+            <a:off x="4497828" y="3270403"/>
+            <a:ext cx="457200" cy="553998"/>
+          </a:xfrm>
+          <a:prstGeom prst="rect">
+            <a:avLst/>
+          </a:prstGeom>
+          <a:noFill/>
+        </p:spPr>
+        <p:txBody>
+          <a:bodyPr wrap="square" rtlCol="0">
+            <a:spAutoFit/>
+          </a:bodyPr>
+          <a:lstStyle/>
+          <a:p>
+            <a:pPr algn="ctr"/>
+            <a:r>
+              <a:rPr lang="en-US" sz="1200" b="1" dirty="0">
+                <a:latin typeface="Arial Rounded MT Bold" panose="020F0704030504030204" pitchFamily="34" charset="0"/>
+              </a:rPr>
+              <a:t>|</a:t>
+            </a:r>
+          </a:p>
+          <a:p>
+            <a:pPr algn="ctr"/>
+            <a:r>
+              <a:rPr lang="en-US" dirty="0">
+                <a:latin typeface="Arial Rounded MT Bold" panose="020F0704030504030204" pitchFamily="34" charset="0"/>
+              </a:rPr>
+              <a:t>-6</a:t>
+            </a:r>
+          </a:p>
+        </p:txBody>
+      </p:sp>
+      <p:sp>
+        <p:nvSpPr>
+          <p:cNvPr id="49" name="TextBox 48">
+            <a:extLst>
+              <a:ext uri="{FF2B5EF4-FFF2-40B4-BE49-F238E27FC236}">
+                <a16:creationId xmlns:a16="http://schemas.microsoft.com/office/drawing/2014/main" id="{4021C30E-3A8C-4DC0-A700-AF21FCA65BA2}"/>
+              </a:ext>
+            </a:extLst>
+          </p:cNvPr>
+          <p:cNvSpPr txBox="1"/>
+          <p:nvPr/>
+        </p:nvSpPr>
+        <p:spPr>
+          <a:xfrm>
+            <a:off x="4035854" y="3270403"/>
+            <a:ext cx="457200" cy="553998"/>
+          </a:xfrm>
+          <a:prstGeom prst="rect">
+            <a:avLst/>
+          </a:prstGeom>
+          <a:noFill/>
+        </p:spPr>
+        <p:txBody>
+          <a:bodyPr wrap="square" rtlCol="0">
+            <a:spAutoFit/>
+          </a:bodyPr>
+          <a:lstStyle/>
+          <a:p>
+            <a:pPr algn="ctr"/>
+            <a:r>
+              <a:rPr lang="en-US" sz="1200" b="1" dirty="0">
+                <a:latin typeface="Arial Rounded MT Bold" panose="020F0704030504030204" pitchFamily="34" charset="0"/>
+              </a:rPr>
+              <a:t>|</a:t>
+            </a:r>
+          </a:p>
+          <a:p>
+            <a:pPr algn="ctr"/>
+            <a:r>
+              <a:rPr lang="en-US" dirty="0">
+                <a:latin typeface="Arial Rounded MT Bold" panose="020F0704030504030204" pitchFamily="34" charset="0"/>
+              </a:rPr>
+              <a:t>-8</a:t>
+            </a:r>
+          </a:p>
+        </p:txBody>
+      </p:sp>
+      <p:sp>
+        <p:nvSpPr>
+          <p:cNvPr id="50" name="TextBox 49">
+            <a:extLst>
+              <a:ext uri="{FF2B5EF4-FFF2-40B4-BE49-F238E27FC236}">
+                <a16:creationId xmlns:a16="http://schemas.microsoft.com/office/drawing/2014/main" id="{AF380627-FC4F-42B7-AB5F-4D14EB400404}"/>
+              </a:ext>
+            </a:extLst>
+          </p:cNvPr>
+          <p:cNvSpPr txBox="1"/>
+          <p:nvPr/>
+        </p:nvSpPr>
+        <p:spPr>
+          <a:xfrm>
+            <a:off x="3531453" y="3270403"/>
+            <a:ext cx="548640" cy="557784"/>
+          </a:xfrm>
+          <a:prstGeom prst="rect">
+            <a:avLst/>
+          </a:prstGeom>
+          <a:noFill/>
+        </p:spPr>
+        <p:txBody>
+          <a:bodyPr wrap="square" rtlCol="0">
+            <a:spAutoFit/>
+          </a:bodyPr>
+          <a:lstStyle/>
+          <a:p>
+            <a:pPr algn="ctr"/>
+            <a:r>
+              <a:rPr lang="en-US" sz="1200" b="1" dirty="0">
+                <a:latin typeface="Arial Rounded MT Bold" panose="020F0704030504030204" pitchFamily="34" charset="0"/>
+              </a:rPr>
+              <a:t>|</a:t>
+            </a:r>
+          </a:p>
+          <a:p>
+            <a:pPr algn="ctr"/>
+            <a:r>
+              <a:rPr lang="en-US" dirty="0">
+                <a:latin typeface="Arial Rounded MT Bold" panose="020F0704030504030204" pitchFamily="34" charset="0"/>
+              </a:rPr>
+              <a:t>-10</a:t>
+            </a:r>
+          </a:p>
+        </p:txBody>
+      </p:sp>
+      <p:sp>
+        <p:nvSpPr>
+          <p:cNvPr id="115" name="TextBox 114">
+            <a:extLst>
+              <a:ext uri="{FF2B5EF4-FFF2-40B4-BE49-F238E27FC236}">
+                <a16:creationId xmlns:a16="http://schemas.microsoft.com/office/drawing/2014/main" id="{9CC977CA-36C2-4C89-9617-BEEA5B5C7A48}"/>
+              </a:ext>
+            </a:extLst>
+          </p:cNvPr>
+          <p:cNvSpPr txBox="1"/>
+          <p:nvPr/>
+        </p:nvSpPr>
+        <p:spPr>
+          <a:xfrm>
+            <a:off x="5324916" y="3270403"/>
+            <a:ext cx="182880" cy="276999"/>
+          </a:xfrm>
+          <a:prstGeom prst="rect">
+            <a:avLst/>
+          </a:prstGeom>
+          <a:noFill/>
+        </p:spPr>
+        <p:txBody>
+          <a:bodyPr wrap="square" rtlCol="0">
+            <a:spAutoFit/>
+          </a:bodyPr>
+          <a:lstStyle/>
+          <a:p>
+            <a:pPr algn="ctr"/>
+            <a:r>
+              <a:rPr lang="en-US" sz="1200" b="1" dirty="0">
+                <a:latin typeface="Arial Rounded MT Bold" panose="020F0704030504030204" pitchFamily="34" charset="0"/>
+              </a:rPr>
+              <a:t>|</a:t>
+            </a:r>
+          </a:p>
+        </p:txBody>
+      </p:sp>
+      <p:sp>
+        <p:nvSpPr>
+          <p:cNvPr id="116" name="TextBox 115">
+            <a:extLst>
+              <a:ext uri="{FF2B5EF4-FFF2-40B4-BE49-F238E27FC236}">
+                <a16:creationId xmlns:a16="http://schemas.microsoft.com/office/drawing/2014/main" id="{C4EC6E9A-2208-43A4-A4DD-D18A653A3739}"/>
+              </a:ext>
+            </a:extLst>
+          </p:cNvPr>
+          <p:cNvSpPr txBox="1"/>
+          <p:nvPr/>
+        </p:nvSpPr>
+        <p:spPr>
+          <a:xfrm>
+            <a:off x="4867081" y="3270403"/>
+            <a:ext cx="182880" cy="276999"/>
+          </a:xfrm>
+          <a:prstGeom prst="rect">
+            <a:avLst/>
+          </a:prstGeom>
+          <a:noFill/>
+        </p:spPr>
+        <p:txBody>
+          <a:bodyPr wrap="square" rtlCol="0">
+            <a:spAutoFit/>
+          </a:bodyPr>
+          <a:lstStyle/>
+          <a:p>
+            <a:pPr algn="ctr"/>
+            <a:r>
+              <a:rPr lang="en-US" sz="1200" b="1" dirty="0">
+                <a:latin typeface="Arial Rounded MT Bold" panose="020F0704030504030204" pitchFamily="34" charset="0"/>
+              </a:rPr>
+              <a:t>|</a:t>
+            </a:r>
+          </a:p>
+        </p:txBody>
+      </p:sp>
+      <p:sp>
+        <p:nvSpPr>
+          <p:cNvPr id="117" name="TextBox 116">
+            <a:extLst>
+              <a:ext uri="{FF2B5EF4-FFF2-40B4-BE49-F238E27FC236}">
+                <a16:creationId xmlns:a16="http://schemas.microsoft.com/office/drawing/2014/main" id="{484CDBBF-5AB9-4443-AE3F-380DA7B78202}"/>
+              </a:ext>
+            </a:extLst>
+          </p:cNvPr>
+          <p:cNvSpPr txBox="1"/>
+          <p:nvPr/>
+        </p:nvSpPr>
+        <p:spPr>
+          <a:xfrm>
+            <a:off x="4410561" y="3270403"/>
+            <a:ext cx="182880" cy="276999"/>
+          </a:xfrm>
+          <a:prstGeom prst="rect">
+            <a:avLst/>
+          </a:prstGeom>
+          <a:noFill/>
+        </p:spPr>
+        <p:txBody>
+          <a:bodyPr wrap="square" rtlCol="0">
+            <a:spAutoFit/>
+          </a:bodyPr>
+          <a:lstStyle/>
+          <a:p>
+            <a:pPr algn="ctr"/>
+            <a:r>
+              <a:rPr lang="en-US" sz="1200" b="1" dirty="0">
+                <a:latin typeface="Arial Rounded MT Bold" panose="020F0704030504030204" pitchFamily="34" charset="0"/>
+              </a:rPr>
+              <a:t>|</a:t>
+            </a:r>
+          </a:p>
+        </p:txBody>
+      </p:sp>
+      <p:sp>
+        <p:nvSpPr>
+          <p:cNvPr id="119" name="TextBox 118">
+            <a:extLst>
+              <a:ext uri="{FF2B5EF4-FFF2-40B4-BE49-F238E27FC236}">
+                <a16:creationId xmlns:a16="http://schemas.microsoft.com/office/drawing/2014/main" id="{8CBD66F1-0DFF-4E86-805E-8F7FD589958D}"/>
+              </a:ext>
+            </a:extLst>
+          </p:cNvPr>
+          <p:cNvSpPr txBox="1"/>
+          <p:nvPr/>
+        </p:nvSpPr>
+        <p:spPr>
+          <a:xfrm>
+            <a:off x="3947061" y="3270403"/>
+            <a:ext cx="182880" cy="276999"/>
+          </a:xfrm>
+          <a:prstGeom prst="rect">
+            <a:avLst/>
+          </a:prstGeom>
+          <a:noFill/>
+        </p:spPr>
+        <p:txBody>
+          <a:bodyPr wrap="square" rtlCol="0">
+            <a:spAutoFit/>
+          </a:bodyPr>
+          <a:lstStyle/>
+          <a:p>
+            <a:pPr algn="ctr"/>
+            <a:r>
+              <a:rPr lang="en-US" sz="1200" b="1" dirty="0">
+                <a:latin typeface="Arial Rounded MT Bold" panose="020F0704030504030204" pitchFamily="34" charset="0"/>
+              </a:rPr>
+              <a:t>|</a:t>
+            </a:r>
+          </a:p>
+        </p:txBody>
+      </p:sp>
+      <p:cxnSp>
+        <p:nvCxnSpPr>
+          <p:cNvPr id="85" name="Straight Connector 84">
+            <a:extLst>
+              <a:ext uri="{FF2B5EF4-FFF2-40B4-BE49-F238E27FC236}">
+                <a16:creationId xmlns:a16="http://schemas.microsoft.com/office/drawing/2014/main" id="{0EB34C83-7BAD-4BFE-BCD6-B5FD28525650}"/>
+              </a:ext>
+            </a:extLst>
+          </p:cNvPr>
+          <p:cNvCxnSpPr>
+            <a:cxnSpLocks/>
+          </p:cNvCxnSpPr>
+          <p:nvPr/>
+        </p:nvCxnSpPr>
+        <p:spPr>
+          <a:xfrm flipH="1">
+            <a:off x="4500403" y="3205443"/>
+            <a:ext cx="2514452" cy="2503864"/>
+          </a:xfrm>
+          <a:prstGeom prst="line">
+            <a:avLst/>
+          </a:prstGeom>
+          <a:ln w="38100" cap="rnd">
+            <a:solidFill>
+              <a:srgbClr val="C00000"/>
+            </a:solidFill>
+          </a:ln>
+        </p:spPr>
+        <p:style>
+          <a:lnRef idx="1">
+            <a:schemeClr val="accent1"/>
+          </a:lnRef>
+          <a:fillRef idx="0">
+            <a:schemeClr val="accent1"/>
+          </a:fillRef>
+          <a:effectRef idx="0">
+            <a:schemeClr val="accent1"/>
+          </a:effectRef>
+          <a:fontRef idx="minor">
+            <a:schemeClr val="tx1"/>
+          </a:fontRef>
+        </p:style>
+      </p:cxnSp>
+      <p:cxnSp>
+        <p:nvCxnSpPr>
+          <p:cNvPr id="88" name="Straight Connector 87">
+            <a:extLst>
+              <a:ext uri="{FF2B5EF4-FFF2-40B4-BE49-F238E27FC236}">
+                <a16:creationId xmlns:a16="http://schemas.microsoft.com/office/drawing/2014/main" id="{475222D2-35EF-49FD-B218-7FD6FB32BC19}"/>
+              </a:ext>
+            </a:extLst>
+          </p:cNvPr>
+          <p:cNvCxnSpPr>
+            <a:cxnSpLocks/>
+          </p:cNvCxnSpPr>
+          <p:nvPr/>
+        </p:nvCxnSpPr>
+        <p:spPr>
+          <a:xfrm flipH="1" flipV="1">
+            <a:off x="7017543" y="3210118"/>
+            <a:ext cx="1394719" cy="1362755"/>
+          </a:xfrm>
+          <a:prstGeom prst="line">
+            <a:avLst/>
+          </a:prstGeom>
+          <a:ln w="38100" cap="rnd">
+            <a:solidFill>
+              <a:srgbClr val="C00000"/>
+            </a:solidFill>
+          </a:ln>
+        </p:spPr>
+        <p:style>
+          <a:lnRef idx="1">
+            <a:schemeClr val="accent1"/>
+          </a:lnRef>
+          <a:fillRef idx="0">
+            <a:schemeClr val="accent1"/>
+          </a:fillRef>
+          <a:effectRef idx="0">
+            <a:schemeClr val="accent1"/>
+          </a:effectRef>
+          <a:fontRef idx="minor">
+            <a:schemeClr val="tx1"/>
+          </a:fontRef>
+        </p:style>
+      </p:cxnSp>
+    </p:spTree>
+    <p:extLst>
+      <p:ext uri="{BB962C8B-B14F-4D97-AF65-F5344CB8AC3E}">
+        <p14:creationId xmlns:p14="http://schemas.microsoft.com/office/powerpoint/2010/main" val="3871709924"/>
       </p:ext>
     </p:extLst>
   </p:cSld>
